--- a/present2.pptx
+++ b/present2.pptx
@@ -6,18 +6,15 @@
     <p:sldMasterId id="2147483672" r:id="rId2"/>
   </p:sldMasterIdLst>
   <p:notesMasterIdLst>
-    <p:notesMasterId r:id="rId12"/>
+    <p:notesMasterId r:id="rId9"/>
   </p:notesMasterIdLst>
   <p:sldIdLst>
     <p:sldId id="269" r:id="rId3"/>
     <p:sldId id="256" r:id="rId4"/>
-    <p:sldId id="257" r:id="rId5"/>
-    <p:sldId id="258" r:id="rId6"/>
-    <p:sldId id="259" r:id="rId7"/>
-    <p:sldId id="263" r:id="rId8"/>
-    <p:sldId id="265" r:id="rId9"/>
-    <p:sldId id="260" r:id="rId10"/>
-    <p:sldId id="261" r:id="rId11"/>
+    <p:sldId id="271" r:id="rId5"/>
+    <p:sldId id="260" r:id="rId6"/>
+    <p:sldId id="270" r:id="rId7"/>
+    <p:sldId id="261" r:id="rId8"/>
   </p:sldIdLst>
   <p:sldSz cx="9144000" cy="6858000" type="screen4x3"/>
   <p:notesSz cx="6858000" cy="9144000"/>
@@ -8546,14 +8543,14 @@
           <p:nvPr>
             <p:extLst>
               <p:ext uri="{D42A27DB-BD31-4B8C-83A1-F6EECF244321}">
-                <p14:modId xmlns:p14="http://schemas.microsoft.com/office/powerpoint/2010/main" val="3386725142"/>
+                <p14:modId xmlns:p14="http://schemas.microsoft.com/office/powerpoint/2010/main" val="3953122390"/>
               </p:ext>
             </p:extLst>
           </p:nvPr>
         </p:nvGraphicFramePr>
         <p:xfrm>
-          <a:off x="0" y="-27383"/>
-          <a:ext cx="9144000" cy="6912768"/>
+          <a:off x="683568" y="548680"/>
+          <a:ext cx="7776864" cy="5832649"/>
         </p:xfrm>
         <a:graphic>
           <a:graphicData uri="http://schemas.openxmlformats.org/drawingml/2006/table">
@@ -8562,11 +8559,10 @@
                 <a:tableStyleId>{5202B0CA-FC54-4496-8BCA-5EF66A818D29}</a:tableStyleId>
               </a:tblPr>
               <a:tblGrid>
-                <a:gridCol w="1907704"/>
-                <a:gridCol w="3816424"/>
-                <a:gridCol w="3419872"/>
+                <a:gridCol w="2551809"/>
+                <a:gridCol w="5225055"/>
               </a:tblGrid>
-              <a:tr h="752084">
+              <a:tr h="898169">
                 <a:tc>
                   <a:txBody>
                     <a:bodyPr/>
@@ -8640,7 +8636,7 @@
                       <a:pPr algn="ctr" latinLnBrk="1"/>
                       <a:r>
                         <a:rPr lang="ko-KR" altLang="en-US" dirty="0" smtClean="0"/>
-                        <a:t>최소 범위</a:t>
+                        <a:t>범위</a:t>
                       </a:r>
                       <a:endParaRPr lang="ko-KR" altLang="en-US" dirty="0"/>
                     </a:p>
@@ -8680,6 +8676,8 @@
                     </a:solidFill>
                   </a:tcPr>
                 </a:tc>
+              </a:tr>
+              <a:tr h="812174">
                 <a:tc>
                   <a:txBody>
                     <a:bodyPr/>
@@ -8688,48 +8686,7 @@
                       <a:pPr algn="ctr" latinLnBrk="1"/>
                       <a:r>
                         <a:rPr lang="ko-KR" altLang="en-US" dirty="0" smtClean="0"/>
-                        <a:t>추가 범위</a:t>
-                      </a:r>
-                      <a:endParaRPr lang="ko-KR" altLang="en-US" dirty="0"/>
-                    </a:p>
-                  </a:txBody>
-                  <a:tcPr anchor="ctr">
-                    <a:lnL w="12700" cap="flat" cmpd="sng" algn="ctr">
-                      <a:solidFill>
-                        <a:schemeClr val="tx1"/>
-                      </a:solidFill>
-                      <a:prstDash val="solid"/>
-                      <a:round/>
-                      <a:headEnd type="none" w="med" len="med"/>
-                      <a:tailEnd type="none" w="med" len="med"/>
-                    </a:lnL>
-                    <a:lnB w="12700" cap="flat" cmpd="sng" algn="ctr">
-                      <a:solidFill>
-                        <a:schemeClr val="tx1"/>
-                      </a:solidFill>
-                      <a:prstDash val="solid"/>
-                      <a:round/>
-                      <a:headEnd type="none" w="med" len="med"/>
-                      <a:tailEnd type="none" w="med" len="med"/>
-                    </a:lnB>
-                    <a:solidFill>
-                      <a:schemeClr val="bg2">
-                        <a:lumMod val="50000"/>
-                      </a:schemeClr>
-                    </a:solidFill>
-                  </a:tcPr>
-                </a:tc>
-              </a:tr>
-              <a:tr h="680076">
-                <a:tc>
-                  <a:txBody>
-                    <a:bodyPr/>
-                    <a:lstStyle/>
-                    <a:p>
-                      <a:pPr algn="ctr" latinLnBrk="1"/>
-                      <a:r>
-                        <a:rPr lang="ko-KR" altLang="en-US" dirty="0" smtClean="0"/>
-                        <a:t>캐릭터 컨트롤</a:t>
+                        <a:t>리소스</a:t>
                       </a:r>
                       <a:endParaRPr lang="ko-KR" altLang="en-US" dirty="0"/>
                     </a:p>
@@ -8769,50 +8726,38 @@
                     <a:bodyPr/>
                     <a:lstStyle/>
                     <a:p>
-                      <a:pPr latinLnBrk="1"/>
+                      <a:pPr algn="ctr" latinLnBrk="1"/>
                       <a:r>
                         <a:rPr lang="ko-KR" altLang="en-US" sz="1400" dirty="0" smtClean="0"/>
-                        <a:t>마우스로 클릭으로 주어진 행동대로 명령 가능</a:t>
+                        <a:t>찌그러지고 잘려진 게임 리소스들을 도트를 추가로 찍고</a:t>
+                      </a:r>
+                      <a:endParaRPr lang="en-US" altLang="ko-KR" sz="1400" dirty="0" smtClean="0"/>
+                    </a:p>
+                    <a:p>
+                      <a:pPr algn="ctr" latinLnBrk="1"/>
+                      <a:r>
+                        <a:rPr lang="en-US" altLang="ko-KR" sz="1400" baseline="0" dirty="0" smtClean="0"/>
+                        <a:t> </a:t>
                       </a:r>
                       <a:r>
                         <a:rPr lang="en-US" altLang="ko-KR" sz="1400" dirty="0" smtClean="0"/>
-                        <a:t>,</a:t>
+                        <a:t>sheet</a:t>
                       </a:r>
                       <a:r>
                         <a:rPr lang="ko-KR" altLang="en-US" sz="1400" dirty="0" smtClean="0"/>
-                        <a:t> 이동</a:t>
-                      </a:r>
-                      <a:r>
-                        <a:rPr lang="en-US" altLang="ko-KR" sz="1400" dirty="0" smtClean="0"/>
-                        <a:t>/</a:t>
+                        <a:t>로 </a:t>
+                      </a:r>
+                      <a:r>
+                        <a:rPr lang="ko-KR" altLang="en-US" sz="1400" dirty="0" err="1" smtClean="0"/>
+                        <a:t>이어붙이고</a:t>
                       </a:r>
                       <a:r>
                         <a:rPr lang="ko-KR" altLang="en-US" sz="1400" dirty="0" smtClean="0"/>
-                        <a:t>대기</a:t>
-                      </a:r>
-                      <a:r>
-                        <a:rPr lang="en-US" altLang="ko-KR" sz="1400" dirty="0" smtClean="0"/>
-                        <a:t>/</a:t>
-                      </a:r>
-                      <a:r>
-                        <a:rPr lang="ko-KR" altLang="en-US" sz="1400" dirty="0" smtClean="0"/>
-                        <a:t>공격</a:t>
-                      </a:r>
-                      <a:r>
-                        <a:rPr lang="en-US" altLang="ko-KR" sz="1400" dirty="0" smtClean="0"/>
-                        <a:t>/</a:t>
-                      </a:r>
-                      <a:r>
-                        <a:rPr lang="ko-KR" altLang="en-US" sz="1400" dirty="0" smtClean="0"/>
-                        <a:t>소환</a:t>
-                      </a:r>
-                      <a:r>
-                        <a:rPr lang="en-US" altLang="ko-KR" sz="1400" dirty="0" smtClean="0"/>
-                        <a:t>/</a:t>
-                      </a:r>
-                      <a:r>
-                        <a:rPr lang="ko-KR" altLang="en-US" sz="1400" dirty="0" smtClean="0"/>
-                        <a:t>철수 등</a:t>
+                        <a:t> </a:t>
+                      </a:r>
+                      <a:r>
+                        <a:rPr lang="ko-KR" altLang="en-US" sz="1400" dirty="0" err="1" smtClean="0"/>
+                        <a:t>투명처리함</a:t>
                       </a:r>
                       <a:endParaRPr lang="ko-KR" altLang="en-US" sz="1400" dirty="0"/>
                     </a:p>
@@ -8856,71 +8801,8 @@
                     </a:lnB>
                   </a:tcPr>
                 </a:tc>
-                <a:tc>
-                  <a:txBody>
-                    <a:bodyPr/>
-                    <a:lstStyle/>
-                    <a:p>
-                      <a:pPr latinLnBrk="1"/>
-                      <a:r>
-                        <a:rPr lang="ko-KR" altLang="en-US" sz="1400" dirty="0" smtClean="0"/>
-                        <a:t>감정표현</a:t>
-                      </a:r>
-                      <a:r>
-                        <a:rPr lang="en-US" altLang="ko-KR" sz="1400" dirty="0" smtClean="0"/>
-                        <a:t>/</a:t>
-                      </a:r>
-                      <a:r>
-                        <a:rPr lang="ko-KR" altLang="en-US" sz="1400" dirty="0" smtClean="0"/>
-                        <a:t>아이템사용</a:t>
-                      </a:r>
-                      <a:r>
-                        <a:rPr lang="en-US" altLang="ko-KR" sz="1400" dirty="0" smtClean="0"/>
-                        <a:t>/</a:t>
-                      </a:r>
-                      <a:r>
-                        <a:rPr lang="ko-KR" altLang="en-US" sz="1400" dirty="0" smtClean="0"/>
-                        <a:t>마법</a:t>
-                      </a:r>
-                      <a:r>
-                        <a:rPr lang="ko-KR" altLang="en-US" sz="1400" baseline="0" dirty="0" smtClean="0"/>
-                        <a:t> 등 추가</a:t>
-                      </a:r>
-                      <a:endParaRPr lang="ko-KR" altLang="en-US" sz="1400" dirty="0"/>
-                    </a:p>
-                  </a:txBody>
-                  <a:tcPr anchor="ctr">
-                    <a:lnL w="12700" cap="flat" cmpd="sng" algn="ctr">
-                      <a:solidFill>
-                        <a:schemeClr val="tx1"/>
-                      </a:solidFill>
-                      <a:prstDash val="solid"/>
-                      <a:round/>
-                      <a:headEnd type="none" w="med" len="med"/>
-                      <a:tailEnd type="none" w="med" len="med"/>
-                    </a:lnL>
-                    <a:lnT w="12700" cap="flat" cmpd="sng" algn="ctr">
-                      <a:solidFill>
-                        <a:schemeClr val="tx1"/>
-                      </a:solidFill>
-                      <a:prstDash val="solid"/>
-                      <a:round/>
-                      <a:headEnd type="none" w="med" len="med"/>
-                      <a:tailEnd type="none" w="med" len="med"/>
-                    </a:lnT>
-                    <a:lnB w="12700" cap="flat" cmpd="sng" algn="ctr">
-                      <a:solidFill>
-                        <a:schemeClr val="tx1"/>
-                      </a:solidFill>
-                      <a:prstDash val="solid"/>
-                      <a:round/>
-                      <a:headEnd type="none" w="med" len="med"/>
-                      <a:tailEnd type="none" w="med" len="med"/>
-                    </a:lnB>
-                  </a:tcPr>
-                </a:tc>
               </a:tr>
-              <a:tr h="680076">
+              <a:tr h="812174">
                 <a:tc>
                   <a:txBody>
                     <a:bodyPr/>
@@ -8929,7 +8811,11 @@
                       <a:pPr algn="ctr" latinLnBrk="1"/>
                       <a:r>
                         <a:rPr lang="ko-KR" altLang="en-US" dirty="0" smtClean="0"/>
-                        <a:t>캐릭터 기술</a:t>
+                        <a:t>주요 게임 </a:t>
+                      </a:r>
+                      <a:r>
+                        <a:rPr lang="en-US" altLang="ko-KR" dirty="0" smtClean="0"/>
+                        <a:t>state</a:t>
                       </a:r>
                       <a:endParaRPr lang="ko-KR" altLang="en-US" dirty="0"/>
                     </a:p>
@@ -8969,18 +8855,58 @@
                     <a:bodyPr/>
                     <a:lstStyle/>
                     <a:p>
-                      <a:pPr latinLnBrk="1"/>
+                      <a:pPr algn="ctr" latinLnBrk="1"/>
                       <a:r>
                         <a:rPr lang="ko-KR" altLang="en-US" sz="1400" dirty="0" smtClean="0"/>
-                        <a:t>정해진 캐릭터에 정해진 기술을 레벨에 따라 개방할 생각</a:t>
+                        <a:t>로고 </a:t>
                       </a:r>
                       <a:r>
                         <a:rPr lang="en-US" altLang="ko-KR" sz="1400" dirty="0" smtClean="0"/>
-                        <a:t>,</a:t>
+                        <a:t>– </a:t>
                       </a:r>
                       <a:r>
                         <a:rPr lang="ko-KR" altLang="en-US" sz="1400" dirty="0" smtClean="0"/>
-                        <a:t> 캐릭터당 최대 </a:t>
+                        <a:t>타이틀 </a:t>
+                      </a:r>
+                      <a:r>
+                        <a:rPr lang="en-US" altLang="ko-KR" sz="1400" dirty="0" smtClean="0"/>
+                        <a:t>– </a:t>
+                      </a:r>
+                      <a:r>
+                        <a:rPr lang="ko-KR" altLang="en-US" sz="1400" dirty="0" err="1" smtClean="0"/>
+                        <a:t>월드맵</a:t>
+                      </a:r>
+                      <a:r>
+                        <a:rPr lang="ko-KR" altLang="en-US" sz="1400" dirty="0" smtClean="0"/>
+                        <a:t> </a:t>
+                      </a:r>
+                      <a:r>
+                        <a:rPr lang="en-US" altLang="ko-KR" sz="1400" dirty="0" smtClean="0"/>
+                        <a:t>- </a:t>
+                      </a:r>
+                      <a:r>
+                        <a:rPr lang="ko-KR" altLang="en-US" sz="1400" dirty="0" err="1" smtClean="0"/>
+                        <a:t>전투맵으로</a:t>
+                      </a:r>
+                      <a:r>
+                        <a:rPr lang="ko-KR" altLang="en-US" sz="1400" dirty="0" smtClean="0"/>
+                        <a:t> 이어지는 상태에서</a:t>
+                      </a:r>
+                      <a:endParaRPr lang="en-US" altLang="ko-KR" sz="1400" dirty="0" smtClean="0"/>
+                    </a:p>
+                    <a:p>
+                      <a:pPr algn="ctr" latinLnBrk="1"/>
+                      <a:r>
+                        <a:rPr lang="ko-KR" altLang="en-US" sz="1400" dirty="0" smtClean="0"/>
+                        <a:t> </a:t>
+                      </a:r>
+                      <a:r>
+                        <a:rPr lang="ko-KR" altLang="en-US" sz="1400" dirty="0" err="1" smtClean="0"/>
+                        <a:t>전투맵을</a:t>
+                      </a:r>
+                      <a:r>
+                        <a:rPr lang="ko-KR" altLang="en-US" sz="1400" dirty="0" smtClean="0"/>
+                        <a:t> 제외한 </a:t>
                       </a:r>
                       <a:r>
                         <a:rPr lang="en-US" altLang="ko-KR" sz="1400" dirty="0" smtClean="0"/>
@@ -8988,7 +8914,7 @@
                       </a:r>
                       <a:r>
                         <a:rPr lang="ko-KR" altLang="en-US" sz="1400" dirty="0" smtClean="0"/>
-                        <a:t>개</a:t>
+                        <a:t>개의 화면 제작</a:t>
                       </a:r>
                       <a:endParaRPr lang="ko-KR" altLang="en-US" sz="1400" dirty="0"/>
                     </a:p>
@@ -9032,51 +8958,8 @@
                     </a:lnB>
                   </a:tcPr>
                 </a:tc>
-                <a:tc>
-                  <a:txBody>
-                    <a:bodyPr/>
-                    <a:lstStyle/>
-                    <a:p>
-                      <a:pPr latinLnBrk="1"/>
-                      <a:r>
-                        <a:rPr lang="ko-KR" altLang="en-US" sz="1400" dirty="0" smtClean="0"/>
-                        <a:t>특별한 이벤트로 같은 정령이라도 다른 기술 습득하는 스토리 추가</a:t>
-                      </a:r>
-                      <a:endParaRPr lang="ko-KR" altLang="en-US" sz="1400" dirty="0"/>
-                    </a:p>
-                  </a:txBody>
-                  <a:tcPr anchor="ctr">
-                    <a:lnL w="12700" cap="flat" cmpd="sng" algn="ctr">
-                      <a:solidFill>
-                        <a:schemeClr val="tx1"/>
-                      </a:solidFill>
-                      <a:prstDash val="solid"/>
-                      <a:round/>
-                      <a:headEnd type="none" w="med" len="med"/>
-                      <a:tailEnd type="none" w="med" len="med"/>
-                    </a:lnL>
-                    <a:lnT w="12700" cap="flat" cmpd="sng" algn="ctr">
-                      <a:solidFill>
-                        <a:schemeClr val="tx1"/>
-                      </a:solidFill>
-                      <a:prstDash val="solid"/>
-                      <a:round/>
-                      <a:headEnd type="none" w="med" len="med"/>
-                      <a:tailEnd type="none" w="med" len="med"/>
-                    </a:lnT>
-                    <a:lnB w="12700" cap="flat" cmpd="sng" algn="ctr">
-                      <a:solidFill>
-                        <a:schemeClr val="tx1"/>
-                      </a:solidFill>
-                      <a:prstDash val="solid"/>
-                      <a:round/>
-                      <a:headEnd type="none" w="med" len="med"/>
-                      <a:tailEnd type="none" w="med" len="med"/>
-                    </a:lnB>
-                  </a:tcPr>
-                </a:tc>
               </a:tr>
-              <a:tr h="680076">
+              <a:tr h="812174">
                 <a:tc>
                   <a:txBody>
                     <a:bodyPr/>
@@ -9084,8 +8967,8 @@
                     <a:p>
                       <a:pPr algn="ctr" latinLnBrk="1"/>
                       <a:r>
-                        <a:rPr lang="ko-KR" altLang="en-US" dirty="0" err="1" smtClean="0"/>
-                        <a:t>맵</a:t>
+                        <a:rPr lang="ko-KR" altLang="en-US" dirty="0" smtClean="0"/>
+                        <a:t>캐릭터 컨트롤</a:t>
                       </a:r>
                       <a:endParaRPr lang="ko-KR" altLang="en-US" dirty="0"/>
                     </a:p>
@@ -9125,42 +9008,30 @@
                     <a:bodyPr/>
                     <a:lstStyle/>
                     <a:p>
-                      <a:pPr latinLnBrk="1"/>
+                      <a:pPr algn="ctr" latinLnBrk="1"/>
                       <a:r>
                         <a:rPr lang="ko-KR" altLang="en-US" sz="1400" dirty="0" smtClean="0"/>
-                        <a:t>스토리 진행과 아이템</a:t>
-                      </a:r>
-                      <a:r>
-                        <a:rPr lang="en-US" altLang="ko-KR" sz="1400" dirty="0" smtClean="0"/>
-                        <a:t>, </a:t>
+                        <a:t>게임 특성상 키보드로 </a:t>
+                      </a:r>
+                      <a:r>
+                        <a:rPr lang="ko-KR" altLang="en-US" sz="1400" dirty="0" err="1" smtClean="0"/>
+                        <a:t>하는건</a:t>
                       </a:r>
                       <a:r>
                         <a:rPr lang="ko-KR" altLang="en-US" sz="1400" dirty="0" smtClean="0"/>
-                        <a:t>정령 확인용의 </a:t>
-                      </a:r>
-                      <a:r>
-                        <a:rPr lang="ko-KR" altLang="en-US" sz="1400" dirty="0" err="1" smtClean="0"/>
-                        <a:t>월드맵</a:t>
+                        <a:t> 거의 없고 마우스 위주다 보니 새로운 추상 </a:t>
                       </a:r>
                       <a:endParaRPr lang="en-US" altLang="ko-KR" sz="1400" dirty="0" smtClean="0"/>
                     </a:p>
                     <a:p>
-                      <a:pPr latinLnBrk="1"/>
+                      <a:pPr algn="ctr" latinLnBrk="1"/>
                       <a:r>
                         <a:rPr lang="ko-KR" altLang="en-US" sz="1400" dirty="0" smtClean="0"/>
-                        <a:t>전투가 가능한 </a:t>
-                      </a:r>
-                      <a:r>
-                        <a:rPr lang="en-US" altLang="ko-KR" sz="1400" dirty="0" smtClean="0"/>
-                        <a:t>3</a:t>
-                      </a:r>
-                      <a:r>
-                        <a:rPr lang="ko-KR" altLang="en-US" sz="1400" dirty="0" smtClean="0"/>
-                        <a:t>개의 </a:t>
+                        <a:t>클래스를 만들어 자기 자신의 마우스 클릭 좌표를 </a:t>
                       </a:r>
                       <a:r>
                         <a:rPr lang="ko-KR" altLang="en-US" sz="1400" dirty="0" err="1" smtClean="0"/>
-                        <a:t>맵</a:t>
+                        <a:t>핸들링해둠</a:t>
                       </a:r>
                       <a:endParaRPr lang="ko-KR" altLang="en-US" sz="1400" dirty="0"/>
                     </a:p>
@@ -9204,79 +9075,8 @@
                     </a:lnB>
                   </a:tcPr>
                 </a:tc>
-                <a:tc>
-                  <a:txBody>
-                    <a:bodyPr/>
-                    <a:lstStyle/>
-                    <a:p>
-                      <a:pPr latinLnBrk="1"/>
-                      <a:r>
-                        <a:rPr lang="ko-KR" altLang="en-US" sz="1400" dirty="0" smtClean="0"/>
-                        <a:t>다양한 전투 </a:t>
-                      </a:r>
-                      <a:r>
-                        <a:rPr lang="ko-KR" altLang="en-US" sz="1400" dirty="0" err="1" smtClean="0"/>
-                        <a:t>맵</a:t>
-                      </a:r>
-                      <a:r>
-                        <a:rPr lang="ko-KR" altLang="en-US" sz="1400" dirty="0" smtClean="0"/>
-                        <a:t> 추가</a:t>
-                      </a:r>
-                      <a:endParaRPr lang="en-US" altLang="ko-KR" sz="1400" dirty="0" smtClean="0"/>
-                    </a:p>
-                    <a:p>
-                      <a:pPr latinLnBrk="1"/>
-                      <a:r>
-                        <a:rPr lang="ko-KR" altLang="en-US" sz="1400" dirty="0" err="1" smtClean="0"/>
-                        <a:t>전투맵의</a:t>
-                      </a:r>
-                      <a:r>
-                        <a:rPr lang="ko-KR" altLang="en-US" sz="1400" dirty="0" smtClean="0"/>
-                        <a:t> 각 </a:t>
-                      </a:r>
-                      <a:r>
-                        <a:rPr lang="ko-KR" altLang="en-US" sz="1400" dirty="0" err="1" smtClean="0"/>
-                        <a:t>헥사타일마다</a:t>
-                      </a:r>
-                      <a:r>
-                        <a:rPr lang="ko-KR" altLang="en-US" sz="1400" dirty="0" smtClean="0"/>
-                        <a:t> 속성 적용</a:t>
-                      </a:r>
-                      <a:endParaRPr lang="ko-KR" altLang="en-US" sz="1400" dirty="0"/>
-                    </a:p>
-                  </a:txBody>
-                  <a:tcPr anchor="ctr">
-                    <a:lnL w="12700" cap="flat" cmpd="sng" algn="ctr">
-                      <a:solidFill>
-                        <a:schemeClr val="tx1"/>
-                      </a:solidFill>
-                      <a:prstDash val="solid"/>
-                      <a:round/>
-                      <a:headEnd type="none" w="med" len="med"/>
-                      <a:tailEnd type="none" w="med" len="med"/>
-                    </a:lnL>
-                    <a:lnT w="12700" cap="flat" cmpd="sng" algn="ctr">
-                      <a:solidFill>
-                        <a:schemeClr val="tx1"/>
-                      </a:solidFill>
-                      <a:prstDash val="solid"/>
-                      <a:round/>
-                      <a:headEnd type="none" w="med" len="med"/>
-                      <a:tailEnd type="none" w="med" len="med"/>
-                    </a:lnT>
-                    <a:lnB w="12700" cap="flat" cmpd="sng" algn="ctr">
-                      <a:solidFill>
-                        <a:schemeClr val="tx1"/>
-                      </a:solidFill>
-                      <a:prstDash val="solid"/>
-                      <a:round/>
-                      <a:headEnd type="none" w="med" len="med"/>
-                      <a:tailEnd type="none" w="med" len="med"/>
-                    </a:lnB>
-                  </a:tcPr>
-                </a:tc>
               </a:tr>
-              <a:tr h="680076">
+              <a:tr h="812174">
                 <a:tc>
                   <a:txBody>
                     <a:bodyPr/>
@@ -9284,12 +9084,8 @@
                     <a:p>
                       <a:pPr algn="ctr" latinLnBrk="1"/>
                       <a:r>
-                        <a:rPr lang="ko-KR" altLang="en-US" dirty="0" smtClean="0"/>
-                        <a:t>적 </a:t>
-                      </a:r>
-                      <a:r>
-                        <a:rPr lang="en-US" altLang="ko-KR" dirty="0" smtClean="0"/>
-                        <a:t>AI</a:t>
+                        <a:rPr lang="ko-KR" altLang="en-US" dirty="0" err="1" smtClean="0"/>
+                        <a:t>맵</a:t>
                       </a:r>
                       <a:endParaRPr lang="ko-KR" altLang="en-US" dirty="0"/>
                     </a:p>
@@ -9329,10 +9125,14 @@
                     <a:bodyPr/>
                     <a:lstStyle/>
                     <a:p>
-                      <a:pPr latinLnBrk="1"/>
+                      <a:pPr algn="ctr" latinLnBrk="1"/>
+                      <a:r>
+                        <a:rPr lang="ko-KR" altLang="en-US" sz="1400" dirty="0" err="1" smtClean="0"/>
+                        <a:t>월드맵</a:t>
+                      </a:r>
                       <a:r>
                         <a:rPr lang="ko-KR" altLang="en-US" sz="1400" dirty="0" smtClean="0"/>
-                        <a:t>상대방 정령과 마스터를 공격</a:t>
+                        <a:t> 구현</a:t>
                       </a:r>
                       <a:r>
                         <a:rPr lang="en-US" altLang="ko-KR" sz="1400" dirty="0" smtClean="0"/>
@@ -9340,15 +9140,7 @@
                       </a:r>
                       <a:r>
                         <a:rPr lang="ko-KR" altLang="en-US" sz="1400" dirty="0" smtClean="0"/>
-                        <a:t>속성이 우선순위인 적 공격</a:t>
-                      </a:r>
-                      <a:r>
-                        <a:rPr lang="en-US" altLang="ko-KR" sz="1400" dirty="0" smtClean="0"/>
-                        <a:t>, </a:t>
-                      </a:r>
-                      <a:r>
-                        <a:rPr lang="ko-KR" altLang="en-US" sz="1400" dirty="0" smtClean="0"/>
-                        <a:t>부상을 당했을 경우 후퇴</a:t>
+                        <a:t> 캐릭터 이동</a:t>
                       </a:r>
                       <a:endParaRPr lang="ko-KR" altLang="en-US" sz="1400" dirty="0"/>
                     </a:p>
@@ -9392,51 +9184,8 @@
                     </a:lnB>
                   </a:tcPr>
                 </a:tc>
-                <a:tc>
-                  <a:txBody>
-                    <a:bodyPr/>
-                    <a:lstStyle/>
-                    <a:p>
-                      <a:pPr latinLnBrk="1"/>
-                      <a:r>
-                        <a:rPr lang="ko-KR" altLang="en-US" sz="1400" dirty="0" smtClean="0"/>
-                        <a:t>다양한 아이템을 사용하거나 마스터를 집중 공격하는 전략 추가</a:t>
-                      </a:r>
-                      <a:endParaRPr lang="ko-KR" altLang="en-US" sz="1400" dirty="0"/>
-                    </a:p>
-                  </a:txBody>
-                  <a:tcPr anchor="ctr">
-                    <a:lnL w="12700" cap="flat" cmpd="sng" algn="ctr">
-                      <a:solidFill>
-                        <a:schemeClr val="tx1"/>
-                      </a:solidFill>
-                      <a:prstDash val="solid"/>
-                      <a:round/>
-                      <a:headEnd type="none" w="med" len="med"/>
-                      <a:tailEnd type="none" w="med" len="med"/>
-                    </a:lnL>
-                    <a:lnT w="12700" cap="flat" cmpd="sng" algn="ctr">
-                      <a:solidFill>
-                        <a:schemeClr val="tx1"/>
-                      </a:solidFill>
-                      <a:prstDash val="solid"/>
-                      <a:round/>
-                      <a:headEnd type="none" w="med" len="med"/>
-                      <a:tailEnd type="none" w="med" len="med"/>
-                    </a:lnT>
-                    <a:lnB w="12700" cap="flat" cmpd="sng" algn="ctr">
-                      <a:solidFill>
-                        <a:schemeClr val="tx1"/>
-                      </a:solidFill>
-                      <a:prstDash val="solid"/>
-                      <a:round/>
-                      <a:headEnd type="none" w="med" len="med"/>
-                      <a:tailEnd type="none" w="med" len="med"/>
-                    </a:lnB>
-                  </a:tcPr>
-                </a:tc>
               </a:tr>
-              <a:tr h="680076">
+              <a:tr h="812174">
                 <a:tc>
                   <a:txBody>
                     <a:bodyPr/>
@@ -9445,7 +9194,7 @@
                       <a:pPr algn="ctr" latinLnBrk="1"/>
                       <a:r>
                         <a:rPr lang="ko-KR" altLang="en-US" dirty="0" smtClean="0"/>
-                        <a:t>난이도</a:t>
+                        <a:t>사운드</a:t>
                       </a:r>
                       <a:endParaRPr lang="ko-KR" altLang="en-US" dirty="0"/>
                     </a:p>
@@ -9485,10 +9234,10 @@
                     <a:bodyPr/>
                     <a:lstStyle/>
                     <a:p>
-                      <a:pPr latinLnBrk="1"/>
+                      <a:pPr algn="ctr" latinLnBrk="1"/>
                       <a:r>
                         <a:rPr lang="ko-KR" altLang="en-US" sz="1400" dirty="0" smtClean="0"/>
-                        <a:t>주인공과 정령의 레벨에 따른 상대방 레벨 증가</a:t>
+                        <a:t>타이틀 화면에 간단한 사운드 추가</a:t>
                       </a:r>
                       <a:endParaRPr lang="ko-KR" altLang="en-US" sz="1400" dirty="0"/>
                     </a:p>
@@ -9532,59 +9281,8 @@
                     </a:lnB>
                   </a:tcPr>
                 </a:tc>
-                <a:tc>
-                  <a:txBody>
-                    <a:bodyPr/>
-                    <a:lstStyle/>
-                    <a:p>
-                      <a:pPr latinLnBrk="1"/>
-                      <a:r>
-                        <a:rPr lang="ko-KR" altLang="en-US" sz="1400" dirty="0" smtClean="0"/>
-                        <a:t>전략을 구사하는 </a:t>
-                      </a:r>
-                      <a:r>
-                        <a:rPr lang="en-US" altLang="ko-KR" sz="1400" dirty="0" smtClean="0"/>
-                        <a:t>AI</a:t>
-                      </a:r>
-                      <a:r>
-                        <a:rPr lang="ko-KR" altLang="en-US" sz="1400" dirty="0" smtClean="0"/>
-                        <a:t>가 있는 난이도 추가</a:t>
-                      </a:r>
-                      <a:endParaRPr lang="ko-KR" altLang="en-US" sz="1400" dirty="0"/>
-                    </a:p>
-                  </a:txBody>
-                  <a:tcPr anchor="ctr">
-                    <a:lnL w="12700" cap="flat" cmpd="sng" algn="ctr">
-                      <a:solidFill>
-                        <a:schemeClr val="tx1"/>
-                      </a:solidFill>
-                      <a:prstDash val="solid"/>
-                      <a:round/>
-                      <a:headEnd type="none" w="med" len="med"/>
-                      <a:tailEnd type="none" w="med" len="med"/>
-                    </a:lnL>
-                    <a:lnT w="12700" cap="flat" cmpd="sng" algn="ctr">
-                      <a:solidFill>
-                        <a:schemeClr val="tx1"/>
-                      </a:solidFill>
-                      <a:prstDash val="solid"/>
-                      <a:round/>
-                      <a:headEnd type="none" w="med" len="med"/>
-                      <a:tailEnd type="none" w="med" len="med"/>
-                    </a:lnT>
-                    <a:lnB w="12700" cap="flat" cmpd="sng" algn="ctr">
-                      <a:solidFill>
-                        <a:schemeClr val="tx1"/>
-                      </a:solidFill>
-                      <a:prstDash val="solid"/>
-                      <a:round/>
-                      <a:headEnd type="none" w="med" len="med"/>
-                      <a:tailEnd type="none" w="med" len="med"/>
-                    </a:lnB>
-                  </a:tcPr>
-                </a:tc>
               </a:tr>
-              <a:tr h="680076">
+              <a:tr h="873610">
                 <a:tc>
                   <a:txBody>
                     <a:bodyPr/>
@@ -9593,7 +9291,7 @@
                       <a:pPr algn="ctr" latinLnBrk="1"/>
                       <a:r>
                         <a:rPr lang="ko-KR" altLang="en-US" dirty="0" smtClean="0"/>
-                        <a:t>게임 기능</a:t>
+                        <a:t>애니메이션</a:t>
                       </a:r>
                       <a:endParaRPr lang="ko-KR" altLang="en-US" dirty="0"/>
                     </a:p>
@@ -9633,86 +9331,10 @@
                     <a:bodyPr/>
                     <a:lstStyle/>
                     <a:p>
-                      <a:pPr latinLnBrk="1"/>
-                      <a:r>
-                        <a:rPr lang="ko-KR" altLang="en-US" sz="1400" dirty="0" err="1" smtClean="0"/>
-                        <a:t>월드맵</a:t>
-                      </a:r>
+                      <a:pPr algn="ctr" latinLnBrk="1"/>
                       <a:r>
                         <a:rPr lang="ko-KR" altLang="en-US" sz="1400" dirty="0" smtClean="0"/>
-                        <a:t> </a:t>
-                      </a:r>
-                      <a:r>
-                        <a:rPr lang="en-US" altLang="ko-KR" sz="1400" dirty="0" smtClean="0"/>
-                        <a:t>– </a:t>
-                      </a:r>
-                      <a:r>
-                        <a:rPr lang="ko-KR" altLang="en-US" sz="1400" dirty="0" smtClean="0"/>
-                        <a:t>자신의 장비</a:t>
-                      </a:r>
-                      <a:r>
-                        <a:rPr lang="en-US" altLang="ko-KR" sz="1400" dirty="0" smtClean="0"/>
-                        <a:t>, </a:t>
-                      </a:r>
-                      <a:r>
-                        <a:rPr lang="ko-KR" altLang="en-US" sz="1400" dirty="0" smtClean="0"/>
-                        <a:t>정령</a:t>
-                      </a:r>
-                      <a:r>
-                        <a:rPr lang="en-US" altLang="ko-KR" sz="1400" baseline="0" dirty="0" smtClean="0"/>
-                        <a:t> </a:t>
-                      </a:r>
-                      <a:r>
-                        <a:rPr lang="ko-KR" altLang="en-US" sz="1400" baseline="0" dirty="0" smtClean="0"/>
-                        <a:t>확인</a:t>
-                      </a:r>
-                      <a:r>
-                        <a:rPr lang="en-US" altLang="ko-KR" sz="1400" baseline="0" dirty="0" smtClean="0"/>
-                        <a:t>, </a:t>
-                      </a:r>
-                      <a:r>
-                        <a:rPr lang="ko-KR" altLang="en-US" sz="1400" baseline="0" dirty="0" smtClean="0"/>
-                        <a:t>대사가 나오는 이벤트</a:t>
-                      </a:r>
-                      <a:r>
-                        <a:rPr lang="en-US" altLang="ko-KR" sz="1400" baseline="0" dirty="0" smtClean="0"/>
-                        <a:t>, </a:t>
-                      </a:r>
-                      <a:r>
-                        <a:rPr lang="ko-KR" altLang="en-US" sz="1400" baseline="0" dirty="0" err="1" smtClean="0"/>
-                        <a:t>전투맵</a:t>
-                      </a:r>
-                      <a:r>
-                        <a:rPr lang="ko-KR" altLang="en-US" sz="1400" baseline="0" dirty="0" smtClean="0"/>
-                        <a:t> 이동</a:t>
-                      </a:r>
-                      <a:endParaRPr lang="en-US" altLang="ko-KR" sz="1400" baseline="0" dirty="0" smtClean="0"/>
-                    </a:p>
-                    <a:p>
-                      <a:pPr latinLnBrk="1"/>
-                      <a:r>
-                        <a:rPr lang="ko-KR" altLang="en-US" sz="1400" baseline="0" dirty="0" err="1" smtClean="0"/>
-                        <a:t>전투맵</a:t>
-                      </a:r>
-                      <a:r>
-                        <a:rPr lang="ko-KR" altLang="en-US" sz="1400" baseline="0" dirty="0" smtClean="0"/>
-                        <a:t> </a:t>
-                      </a:r>
-                      <a:r>
-                        <a:rPr lang="en-US" altLang="ko-KR" sz="1400" baseline="0" dirty="0" smtClean="0"/>
-                        <a:t>– </a:t>
-                      </a:r>
-                      <a:r>
-                        <a:rPr lang="ko-KR" altLang="en-US" sz="1400" baseline="0" dirty="0" smtClean="0"/>
-                        <a:t>정령을 소환하고 이동</a:t>
-                      </a:r>
-                      <a:r>
-                        <a:rPr lang="en-US" altLang="ko-KR" sz="1400" baseline="0" dirty="0" smtClean="0"/>
-                        <a:t>, </a:t>
-                      </a:r>
-                      <a:r>
-                        <a:rPr lang="ko-KR" altLang="en-US" sz="1400" baseline="0" dirty="0" smtClean="0"/>
-                        <a:t>전투</a:t>
+                        <a:t>제자리 걸음</a:t>
                       </a:r>
                       <a:endParaRPr lang="ko-KR" altLang="en-US" sz="1400" dirty="0"/>
                     </a:p>
@@ -9756,471 +9378,70 @@
                     </a:lnB>
                   </a:tcPr>
                 </a:tc>
-                <a:tc>
-                  <a:txBody>
-                    <a:bodyPr/>
-                    <a:lstStyle/>
-                    <a:p>
-                      <a:pPr latinLnBrk="1"/>
-                      <a:r>
-                        <a:rPr lang="ko-KR" altLang="en-US" sz="1400" dirty="0" err="1" smtClean="0"/>
-                        <a:t>월드맵</a:t>
-                      </a:r>
-                      <a:r>
-                        <a:rPr lang="ko-KR" altLang="en-US" sz="1400" dirty="0" smtClean="0"/>
-                        <a:t> </a:t>
-                      </a:r>
-                      <a:r>
-                        <a:rPr lang="en-US" altLang="ko-KR" sz="1400" dirty="0" smtClean="0"/>
-                        <a:t>– </a:t>
-                      </a:r>
-                      <a:r>
-                        <a:rPr lang="ko-KR" altLang="en-US" sz="1400" dirty="0" smtClean="0"/>
-                        <a:t>아이템 조합</a:t>
-                      </a:r>
-                      <a:r>
-                        <a:rPr lang="en-US" altLang="ko-KR" sz="1400" dirty="0" smtClean="0"/>
-                        <a:t>, </a:t>
-                      </a:r>
-                      <a:r>
-                        <a:rPr lang="ko-KR" altLang="en-US" sz="1400" dirty="0" smtClean="0"/>
-                        <a:t>상점</a:t>
-                      </a:r>
-                      <a:r>
-                        <a:rPr lang="en-US" altLang="ko-KR" sz="1400" dirty="0" smtClean="0"/>
-                        <a:t>, </a:t>
-                      </a:r>
-                      <a:r>
-                        <a:rPr lang="ko-KR" altLang="en-US" sz="1400" dirty="0" smtClean="0"/>
-                        <a:t>정령 진화</a:t>
-                      </a:r>
-                      <a:r>
-                        <a:rPr lang="en-US" altLang="ko-KR" sz="1400" dirty="0" smtClean="0"/>
-                        <a:t>, </a:t>
-                      </a:r>
-                      <a:r>
-                        <a:rPr lang="ko-KR" altLang="en-US" sz="1400" dirty="0" smtClean="0"/>
-                        <a:t>다른 유저와의 전투</a:t>
-                      </a:r>
-                      <a:endParaRPr lang="en-US" altLang="ko-KR" sz="1400" dirty="0" smtClean="0"/>
-                    </a:p>
-                    <a:p>
-                      <a:pPr latinLnBrk="1"/>
-                      <a:r>
-                        <a:rPr lang="ko-KR" altLang="en-US" sz="1400" dirty="0" err="1" smtClean="0"/>
-                        <a:t>전투맵</a:t>
-                      </a:r>
-                      <a:r>
-                        <a:rPr lang="ko-KR" altLang="en-US" sz="1400" dirty="0" smtClean="0"/>
-                        <a:t> </a:t>
-                      </a:r>
-                      <a:r>
-                        <a:rPr lang="en-US" altLang="ko-KR" sz="1400" dirty="0" smtClean="0"/>
-                        <a:t>– </a:t>
-                      </a:r>
-                      <a:r>
-                        <a:rPr lang="ko-KR" altLang="en-US" sz="1400" dirty="0" smtClean="0"/>
-                        <a:t>싸우는 방식이 아닌 색다른 승리목표</a:t>
-                      </a:r>
-                      <a:r>
-                        <a:rPr lang="en-US" altLang="ko-KR" sz="1400" dirty="0" smtClean="0"/>
-                        <a:t>, </a:t>
-                      </a:r>
-                      <a:r>
-                        <a:rPr lang="ko-KR" altLang="en-US" sz="1400" dirty="0" smtClean="0"/>
-                        <a:t>속성 적용</a:t>
-                      </a:r>
-                      <a:endParaRPr lang="en-US" altLang="ko-KR" sz="1400" dirty="0" smtClean="0"/>
-                    </a:p>
-                    <a:p>
-                      <a:pPr latinLnBrk="1"/>
-                      <a:r>
-                        <a:rPr lang="ko-KR" altLang="en-US" sz="1400" dirty="0" smtClean="0"/>
-                        <a:t>세이브</a:t>
-                      </a:r>
-                      <a:r>
-                        <a:rPr lang="ko-KR" altLang="en-US" sz="1400" baseline="0" dirty="0" smtClean="0"/>
-                        <a:t> 기능</a:t>
-                      </a:r>
-                      <a:endParaRPr lang="ko-KR" altLang="en-US" sz="1400" dirty="0"/>
-                    </a:p>
-                  </a:txBody>
-                  <a:tcPr anchor="ctr">
-                    <a:lnL w="12700" cap="flat" cmpd="sng" algn="ctr">
-                      <a:solidFill>
-                        <a:schemeClr val="tx1"/>
-                      </a:solidFill>
-                      <a:prstDash val="solid"/>
-                      <a:round/>
-                      <a:headEnd type="none" w="med" len="med"/>
-                      <a:tailEnd type="none" w="med" len="med"/>
-                    </a:lnL>
-                    <a:lnT w="12700" cap="flat" cmpd="sng" algn="ctr">
-                      <a:solidFill>
-                        <a:schemeClr val="tx1"/>
-                      </a:solidFill>
-                      <a:prstDash val="solid"/>
-                      <a:round/>
-                      <a:headEnd type="none" w="med" len="med"/>
-                      <a:tailEnd type="none" w="med" len="med"/>
-                    </a:lnT>
-                    <a:lnB w="12700" cap="flat" cmpd="sng" algn="ctr">
-                      <a:solidFill>
-                        <a:schemeClr val="tx1"/>
-                      </a:solidFill>
-                      <a:prstDash val="solid"/>
-                      <a:round/>
-                      <a:headEnd type="none" w="med" len="med"/>
-                      <a:tailEnd type="none" w="med" len="med"/>
-                    </a:lnB>
-                  </a:tcPr>
-                </a:tc>
-              </a:tr>
-              <a:tr h="680076">
-                <a:tc>
-                  <a:txBody>
-                    <a:bodyPr/>
-                    <a:lstStyle/>
-                    <a:p>
-                      <a:pPr algn="ctr" latinLnBrk="1"/>
-                      <a:r>
-                        <a:rPr lang="ko-KR" altLang="en-US" dirty="0" smtClean="0"/>
-                        <a:t>사운드</a:t>
-                      </a:r>
-                      <a:endParaRPr lang="ko-KR" altLang="en-US" dirty="0"/>
-                    </a:p>
-                  </a:txBody>
-                  <a:tcPr anchor="ctr">
-                    <a:lnR w="12700" cap="flat" cmpd="sng" algn="ctr">
-                      <a:solidFill>
-                        <a:schemeClr val="tx1"/>
-                      </a:solidFill>
-                      <a:prstDash val="solid"/>
-                      <a:round/>
-                      <a:headEnd type="none" w="med" len="med"/>
-                      <a:tailEnd type="none" w="med" len="med"/>
-                    </a:lnR>
-                    <a:lnT w="12700" cap="flat" cmpd="sng" algn="ctr">
-                      <a:solidFill>
-                        <a:schemeClr val="tx1"/>
-                      </a:solidFill>
-                      <a:prstDash val="solid"/>
-                      <a:round/>
-                      <a:headEnd type="none" w="med" len="med"/>
-                      <a:tailEnd type="none" w="med" len="med"/>
-                    </a:lnT>
-                    <a:lnB w="12700" cap="flat" cmpd="sng" algn="ctr">
-                      <a:solidFill>
-                        <a:schemeClr val="tx1"/>
-                      </a:solidFill>
-                      <a:prstDash val="solid"/>
-                      <a:round/>
-                      <a:headEnd type="none" w="med" len="med"/>
-                      <a:tailEnd type="none" w="med" len="med"/>
-                    </a:lnB>
-                  </a:tcPr>
-                </a:tc>
-                <a:tc>
-                  <a:txBody>
-                    <a:bodyPr/>
-                    <a:lstStyle/>
-                    <a:p>
-                      <a:pPr latinLnBrk="1"/>
-                      <a:r>
-                        <a:rPr lang="ko-KR" altLang="en-US" sz="1400" dirty="0" smtClean="0"/>
-                        <a:t>배경음악</a:t>
-                      </a:r>
-                      <a:r>
-                        <a:rPr lang="en-US" altLang="ko-KR" sz="1400" dirty="0" smtClean="0"/>
-                        <a:t>, </a:t>
-                      </a:r>
-                      <a:r>
-                        <a:rPr lang="ko-KR" altLang="en-US" sz="1400" dirty="0" smtClean="0"/>
-                        <a:t>환경음악</a:t>
-                      </a:r>
-                      <a:endParaRPr lang="ko-KR" altLang="en-US" sz="1400" dirty="0"/>
-                    </a:p>
-                  </a:txBody>
-                  <a:tcPr anchor="ctr">
-                    <a:lnL w="12700" cap="flat" cmpd="sng" algn="ctr">
-                      <a:solidFill>
-                        <a:schemeClr val="tx1"/>
-                      </a:solidFill>
-                      <a:prstDash val="solid"/>
-                      <a:round/>
-                      <a:headEnd type="none" w="med" len="med"/>
-                      <a:tailEnd type="none" w="med" len="med"/>
-                    </a:lnL>
-                    <a:lnR w="12700" cap="flat" cmpd="sng" algn="ctr">
-                      <a:solidFill>
-                        <a:schemeClr val="tx1"/>
-                      </a:solidFill>
-                      <a:prstDash val="solid"/>
-                      <a:round/>
-                      <a:headEnd type="none" w="med" len="med"/>
-                      <a:tailEnd type="none" w="med" len="med"/>
-                    </a:lnR>
-                    <a:lnT w="12700" cap="flat" cmpd="sng" algn="ctr">
-                      <a:solidFill>
-                        <a:schemeClr val="tx1"/>
-                      </a:solidFill>
-                      <a:prstDash val="solid"/>
-                      <a:round/>
-                      <a:headEnd type="none" w="med" len="med"/>
-                      <a:tailEnd type="none" w="med" len="med"/>
-                    </a:lnT>
-                    <a:lnB w="12700" cap="flat" cmpd="sng" algn="ctr">
-                      <a:solidFill>
-                        <a:schemeClr val="tx1"/>
-                      </a:solidFill>
-                      <a:prstDash val="solid"/>
-                      <a:round/>
-                      <a:headEnd type="none" w="med" len="med"/>
-                      <a:tailEnd type="none" w="med" len="med"/>
-                    </a:lnB>
-                  </a:tcPr>
-                </a:tc>
-                <a:tc>
-                  <a:txBody>
-                    <a:bodyPr/>
-                    <a:lstStyle/>
-                    <a:p>
-                      <a:pPr latinLnBrk="1"/>
-                      <a:r>
-                        <a:rPr lang="ko-KR" altLang="en-US" sz="1400" dirty="0" smtClean="0"/>
-                        <a:t>주인공 대사</a:t>
-                      </a:r>
-                      <a:r>
-                        <a:rPr lang="en-US" altLang="ko-KR" sz="1400" dirty="0" smtClean="0"/>
-                        <a:t>, </a:t>
-                      </a:r>
-                      <a:r>
-                        <a:rPr lang="ko-KR" altLang="en-US" sz="1400" dirty="0" smtClean="0"/>
-                        <a:t>정령 울음소리</a:t>
-                      </a:r>
-                      <a:r>
-                        <a:rPr lang="en-US" altLang="ko-KR" sz="1400" dirty="0" smtClean="0"/>
-                        <a:t>, </a:t>
-                      </a:r>
-                      <a:r>
-                        <a:rPr lang="ko-KR" altLang="en-US" sz="1400" dirty="0" smtClean="0"/>
-                        <a:t>전투시 나오는 소리</a:t>
-                      </a:r>
-                      <a:endParaRPr lang="ko-KR" altLang="en-US" sz="1400" dirty="0"/>
-                    </a:p>
-                  </a:txBody>
-                  <a:tcPr anchor="ctr">
-                    <a:lnL w="12700" cap="flat" cmpd="sng" algn="ctr">
-                      <a:solidFill>
-                        <a:schemeClr val="tx1"/>
-                      </a:solidFill>
-                      <a:prstDash val="solid"/>
-                      <a:round/>
-                      <a:headEnd type="none" w="med" len="med"/>
-                      <a:tailEnd type="none" w="med" len="med"/>
-                    </a:lnL>
-                    <a:lnT w="12700" cap="flat" cmpd="sng" algn="ctr">
-                      <a:solidFill>
-                        <a:schemeClr val="tx1"/>
-                      </a:solidFill>
-                      <a:prstDash val="solid"/>
-                      <a:round/>
-                      <a:headEnd type="none" w="med" len="med"/>
-                      <a:tailEnd type="none" w="med" len="med"/>
-                    </a:lnT>
-                    <a:lnB w="12700" cap="flat" cmpd="sng" algn="ctr">
-                      <a:solidFill>
-                        <a:schemeClr val="tx1"/>
-                      </a:solidFill>
-                      <a:prstDash val="solid"/>
-                      <a:round/>
-                      <a:headEnd type="none" w="med" len="med"/>
-                      <a:tailEnd type="none" w="med" len="med"/>
-                    </a:lnB>
-                  </a:tcPr>
-                </a:tc>
-              </a:tr>
-              <a:tr h="921988">
-                <a:tc>
-                  <a:txBody>
-                    <a:bodyPr/>
-                    <a:lstStyle/>
-                    <a:p>
-                      <a:pPr algn="ctr" latinLnBrk="1"/>
-                      <a:r>
-                        <a:rPr lang="ko-KR" altLang="en-US" dirty="0" smtClean="0"/>
-                        <a:t>애니메이션</a:t>
-                      </a:r>
-                      <a:endParaRPr lang="ko-KR" altLang="en-US" dirty="0"/>
-                    </a:p>
-                  </a:txBody>
-                  <a:tcPr anchor="ctr">
-                    <a:lnR w="12700" cap="flat" cmpd="sng" algn="ctr">
-                      <a:solidFill>
-                        <a:schemeClr val="tx1"/>
-                      </a:solidFill>
-                      <a:prstDash val="solid"/>
-                      <a:round/>
-                      <a:headEnd type="none" w="med" len="med"/>
-                      <a:tailEnd type="none" w="med" len="med"/>
-                    </a:lnR>
-                    <a:lnT w="12700" cap="flat" cmpd="sng" algn="ctr">
-                      <a:solidFill>
-                        <a:schemeClr val="tx1"/>
-                      </a:solidFill>
-                      <a:prstDash val="solid"/>
-                      <a:round/>
-                      <a:headEnd type="none" w="med" len="med"/>
-                      <a:tailEnd type="none" w="med" len="med"/>
-                    </a:lnT>
-                  </a:tcPr>
-                </a:tc>
-                <a:tc>
-                  <a:txBody>
-                    <a:bodyPr/>
-                    <a:lstStyle/>
-                    <a:p>
-                      <a:pPr latinLnBrk="1"/>
-                      <a:r>
-                        <a:rPr lang="ko-KR" altLang="en-US" sz="1400" dirty="0" smtClean="0"/>
-                        <a:t>대기상태</a:t>
-                      </a:r>
-                      <a:r>
-                        <a:rPr lang="en-US" altLang="ko-KR" sz="1400" dirty="0" smtClean="0"/>
-                        <a:t>, </a:t>
-                      </a:r>
-                      <a:r>
-                        <a:rPr lang="ko-KR" altLang="en-US" sz="1400" dirty="0" smtClean="0"/>
-                        <a:t>이동상태</a:t>
-                      </a:r>
-                      <a:r>
-                        <a:rPr lang="en-US" altLang="ko-KR" sz="1400" dirty="0" smtClean="0"/>
-                        <a:t>, </a:t>
-                      </a:r>
-                      <a:r>
-                        <a:rPr lang="ko-KR" altLang="en-US" sz="1400" dirty="0" smtClean="0"/>
-                        <a:t>죽음상태</a:t>
-                      </a:r>
-                      <a:r>
-                        <a:rPr lang="en-US" altLang="ko-KR" sz="1400" dirty="0" smtClean="0"/>
-                        <a:t>, </a:t>
-                      </a:r>
-                      <a:r>
-                        <a:rPr lang="ko-KR" altLang="en-US" sz="1400" dirty="0" smtClean="0"/>
-                        <a:t>소환하는 상태</a:t>
-                      </a:r>
-                      <a:r>
-                        <a:rPr lang="en-US" altLang="ko-KR" sz="1400" dirty="0" smtClean="0"/>
-                        <a:t>, </a:t>
-                      </a:r>
-                      <a:r>
-                        <a:rPr lang="ko-KR" altLang="en-US" sz="1400" dirty="0" smtClean="0"/>
-                        <a:t>싸우는 </a:t>
-                      </a:r>
-                      <a:r>
-                        <a:rPr lang="ko-KR" altLang="en-US" sz="1400" dirty="0" err="1" smtClean="0"/>
-                        <a:t>모습등</a:t>
-                      </a:r>
-                      <a:r>
-                        <a:rPr lang="ko-KR" altLang="en-US" sz="1400" dirty="0" smtClean="0"/>
-                        <a:t> 각 캐릭터마다 부여</a:t>
-                      </a:r>
-                      <a:endParaRPr lang="ko-KR" altLang="en-US" sz="1400" dirty="0"/>
-                    </a:p>
-                  </a:txBody>
-                  <a:tcPr anchor="ctr">
-                    <a:lnL w="12700" cap="flat" cmpd="sng" algn="ctr">
-                      <a:solidFill>
-                        <a:schemeClr val="tx1"/>
-                      </a:solidFill>
-                      <a:prstDash val="solid"/>
-                      <a:round/>
-                      <a:headEnd type="none" w="med" len="med"/>
-                      <a:tailEnd type="none" w="med" len="med"/>
-                    </a:lnL>
-                    <a:lnR w="12700" cap="flat" cmpd="sng" algn="ctr">
-                      <a:solidFill>
-                        <a:schemeClr val="tx1"/>
-                      </a:solidFill>
-                      <a:prstDash val="solid"/>
-                      <a:round/>
-                      <a:headEnd type="none" w="med" len="med"/>
-                      <a:tailEnd type="none" w="med" len="med"/>
-                    </a:lnR>
-                    <a:lnT w="12700" cap="flat" cmpd="sng" algn="ctr">
-                      <a:solidFill>
-                        <a:schemeClr val="tx1"/>
-                      </a:solidFill>
-                      <a:prstDash val="solid"/>
-                      <a:round/>
-                      <a:headEnd type="none" w="med" len="med"/>
-                      <a:tailEnd type="none" w="med" len="med"/>
-                    </a:lnT>
-                  </a:tcPr>
-                </a:tc>
-                <a:tc>
-                  <a:txBody>
-                    <a:bodyPr/>
-                    <a:lstStyle/>
-                    <a:p>
-                      <a:pPr latinLnBrk="1"/>
-                      <a:r>
-                        <a:rPr lang="ko-KR" altLang="en-US" sz="1400" dirty="0" smtClean="0"/>
-                        <a:t>감정표현</a:t>
-                      </a:r>
-                      <a:r>
-                        <a:rPr lang="en-US" altLang="ko-KR" sz="1400" dirty="0" smtClean="0"/>
-                        <a:t>, </a:t>
-                      </a:r>
-                      <a:r>
-                        <a:rPr lang="ko-KR" altLang="en-US" sz="1400" dirty="0" smtClean="0"/>
-                        <a:t>마법</a:t>
-                      </a:r>
-                      <a:r>
-                        <a:rPr lang="en-US" altLang="ko-KR" sz="1400" dirty="0" smtClean="0"/>
-                        <a:t>, </a:t>
-                      </a:r>
-                      <a:r>
-                        <a:rPr lang="ko-KR" altLang="en-US" sz="1400" dirty="0" err="1" smtClean="0"/>
-                        <a:t>아이템사용등</a:t>
-                      </a:r>
-                      <a:r>
-                        <a:rPr lang="ko-KR" altLang="en-US" sz="1400" dirty="0" smtClean="0"/>
-                        <a:t> 캐릭터 컨트롤 추가에 따라 애니메이션 추가</a:t>
-                      </a:r>
-                      <a:endParaRPr lang="ko-KR" altLang="en-US" sz="1400" dirty="0"/>
-                    </a:p>
-                  </a:txBody>
-                  <a:tcPr anchor="ctr">
-                    <a:lnL w="12700" cap="flat" cmpd="sng" algn="ctr">
-                      <a:solidFill>
-                        <a:schemeClr val="tx1"/>
-                      </a:solidFill>
-                      <a:prstDash val="solid"/>
-                      <a:round/>
-                      <a:headEnd type="none" w="med" len="med"/>
-                      <a:tailEnd type="none" w="med" len="med"/>
-                    </a:lnL>
-                    <a:lnT w="12700" cap="flat" cmpd="sng" algn="ctr">
-                      <a:solidFill>
-                        <a:schemeClr val="tx1"/>
-                      </a:solidFill>
-                      <a:prstDash val="solid"/>
-                      <a:round/>
-                      <a:headEnd type="none" w="med" len="med"/>
-                      <a:tailEnd type="none" w="med" len="med"/>
-                    </a:lnT>
-                  </a:tcPr>
-                </a:tc>
               </a:tr>
             </a:tbl>
           </a:graphicData>
         </a:graphic>
       </p:graphicFrame>
+      <p:sp>
+        <p:nvSpPr>
+          <p:cNvPr id="3" name="직사각형 2"/>
+          <p:cNvSpPr/>
+          <p:nvPr/>
+        </p:nvSpPr>
+        <p:spPr>
+          <a:xfrm>
+            <a:off x="-14478" y="0"/>
+            <a:ext cx="9144000" cy="329020"/>
+          </a:xfrm>
+          <a:prstGeom prst="rect">
+            <a:avLst/>
+          </a:prstGeom>
+          <a:solidFill>
+            <a:schemeClr val="bg2">
+              <a:lumMod val="90000"/>
+            </a:schemeClr>
+          </a:solidFill>
+          <a:ln>
+            <a:noFill/>
+          </a:ln>
+        </p:spPr>
+        <p:style>
+          <a:lnRef idx="2">
+            <a:schemeClr val="accent3">
+              <a:shade val="50000"/>
+            </a:schemeClr>
+          </a:lnRef>
+          <a:fillRef idx="1">
+            <a:schemeClr val="accent3"/>
+          </a:fillRef>
+          <a:effectRef idx="0">
+            <a:schemeClr val="accent3"/>
+          </a:effectRef>
+          <a:fontRef idx="minor">
+            <a:schemeClr val="lt1"/>
+          </a:fontRef>
+        </p:style>
+        <p:txBody>
+          <a:bodyPr rtlCol="0" anchor="ctr"/>
+          <a:lstStyle/>
+          <a:p>
+            <a:pPr algn="ctr"/>
+            <a:r>
+              <a:rPr lang="ko-KR" altLang="en-US" dirty="0" smtClean="0"/>
+              <a:t>중간 개발 범</a:t>
+            </a:r>
+            <a:r>
+              <a:rPr lang="ko-KR" altLang="en-US" dirty="0"/>
+              <a:t>위</a:t>
+            </a:r>
+          </a:p>
+        </p:txBody>
+      </p:sp>
     </p:spTree>
     <p:extLst>
       <p:ext uri="{BB962C8B-B14F-4D97-AF65-F5344CB8AC3E}">
-        <p14:creationId xmlns:p14="http://schemas.microsoft.com/office/powerpoint/2010/main" val="2990862852"/>
+        <p14:creationId xmlns:p14="http://schemas.microsoft.com/office/powerpoint/2010/main" val="785749966"/>
       </p:ext>
     </p:extLst>
   </p:cSld>
@@ -10254,392 +9475,1312 @@
           <a:chExt cx="0" cy="0"/>
         </a:xfrm>
       </p:grpSpPr>
-      <p:pic>
-        <p:nvPicPr>
-          <p:cNvPr id="1027" name="Picture 3" descr="C:\Users\HAPPY\Desktop\6.png"/>
-          <p:cNvPicPr>
-            <a:picLocks noChangeAspect="1" noChangeArrowheads="1"/>
-          </p:cNvPicPr>
-          <p:nvPr/>
-        </p:nvPicPr>
-        <p:blipFill>
-          <a:blip r:embed="rId2"/>
-          <a:srcRect/>
-          <a:stretch>
-            <a:fillRect/>
-          </a:stretch>
-        </p:blipFill>
-        <p:spPr bwMode="auto">
-          <a:xfrm>
-            <a:off x="817927" y="1196752"/>
-            <a:ext cx="7529553" cy="5040560"/>
-          </a:xfrm>
-          <a:prstGeom prst="rect">
-            <a:avLst/>
-          </a:prstGeom>
-          <a:noFill/>
-        </p:spPr>
-      </p:pic>
-      <p:sp>
-        <p:nvSpPr>
-          <p:cNvPr id="2" name="아래쪽 화살표 설명선 1"/>
-          <p:cNvSpPr/>
-          <p:nvPr/>
-        </p:nvSpPr>
-        <p:spPr>
-          <a:xfrm>
-            <a:off x="1547664" y="377368"/>
-            <a:ext cx="2088232" cy="1124744"/>
-          </a:xfrm>
-          <a:prstGeom prst="downArrowCallout">
-            <a:avLst/>
-          </a:prstGeom>
-        </p:spPr>
-        <p:style>
-          <a:lnRef idx="2">
-            <a:schemeClr val="accent3"/>
-          </a:lnRef>
-          <a:fillRef idx="1">
-            <a:schemeClr val="lt1"/>
-          </a:fillRef>
-          <a:effectRef idx="0">
-            <a:schemeClr val="accent3"/>
-          </a:effectRef>
-          <a:fontRef idx="minor">
-            <a:schemeClr val="dk1"/>
-          </a:fontRef>
-        </p:style>
-        <p:txBody>
-          <a:bodyPr rtlCol="0" anchor="ctr"/>
-          <a:lstStyle/>
-          <a:p>
-            <a:pPr algn="ctr"/>
-            <a:r>
-              <a:rPr lang="ko-KR" altLang="en-US" dirty="0" smtClean="0"/>
-              <a:t>이벤트 </a:t>
-            </a:r>
-            <a:r>
-              <a:rPr lang="ko-KR" altLang="en-US" dirty="0" err="1" smtClean="0"/>
-              <a:t>대화창</a:t>
-            </a:r>
-            <a:endParaRPr lang="ko-KR" altLang="en-US" dirty="0"/>
-          </a:p>
-        </p:txBody>
-      </p:sp>
-      <p:sp>
-        <p:nvSpPr>
-          <p:cNvPr id="4" name="아래쪽 화살표 설명선 3"/>
-          <p:cNvSpPr/>
-          <p:nvPr/>
-        </p:nvSpPr>
-        <p:spPr>
-          <a:xfrm>
-            <a:off x="6027298" y="423548"/>
-            <a:ext cx="1656184" cy="788847"/>
-          </a:xfrm>
-          <a:prstGeom prst="downArrowCallout">
-            <a:avLst/>
-          </a:prstGeom>
-        </p:spPr>
-        <p:style>
-          <a:lnRef idx="2">
-            <a:schemeClr val="accent3"/>
-          </a:lnRef>
-          <a:fillRef idx="1">
-            <a:schemeClr val="lt1"/>
-          </a:fillRef>
-          <a:effectRef idx="0">
-            <a:schemeClr val="accent3"/>
-          </a:effectRef>
-          <a:fontRef idx="minor">
-            <a:schemeClr val="dk1"/>
-          </a:fontRef>
-        </p:style>
-        <p:txBody>
-          <a:bodyPr rtlCol="0" anchor="ctr"/>
-          <a:lstStyle/>
-          <a:p>
-            <a:pPr algn="ctr"/>
-            <a:r>
-              <a:rPr lang="ko-KR" altLang="en-US" dirty="0" err="1" smtClean="0"/>
-              <a:t>전투맵</a:t>
-            </a:r>
-            <a:endParaRPr lang="ko-KR" altLang="en-US" dirty="0"/>
-          </a:p>
-        </p:txBody>
-      </p:sp>
-      <p:sp>
-        <p:nvSpPr>
-          <p:cNvPr id="3" name="왼쪽 화살표 설명선 2"/>
-          <p:cNvSpPr/>
-          <p:nvPr/>
-        </p:nvSpPr>
-        <p:spPr>
-          <a:xfrm>
-            <a:off x="5580112" y="3185680"/>
-            <a:ext cx="1800200" cy="459344"/>
-          </a:xfrm>
-          <a:prstGeom prst="leftArrowCallout">
-            <a:avLst>
-              <a:gd name="adj1" fmla="val 25000"/>
-              <a:gd name="adj2" fmla="val 25000"/>
-              <a:gd name="adj3" fmla="val 25000"/>
-              <a:gd name="adj4" fmla="val 70485"/>
-            </a:avLst>
-          </a:prstGeom>
-        </p:spPr>
-        <p:style>
-          <a:lnRef idx="2">
-            <a:schemeClr val="accent3"/>
-          </a:lnRef>
-          <a:fillRef idx="1">
-            <a:schemeClr val="lt1"/>
-          </a:fillRef>
-          <a:effectRef idx="0">
-            <a:schemeClr val="accent3"/>
-          </a:effectRef>
-          <a:fontRef idx="minor">
-            <a:schemeClr val="dk1"/>
-          </a:fontRef>
-        </p:style>
-        <p:txBody>
-          <a:bodyPr rtlCol="0" anchor="ctr"/>
-          <a:lstStyle/>
-          <a:p>
-            <a:pPr algn="ctr"/>
-            <a:r>
-              <a:rPr lang="ko-KR" altLang="en-US" dirty="0" smtClean="0"/>
-              <a:t>주인공</a:t>
-            </a:r>
-            <a:endParaRPr lang="ko-KR" altLang="en-US" dirty="0"/>
-          </a:p>
-        </p:txBody>
-      </p:sp>
-      <p:sp>
-        <p:nvSpPr>
-          <p:cNvPr id="6" name="부제목 2"/>
-          <p:cNvSpPr txBox="1">
-            <a:spLocks/>
-          </p:cNvSpPr>
-          <p:nvPr/>
-        </p:nvSpPr>
-        <p:spPr>
-          <a:xfrm>
-            <a:off x="971600" y="6393904"/>
-            <a:ext cx="6413822" cy="419472"/>
-          </a:xfrm>
-          <a:prstGeom prst="rect">
-            <a:avLst/>
-          </a:prstGeom>
-        </p:spPr>
-        <p:txBody>
-          <a:bodyPr vert="horz" lIns="91440" tIns="45720" rIns="91440" bIns="45720" rtlCol="0" anchor="t">
-            <a:normAutofit fontScale="92500"/>
-          </a:bodyPr>
-          <a:lstStyle>
-            <a:lvl1pPr marL="274320" indent="-274320" algn="l" defTabSz="914400" rtl="0" eaLnBrk="1" latinLnBrk="1" hangingPunct="1">
-              <a:spcBef>
-                <a:spcPct val="20000"/>
-              </a:spcBef>
-              <a:buClr>
-                <a:schemeClr val="accent2"/>
-              </a:buClr>
-              <a:buSzPct val="85000"/>
-              <a:buFont typeface="Brush Script MT" pitchFamily="66" charset="0"/>
-              <a:buChar char="O"/>
-              <a:defRPr sz="2400" kern="1200">
-                <a:solidFill>
-                  <a:schemeClr val="tx1"/>
-                </a:solidFill>
-                <a:latin typeface="+mn-lt"/>
-                <a:ea typeface="+mn-ea"/>
-                <a:cs typeface="+mn-cs"/>
-              </a:defRPr>
-            </a:lvl1pPr>
-            <a:lvl2pPr marL="640080" indent="-274320" algn="l" defTabSz="914400" rtl="0" eaLnBrk="1" latinLnBrk="1" hangingPunct="1">
-              <a:spcBef>
-                <a:spcPct val="20000"/>
-              </a:spcBef>
-              <a:buClr>
-                <a:schemeClr val="accent2"/>
-              </a:buClr>
-              <a:buSzPct val="85000"/>
-              <a:buFont typeface="Brush Script MT" pitchFamily="66" charset="0"/>
-              <a:buChar char="O"/>
-              <a:defRPr sz="2200" kern="1200">
-                <a:solidFill>
-                  <a:schemeClr val="tx1"/>
-                </a:solidFill>
-                <a:latin typeface="+mn-lt"/>
-                <a:ea typeface="+mn-ea"/>
-                <a:cs typeface="+mn-cs"/>
-              </a:defRPr>
-            </a:lvl2pPr>
-            <a:lvl3pPr marL="914400" indent="-228600" algn="l" defTabSz="914400" rtl="0" eaLnBrk="1" latinLnBrk="1" hangingPunct="1">
-              <a:spcBef>
-                <a:spcPct val="20000"/>
-              </a:spcBef>
-              <a:buClr>
-                <a:schemeClr val="accent2"/>
-              </a:buClr>
-              <a:buSzPct val="85000"/>
-              <a:buFont typeface="Brush Script MT" pitchFamily="66" charset="0"/>
-              <a:buChar char="O"/>
-              <a:defRPr sz="2000" kern="1200">
-                <a:solidFill>
-                  <a:schemeClr val="tx1"/>
-                </a:solidFill>
-                <a:latin typeface="+mn-lt"/>
-                <a:ea typeface="+mn-ea"/>
-                <a:cs typeface="+mn-cs"/>
-              </a:defRPr>
-            </a:lvl3pPr>
-            <a:lvl4pPr marL="1280160" indent="-228600" algn="l" defTabSz="914400" rtl="0" eaLnBrk="1" latinLnBrk="1" hangingPunct="1">
-              <a:spcBef>
-                <a:spcPct val="20000"/>
-              </a:spcBef>
-              <a:buClr>
-                <a:schemeClr val="accent2"/>
-              </a:buClr>
-              <a:buSzPct val="85000"/>
-              <a:buFont typeface="Brush Script MT" pitchFamily="66" charset="0"/>
-              <a:buChar char="O"/>
-              <a:defRPr sz="1800" kern="1200">
-                <a:solidFill>
-                  <a:schemeClr val="tx1"/>
-                </a:solidFill>
-                <a:latin typeface="+mn-lt"/>
-                <a:ea typeface="+mn-ea"/>
-                <a:cs typeface="+mn-cs"/>
-              </a:defRPr>
-            </a:lvl4pPr>
-            <a:lvl5pPr marL="1645920" indent="-228600" algn="l" defTabSz="914400" rtl="0" eaLnBrk="1" latinLnBrk="1" hangingPunct="1">
-              <a:spcBef>
-                <a:spcPct val="20000"/>
-              </a:spcBef>
-              <a:buClr>
-                <a:schemeClr val="accent2"/>
-              </a:buClr>
-              <a:buSzPct val="85000"/>
-              <a:buFont typeface="Brush Script MT" pitchFamily="66" charset="0"/>
-              <a:buChar char="O"/>
-              <a:defRPr sz="1600" kern="1200">
-                <a:solidFill>
-                  <a:schemeClr val="tx1"/>
-                </a:solidFill>
-                <a:latin typeface="+mn-lt"/>
-                <a:ea typeface="+mn-ea"/>
-                <a:cs typeface="+mn-cs"/>
-              </a:defRPr>
-            </a:lvl5pPr>
-            <a:lvl6pPr marL="2011680" indent="-228600" algn="l" defTabSz="914400" rtl="0" eaLnBrk="1" latinLnBrk="1" hangingPunct="1">
-              <a:spcBef>
-                <a:spcPct val="20000"/>
-              </a:spcBef>
-              <a:buClr>
-                <a:schemeClr val="accent2"/>
-              </a:buClr>
-              <a:buSzPct val="85000"/>
-              <a:buFont typeface="Brush Script MT" pitchFamily="66" charset="0"/>
-              <a:buChar char="O"/>
-              <a:defRPr sz="1600" kern="1200">
-                <a:solidFill>
-                  <a:schemeClr val="tx1"/>
-                </a:solidFill>
-                <a:latin typeface="+mn-lt"/>
-                <a:ea typeface="+mn-ea"/>
-                <a:cs typeface="+mn-cs"/>
-              </a:defRPr>
-            </a:lvl6pPr>
-            <a:lvl7pPr marL="2377440" indent="-228600" algn="l" defTabSz="914400" rtl="0" eaLnBrk="1" latinLnBrk="1" hangingPunct="1">
-              <a:spcBef>
-                <a:spcPct val="20000"/>
-              </a:spcBef>
-              <a:buClr>
-                <a:schemeClr val="accent2"/>
-              </a:buClr>
-              <a:buSzPct val="85000"/>
-              <a:buFont typeface="Brush Script MT" pitchFamily="66" charset="0"/>
-              <a:buChar char="O"/>
-              <a:defRPr sz="1600" kern="1200">
-                <a:solidFill>
-                  <a:schemeClr val="tx1"/>
-                </a:solidFill>
-                <a:latin typeface="+mn-lt"/>
-                <a:ea typeface="+mn-ea"/>
-                <a:cs typeface="+mn-cs"/>
-              </a:defRPr>
-            </a:lvl7pPr>
-            <a:lvl8pPr marL="2743200" indent="-228600" algn="l" defTabSz="914400" rtl="0" eaLnBrk="1" latinLnBrk="1" hangingPunct="1">
-              <a:spcBef>
-                <a:spcPct val="20000"/>
-              </a:spcBef>
-              <a:buClr>
-                <a:schemeClr val="accent2"/>
-              </a:buClr>
-              <a:buSzPct val="85000"/>
-              <a:buFont typeface="Brush Script MT" pitchFamily="66" charset="0"/>
-              <a:buChar char="O"/>
-              <a:defRPr sz="1600" kern="1200">
-                <a:solidFill>
-                  <a:schemeClr val="tx1"/>
-                </a:solidFill>
-                <a:latin typeface="+mn-lt"/>
-                <a:ea typeface="+mn-ea"/>
-                <a:cs typeface="+mn-cs"/>
-              </a:defRPr>
-            </a:lvl8pPr>
-            <a:lvl9pPr marL="3108960" indent="-228600" algn="l" defTabSz="914400" rtl="0" eaLnBrk="1" latinLnBrk="1" hangingPunct="1">
-              <a:spcBef>
-                <a:spcPct val="20000"/>
-              </a:spcBef>
-              <a:buClr>
-                <a:schemeClr val="accent2"/>
-              </a:buClr>
-              <a:buSzPct val="85000"/>
-              <a:buFont typeface="Brush Script MT" pitchFamily="66" charset="0"/>
-              <a:buChar char="O"/>
-              <a:defRPr sz="1600" kern="1200">
-                <a:solidFill>
-                  <a:schemeClr val="tx1"/>
-                </a:solidFill>
-                <a:latin typeface="+mn-lt"/>
-                <a:ea typeface="+mn-ea"/>
-                <a:cs typeface="+mn-cs"/>
-              </a:defRPr>
-            </a:lvl9pPr>
-          </a:lstStyle>
-          <a:p>
-            <a:pPr marL="0" indent="0">
-              <a:buNone/>
-            </a:pPr>
-            <a:r>
-              <a:rPr lang="en-US" altLang="ko-KR" sz="2000" dirty="0">
-                <a:solidFill>
-                  <a:schemeClr val="bg1"/>
-                </a:solidFill>
-              </a:rPr>
-              <a:t>• </a:t>
-            </a:r>
-            <a:r>
-              <a:rPr lang="ko-KR" altLang="en-US" sz="2000" dirty="0" smtClean="0">
-                <a:solidFill>
-                  <a:schemeClr val="bg1"/>
-                </a:solidFill>
-              </a:rPr>
-              <a:t>한번도 이동하지 않은 곳은 빨간색으로 칠해 목표 부여</a:t>
-            </a:r>
-            <a:endParaRPr lang="ko-KR" altLang="en-US" sz="2000" dirty="0">
-              <a:solidFill>
-                <a:schemeClr val="bg1"/>
-              </a:solidFill>
-            </a:endParaRPr>
-          </a:p>
-        </p:txBody>
-      </p:sp>
-      <p:sp>
-        <p:nvSpPr>
-          <p:cNvPr id="5" name="직사각형 4"/>
+      <p:graphicFrame>
+        <p:nvGraphicFramePr>
+          <p:cNvPr id="5" name="표 4"/>
+          <p:cNvGraphicFramePr>
+            <a:graphicFrameLocks noGrp="1"/>
+          </p:cNvGraphicFramePr>
+          <p:nvPr>
+            <p:extLst>
+              <p:ext uri="{D42A27DB-BD31-4B8C-83A1-F6EECF244321}">
+                <p14:modId xmlns:p14="http://schemas.microsoft.com/office/powerpoint/2010/main" val="161580056"/>
+              </p:ext>
+            </p:extLst>
+          </p:nvPr>
+        </p:nvGraphicFramePr>
+        <p:xfrm>
+          <a:off x="-16176" y="354405"/>
+          <a:ext cx="9175128" cy="6541323"/>
+        </p:xfrm>
+        <a:graphic>
+          <a:graphicData uri="http://schemas.openxmlformats.org/drawingml/2006/table">
+            <a:tbl>
+              <a:tblPr firstRow="1" bandRow="1">
+                <a:tableStyleId>{D7AC3CCA-C797-4891-BE02-D94E43425B78}</a:tableStyleId>
+              </a:tblPr>
+              <a:tblGrid>
+                <a:gridCol w="1089215"/>
+                <a:gridCol w="2016223"/>
+                <a:gridCol w="576064"/>
+                <a:gridCol w="5493626"/>
+              </a:tblGrid>
+              <a:tr h="914355">
+                <a:tc rowSpan="2">
+                  <a:txBody>
+                    <a:bodyPr/>
+                    <a:lstStyle/>
+                    <a:p>
+                      <a:pPr algn="ctr" latinLnBrk="1"/>
+                      <a:r>
+                        <a:rPr lang="en-US" altLang="ko-KR" b="0" dirty="0" smtClean="0"/>
+                        <a:t>1</a:t>
+                      </a:r>
+                      <a:r>
+                        <a:rPr lang="ko-KR" altLang="en-US" b="0" dirty="0" smtClean="0"/>
+                        <a:t>주차</a:t>
+                      </a:r>
+                      <a:endParaRPr lang="ko-KR" altLang="en-US" b="0" dirty="0"/>
+                    </a:p>
+                  </a:txBody>
+                  <a:tcPr anchor="ctr"/>
+                </a:tc>
+                <a:tc rowSpan="2">
+                  <a:txBody>
+                    <a:bodyPr/>
+                    <a:lstStyle/>
+                    <a:p>
+                      <a:pPr algn="ctr" latinLnBrk="1"/>
+                      <a:r>
+                        <a:rPr lang="ko-KR" altLang="en-US" b="0" dirty="0" err="1" smtClean="0"/>
+                        <a:t>월드맵</a:t>
+                      </a:r>
+                      <a:r>
+                        <a:rPr lang="ko-KR" altLang="en-US" b="0" dirty="0" smtClean="0"/>
+                        <a:t> 구현</a:t>
+                      </a:r>
+                      <a:endParaRPr lang="ko-KR" altLang="en-US" b="0" dirty="0"/>
+                    </a:p>
+                  </a:txBody>
+                  <a:tcPr anchor="ctr"/>
+                </a:tc>
+                <a:tc>
+                  <a:txBody>
+                    <a:bodyPr/>
+                    <a:lstStyle/>
+                    <a:p>
+                      <a:pPr algn="ctr" latinLnBrk="1"/>
+                      <a:r>
+                        <a:rPr lang="ko-KR" altLang="en-US" sz="1500" b="0" dirty="0" smtClean="0"/>
+                        <a:t>계획</a:t>
+                      </a:r>
+                      <a:endParaRPr lang="ko-KR" altLang="en-US" sz="1500" b="0" dirty="0"/>
+                    </a:p>
+                  </a:txBody>
+                  <a:tcPr anchor="ctr"/>
+                </a:tc>
+                <a:tc>
+                  <a:txBody>
+                    <a:bodyPr/>
+                    <a:lstStyle/>
+                    <a:p>
+                      <a:pPr algn="ctr" latinLnBrk="1"/>
+                      <a:r>
+                        <a:rPr lang="ko-KR" altLang="en-US" sz="1500" b="0" dirty="0" err="1" smtClean="0"/>
+                        <a:t>월드맵</a:t>
+                      </a:r>
+                      <a:r>
+                        <a:rPr lang="en-US" altLang="ko-KR" sz="1500" b="0" dirty="0" smtClean="0"/>
+                        <a:t>, </a:t>
+                      </a:r>
+                      <a:r>
+                        <a:rPr lang="ko-KR" altLang="en-US" sz="1500" b="0" dirty="0" err="1" smtClean="0"/>
+                        <a:t>월드맵</a:t>
+                      </a:r>
+                      <a:r>
+                        <a:rPr lang="ko-KR" altLang="en-US" sz="1500" b="0" dirty="0" smtClean="0"/>
+                        <a:t> </a:t>
+                      </a:r>
+                      <a:r>
+                        <a:rPr lang="ko-KR" altLang="en-US" sz="1500" b="0" dirty="0" err="1" smtClean="0"/>
+                        <a:t>노드</a:t>
+                      </a:r>
+                      <a:r>
+                        <a:rPr lang="en-US" altLang="ko-KR" sz="1500" b="0" dirty="0" smtClean="0"/>
+                        <a:t>(</a:t>
+                      </a:r>
+                      <a:r>
+                        <a:rPr lang="ko-KR" altLang="en-US" sz="1500" b="0" dirty="0" err="1" smtClean="0"/>
+                        <a:t>전투맵</a:t>
+                      </a:r>
+                      <a:r>
+                        <a:rPr lang="en-US" altLang="ko-KR" sz="1500" b="0" dirty="0" smtClean="0"/>
+                        <a:t>), </a:t>
+                      </a:r>
+                      <a:r>
+                        <a:rPr lang="ko-KR" altLang="en-US" sz="1500" b="0" dirty="0" smtClean="0"/>
+                        <a:t>주인공 구현</a:t>
+                      </a:r>
+                      <a:r>
+                        <a:rPr lang="en-US" altLang="ko-KR" sz="1500" b="0" dirty="0" smtClean="0"/>
+                        <a:t>, </a:t>
+                      </a:r>
+                      <a:r>
+                        <a:rPr lang="ko-KR" altLang="en-US" sz="1500" b="0" dirty="0" smtClean="0"/>
+                        <a:t>이동 구현</a:t>
+                      </a:r>
+                      <a:r>
+                        <a:rPr lang="en-US" altLang="ko-KR" sz="1500" b="0" dirty="0" smtClean="0"/>
+                        <a:t>, </a:t>
+                      </a:r>
+                      <a:r>
+                        <a:rPr lang="ko-KR" altLang="en-US" sz="1500" b="0" dirty="0" smtClean="0"/>
+                        <a:t>이동 </a:t>
+                      </a:r>
+                      <a:r>
+                        <a:rPr lang="ko-KR" altLang="en-US" sz="1500" b="0" dirty="0" err="1" smtClean="0"/>
+                        <a:t>안한</a:t>
+                      </a:r>
+                      <a:r>
+                        <a:rPr lang="ko-KR" altLang="en-US" sz="1500" b="0" dirty="0" smtClean="0"/>
+                        <a:t> 지역은 빨간 글씨</a:t>
+                      </a:r>
+                      <a:r>
+                        <a:rPr lang="en-US" altLang="ko-KR" sz="1500" b="0" dirty="0" smtClean="0"/>
+                        <a:t>, </a:t>
+                      </a:r>
+                    </a:p>
+                    <a:p>
+                      <a:pPr algn="ctr" latinLnBrk="1"/>
+                      <a:r>
+                        <a:rPr lang="ko-KR" altLang="en-US" sz="1500" b="0" dirty="0" smtClean="0"/>
+                        <a:t>이동 후 대화 이벤트</a:t>
+                      </a:r>
+                      <a:r>
+                        <a:rPr lang="en-US" altLang="ko-KR" sz="1500" b="0" dirty="0" smtClean="0"/>
+                        <a:t>, </a:t>
+                      </a:r>
+                      <a:r>
+                        <a:rPr lang="ko-KR" altLang="en-US" sz="1500" b="0" dirty="0" err="1" smtClean="0"/>
+                        <a:t>전투맵</a:t>
+                      </a:r>
+                      <a:r>
+                        <a:rPr lang="ko-KR" altLang="en-US" sz="1500" b="0" dirty="0" smtClean="0"/>
+                        <a:t> 진입 이벤트 </a:t>
+                      </a:r>
+                      <a:r>
+                        <a:rPr lang="ko-KR" altLang="en-US" sz="1500" b="0" dirty="0" err="1" smtClean="0"/>
+                        <a:t>투현</a:t>
+                      </a:r>
+                      <a:endParaRPr lang="ko-KR" altLang="en-US" sz="1500" b="0" dirty="0" smtClean="0"/>
+                    </a:p>
+                  </a:txBody>
+                  <a:tcPr anchor="ctr"/>
+                </a:tc>
+              </a:tr>
+              <a:tr h="713179">
+                <a:tc vMerge="1">
+                  <a:txBody>
+                    <a:bodyPr/>
+                    <a:lstStyle/>
+                    <a:p>
+                      <a:pPr latinLnBrk="1"/>
+                      <a:endParaRPr lang="ko-KR" altLang="en-US"/>
+                    </a:p>
+                  </a:txBody>
+                  <a:tcPr/>
+                </a:tc>
+                <a:tc vMerge="1">
+                  <a:txBody>
+                    <a:bodyPr/>
+                    <a:lstStyle/>
+                    <a:p>
+                      <a:pPr latinLnBrk="1"/>
+                      <a:endParaRPr lang="ko-KR" altLang="en-US"/>
+                    </a:p>
+                  </a:txBody>
+                  <a:tcPr/>
+                </a:tc>
+                <a:tc>
+                  <a:txBody>
+                    <a:bodyPr/>
+                    <a:lstStyle/>
+                    <a:p>
+                      <a:pPr algn="ctr" latinLnBrk="1"/>
+                      <a:r>
+                        <a:rPr lang="ko-KR" altLang="en-US" sz="1500" b="0" dirty="0" smtClean="0"/>
+                        <a:t>결과</a:t>
+                      </a:r>
+                      <a:endParaRPr lang="ko-KR" altLang="en-US" sz="1500" b="0" dirty="0"/>
+                    </a:p>
+                  </a:txBody>
+                  <a:tcPr anchor="ctr"/>
+                </a:tc>
+                <a:tc>
+                  <a:txBody>
+                    <a:bodyPr/>
+                    <a:lstStyle/>
+                    <a:p>
+                      <a:pPr algn="ctr" latinLnBrk="1"/>
+                      <a:r>
+                        <a:rPr lang="ko-KR" altLang="en-US" sz="1500" b="0" dirty="0" err="1" smtClean="0"/>
+                        <a:t>월드맵</a:t>
+                      </a:r>
+                      <a:r>
+                        <a:rPr lang="en-US" altLang="ko-KR" sz="1500" b="0" dirty="0" smtClean="0"/>
+                        <a:t>, </a:t>
+                      </a:r>
+                      <a:r>
+                        <a:rPr lang="ko-KR" altLang="en-US" sz="1500" b="0" dirty="0" err="1" smtClean="0"/>
+                        <a:t>월드맵</a:t>
+                      </a:r>
+                      <a:r>
+                        <a:rPr lang="ko-KR" altLang="en-US" sz="1500" b="0" dirty="0" smtClean="0"/>
+                        <a:t> </a:t>
+                      </a:r>
+                      <a:r>
+                        <a:rPr lang="ko-KR" altLang="en-US" sz="1500" b="0" dirty="0" err="1" smtClean="0"/>
+                        <a:t>노드</a:t>
+                      </a:r>
+                      <a:r>
+                        <a:rPr lang="en-US" altLang="ko-KR" sz="1500" b="0" dirty="0" smtClean="0"/>
+                        <a:t>(</a:t>
+                      </a:r>
+                      <a:r>
+                        <a:rPr lang="ko-KR" altLang="en-US" sz="1500" b="0" dirty="0" err="1" smtClean="0"/>
+                        <a:t>전투맵</a:t>
+                      </a:r>
+                      <a:r>
+                        <a:rPr lang="en-US" altLang="ko-KR" sz="1500" b="0" dirty="0" smtClean="0"/>
+                        <a:t>), </a:t>
+                      </a:r>
+                      <a:r>
+                        <a:rPr lang="ko-KR" altLang="en-US" sz="1500" b="0" dirty="0" smtClean="0"/>
+                        <a:t>주인공 구현</a:t>
+                      </a:r>
+                      <a:r>
+                        <a:rPr lang="en-US" altLang="ko-KR" sz="1500" b="0" dirty="0" smtClean="0"/>
+                        <a:t>, </a:t>
+                      </a:r>
+                      <a:r>
+                        <a:rPr lang="ko-KR" altLang="en-US" sz="1500" b="0" dirty="0" err="1" smtClean="0"/>
+                        <a:t>월드맵</a:t>
+                      </a:r>
+                      <a:r>
+                        <a:rPr lang="ko-KR" altLang="en-US" sz="1500" b="0" dirty="0" smtClean="0"/>
+                        <a:t> </a:t>
+                      </a:r>
+                      <a:r>
+                        <a:rPr lang="ko-KR" altLang="en-US" sz="1500" b="0" dirty="0" err="1" smtClean="0"/>
+                        <a:t>노드간</a:t>
+                      </a:r>
+                      <a:r>
+                        <a:rPr lang="ko-KR" altLang="en-US" sz="1500" b="0" dirty="0" smtClean="0"/>
+                        <a:t> 이동 구현</a:t>
+                      </a:r>
+                      <a:endParaRPr lang="ko-KR" altLang="en-US" sz="1500" b="0" dirty="0"/>
+                    </a:p>
+                  </a:txBody>
+                  <a:tcPr anchor="ctr"/>
+                </a:tc>
+              </a:tr>
+              <a:tr h="452571">
+                <a:tc rowSpan="2">
+                  <a:txBody>
+                    <a:bodyPr/>
+                    <a:lstStyle/>
+                    <a:p>
+                      <a:pPr algn="ctr" latinLnBrk="1"/>
+                      <a:r>
+                        <a:rPr lang="en-US" altLang="ko-KR" dirty="0" smtClean="0"/>
+                        <a:t>2</a:t>
+                      </a:r>
+                      <a:r>
+                        <a:rPr lang="ko-KR" altLang="en-US" dirty="0" smtClean="0"/>
+                        <a:t>주차</a:t>
+                      </a:r>
+                      <a:endParaRPr lang="ko-KR" altLang="en-US" dirty="0"/>
+                    </a:p>
+                  </a:txBody>
+                  <a:tcPr anchor="ctr"/>
+                </a:tc>
+                <a:tc rowSpan="2">
+                  <a:txBody>
+                    <a:bodyPr/>
+                    <a:lstStyle/>
+                    <a:p>
+                      <a:pPr algn="ctr" latinLnBrk="1"/>
+                      <a:r>
+                        <a:rPr lang="ko-KR" altLang="en-US" dirty="0" err="1" smtClean="0"/>
+                        <a:t>전투맵</a:t>
+                      </a:r>
+                      <a:r>
+                        <a:rPr lang="ko-KR" altLang="en-US" dirty="0" smtClean="0"/>
+                        <a:t> 구현</a:t>
+                      </a:r>
+                      <a:endParaRPr lang="ko-KR" altLang="en-US" dirty="0"/>
+                    </a:p>
+                  </a:txBody>
+                  <a:tcPr anchor="ctr"/>
+                </a:tc>
+                <a:tc>
+                  <a:txBody>
+                    <a:bodyPr/>
+                    <a:lstStyle/>
+                    <a:p>
+                      <a:pPr algn="ctr" latinLnBrk="1"/>
+                      <a:r>
+                        <a:rPr lang="ko-KR" altLang="en-US" sz="1500" dirty="0" smtClean="0"/>
+                        <a:t>계획</a:t>
+                      </a:r>
+                      <a:endParaRPr lang="ko-KR" altLang="en-US" sz="1500" dirty="0"/>
+                    </a:p>
+                  </a:txBody>
+                  <a:tcPr anchor="ctr"/>
+                </a:tc>
+                <a:tc>
+                  <a:txBody>
+                    <a:bodyPr/>
+                    <a:lstStyle/>
+                    <a:p>
+                      <a:pPr marL="0" marR="0" indent="0" algn="ctr" defTabSz="914400" rtl="0" eaLnBrk="1" fontAlgn="auto" latinLnBrk="1" hangingPunct="1">
+                        <a:lnSpc>
+                          <a:spcPct val="100000"/>
+                        </a:lnSpc>
+                        <a:spcBef>
+                          <a:spcPts val="0"/>
+                        </a:spcBef>
+                        <a:spcAft>
+                          <a:spcPts val="0"/>
+                        </a:spcAft>
+                        <a:buClrTx/>
+                        <a:buSzTx/>
+                        <a:buFontTx/>
+                        <a:buNone/>
+                        <a:tabLst/>
+                        <a:defRPr/>
+                      </a:pPr>
+                      <a:r>
+                        <a:rPr lang="ko-KR" altLang="en-US" sz="1500" dirty="0" err="1" smtClean="0"/>
+                        <a:t>전투맵</a:t>
+                      </a:r>
+                      <a:r>
+                        <a:rPr lang="en-US" altLang="ko-KR" sz="1500" dirty="0" smtClean="0"/>
+                        <a:t>, </a:t>
+                      </a:r>
+                      <a:r>
+                        <a:rPr lang="ko-KR" altLang="en-US" sz="1500" dirty="0" smtClean="0"/>
+                        <a:t>이동 가능한 구역 설정</a:t>
+                      </a:r>
+                      <a:r>
+                        <a:rPr lang="en-US" altLang="ko-KR" sz="1500" dirty="0" smtClean="0"/>
+                        <a:t>, </a:t>
+                      </a:r>
+                      <a:r>
+                        <a:rPr lang="ko-KR" altLang="en-US" sz="1500" dirty="0" smtClean="0"/>
+                        <a:t>이동 거리만큼 이동</a:t>
+                      </a:r>
+                    </a:p>
+                  </a:txBody>
+                  <a:tcPr anchor="ctr"/>
+                </a:tc>
+              </a:tr>
+              <a:tr h="346418">
+                <a:tc vMerge="1">
+                  <a:txBody>
+                    <a:bodyPr/>
+                    <a:lstStyle/>
+                    <a:p>
+                      <a:pPr latinLnBrk="1"/>
+                      <a:endParaRPr lang="ko-KR" altLang="en-US"/>
+                    </a:p>
+                  </a:txBody>
+                  <a:tcPr/>
+                </a:tc>
+                <a:tc vMerge="1">
+                  <a:txBody>
+                    <a:bodyPr/>
+                    <a:lstStyle/>
+                    <a:p>
+                      <a:pPr latinLnBrk="1"/>
+                      <a:endParaRPr lang="ko-KR" altLang="en-US"/>
+                    </a:p>
+                  </a:txBody>
+                  <a:tcPr/>
+                </a:tc>
+                <a:tc>
+                  <a:txBody>
+                    <a:bodyPr/>
+                    <a:lstStyle/>
+                    <a:p>
+                      <a:pPr algn="ctr" latinLnBrk="1"/>
+                      <a:r>
+                        <a:rPr lang="ko-KR" altLang="en-US" sz="1500" dirty="0" smtClean="0"/>
+                        <a:t>결과</a:t>
+                      </a:r>
+                      <a:endParaRPr lang="ko-KR" altLang="en-US" sz="1500" dirty="0"/>
+                    </a:p>
+                  </a:txBody>
+                  <a:tcPr anchor="ctr"/>
+                </a:tc>
+                <a:tc>
+                  <a:txBody>
+                    <a:bodyPr/>
+                    <a:lstStyle/>
+                    <a:p>
+                      <a:pPr algn="ctr" latinLnBrk="1"/>
+                      <a:r>
+                        <a:rPr lang="ko-KR" altLang="en-US" sz="1500" dirty="0" smtClean="0"/>
+                        <a:t>육각형 하나 그림</a:t>
+                      </a:r>
+                      <a:endParaRPr lang="ko-KR" altLang="en-US" sz="1500" dirty="0"/>
+                    </a:p>
+                  </a:txBody>
+                  <a:tcPr anchor="ctr"/>
+                </a:tc>
+              </a:tr>
+              <a:tr h="0">
+                <a:tc>
+                  <a:txBody>
+                    <a:bodyPr/>
+                    <a:lstStyle/>
+                    <a:p>
+                      <a:pPr algn="ctr"/>
+                      <a:r>
+                        <a:rPr lang="en-US" altLang="ko-KR" dirty="0" smtClean="0"/>
+                        <a:t>3</a:t>
+                      </a:r>
+                      <a:r>
+                        <a:rPr lang="ko-KR" altLang="en-US" dirty="0" smtClean="0"/>
+                        <a:t>주차</a:t>
+                      </a:r>
+                      <a:endParaRPr lang="ko-KR" altLang="en-US" dirty="0"/>
+                    </a:p>
+                  </a:txBody>
+                  <a:tcPr anchor="ctr"/>
+                </a:tc>
+                <a:tc>
+                  <a:txBody>
+                    <a:bodyPr/>
+                    <a:lstStyle/>
+                    <a:p>
+                      <a:pPr algn="ctr"/>
+                      <a:r>
+                        <a:rPr lang="ko-KR" altLang="en-US" dirty="0" smtClean="0"/>
+                        <a:t>중간고사</a:t>
+                      </a:r>
+                      <a:endParaRPr lang="ko-KR" altLang="en-US" dirty="0"/>
+                    </a:p>
+                  </a:txBody>
+                  <a:tcPr anchor="ctr"/>
+                </a:tc>
+                <a:tc gridSpan="2">
+                  <a:txBody>
+                    <a:bodyPr/>
+                    <a:lstStyle/>
+                    <a:p>
+                      <a:pPr algn="ctr"/>
+                      <a:r>
+                        <a:rPr lang="en-US" altLang="ko-KR" dirty="0" smtClean="0"/>
+                        <a:t>.</a:t>
+                      </a:r>
+                      <a:endParaRPr lang="ko-KR" altLang="en-US" dirty="0"/>
+                    </a:p>
+                  </a:txBody>
+                  <a:tcPr anchor="ctr"/>
+                </a:tc>
+                <a:tc hMerge="1">
+                  <a:txBody>
+                    <a:bodyPr/>
+                    <a:lstStyle/>
+                    <a:p>
+                      <a:pPr latinLnBrk="1"/>
+                      <a:endParaRPr lang="ko-KR" altLang="en-US"/>
+                    </a:p>
+                  </a:txBody>
+                  <a:tcPr/>
+                </a:tc>
+              </a:tr>
+              <a:tr h="0">
+                <a:tc>
+                  <a:txBody>
+                    <a:bodyPr/>
+                    <a:lstStyle/>
+                    <a:p>
+                      <a:pPr algn="ctr" latinLnBrk="1"/>
+                      <a:r>
+                        <a:rPr lang="en-US" altLang="ko-KR" dirty="0" smtClean="0"/>
+                        <a:t>3</a:t>
+                      </a:r>
+                      <a:r>
+                        <a:rPr lang="ko-KR" altLang="en-US" dirty="0" smtClean="0"/>
+                        <a:t>주차</a:t>
+                      </a:r>
+                      <a:endParaRPr lang="ko-KR" altLang="en-US" dirty="0"/>
+                    </a:p>
+                  </a:txBody>
+                  <a:tcPr anchor="ctr"/>
+                </a:tc>
+                <a:tc>
+                  <a:txBody>
+                    <a:bodyPr/>
+                    <a:lstStyle/>
+                    <a:p>
+                      <a:pPr algn="ctr" latinLnBrk="1"/>
+                      <a:r>
+                        <a:rPr lang="ko-KR" altLang="en-US" dirty="0" smtClean="0"/>
+                        <a:t>전투 구현</a:t>
+                      </a:r>
+                      <a:endParaRPr lang="ko-KR" altLang="en-US" dirty="0"/>
+                    </a:p>
+                  </a:txBody>
+                  <a:tcPr anchor="ctr"/>
+                </a:tc>
+                <a:tc gridSpan="2">
+                  <a:txBody>
+                    <a:bodyPr/>
+                    <a:lstStyle/>
+                    <a:p>
+                      <a:pPr algn="ctr" latinLnBrk="1"/>
+                      <a:r>
+                        <a:rPr lang="ko-KR" altLang="en-US" sz="1200" dirty="0" smtClean="0"/>
+                        <a:t>캐릭터 </a:t>
+                      </a:r>
+                      <a:r>
+                        <a:rPr lang="en-US" altLang="ko-KR" sz="1200" dirty="0" smtClean="0"/>
+                        <a:t>HP&amp;MP,</a:t>
+                      </a:r>
+                      <a:r>
+                        <a:rPr lang="en-US" altLang="ko-KR" sz="1200" baseline="0" dirty="0" smtClean="0"/>
+                        <a:t> </a:t>
+                      </a:r>
+                      <a:r>
+                        <a:rPr lang="ko-KR" altLang="en-US" sz="1200" dirty="0" err="1" smtClean="0"/>
+                        <a:t>전투맵에서</a:t>
+                      </a:r>
+                      <a:r>
+                        <a:rPr lang="ko-KR" altLang="en-US" sz="1200" dirty="0" smtClean="0"/>
+                        <a:t> 이동 후 사정거리 내에 닿으면 다른 색 타일 그리기</a:t>
+                      </a:r>
+                      <a:r>
+                        <a:rPr lang="en-US" altLang="ko-KR" sz="1200" dirty="0" smtClean="0"/>
+                        <a:t>, </a:t>
+                      </a:r>
+                      <a:r>
+                        <a:rPr lang="ko-KR" altLang="en-US" sz="1200" dirty="0" err="1" smtClean="0"/>
+                        <a:t>클릭시</a:t>
+                      </a:r>
+                      <a:r>
+                        <a:rPr lang="ko-KR" altLang="en-US" sz="1200" dirty="0" smtClean="0"/>
+                        <a:t> </a:t>
+                      </a:r>
+                      <a:r>
+                        <a:rPr lang="ko-KR" altLang="en-US" sz="1200" dirty="0" err="1" smtClean="0"/>
+                        <a:t>전투창</a:t>
+                      </a:r>
+                      <a:r>
+                        <a:rPr lang="ko-KR" altLang="en-US" sz="1200" dirty="0" smtClean="0"/>
+                        <a:t> 띄우기</a:t>
+                      </a:r>
+                      <a:r>
+                        <a:rPr lang="en-US" altLang="ko-KR" sz="1200" dirty="0" smtClean="0"/>
+                        <a:t>, </a:t>
+                      </a:r>
+                      <a:r>
+                        <a:rPr lang="ko-KR" altLang="en-US" sz="1200" dirty="0" smtClean="0"/>
+                        <a:t>기술 </a:t>
+                      </a:r>
+                      <a:r>
+                        <a:rPr lang="ko-KR" altLang="en-US" sz="1200" dirty="0" err="1" smtClean="0"/>
+                        <a:t>선택후</a:t>
+                      </a:r>
+                      <a:r>
+                        <a:rPr lang="ko-KR" altLang="en-US" sz="1200" dirty="0" smtClean="0"/>
+                        <a:t> </a:t>
+                      </a:r>
+                      <a:r>
+                        <a:rPr lang="ko-KR" altLang="en-US" sz="1200" dirty="0" err="1" smtClean="0"/>
+                        <a:t>공격시</a:t>
+                      </a:r>
+                      <a:r>
+                        <a:rPr lang="ko-KR" altLang="en-US" sz="1200" dirty="0" smtClean="0"/>
+                        <a:t> 전투 애니메이션 보여주기</a:t>
+                      </a:r>
+                      <a:r>
+                        <a:rPr lang="en-US" altLang="ko-KR" sz="1200" dirty="0" smtClean="0"/>
+                        <a:t>, </a:t>
+                      </a:r>
+                      <a:r>
+                        <a:rPr lang="ko-KR" altLang="en-US" sz="1200" dirty="0" smtClean="0"/>
+                        <a:t>처리 후 </a:t>
+                      </a:r>
+                      <a:r>
+                        <a:rPr lang="en-US" altLang="ko-KR" sz="1200" dirty="0" smtClean="0"/>
+                        <a:t>HP&amp;MP</a:t>
+                      </a:r>
+                      <a:r>
+                        <a:rPr lang="ko-KR" altLang="en-US" sz="1200" dirty="0" smtClean="0"/>
+                        <a:t>감소 </a:t>
+                      </a:r>
+                      <a:endParaRPr lang="ko-KR" altLang="en-US" sz="1200" dirty="0"/>
+                    </a:p>
+                  </a:txBody>
+                  <a:tcPr anchor="ctr"/>
+                </a:tc>
+                <a:tc hMerge="1">
+                  <a:txBody>
+                    <a:bodyPr/>
+                    <a:lstStyle/>
+                    <a:p>
+                      <a:pPr latinLnBrk="1"/>
+                      <a:endParaRPr lang="ko-KR" altLang="en-US"/>
+                    </a:p>
+                  </a:txBody>
+                  <a:tcPr/>
+                </a:tc>
+              </a:tr>
+              <a:tr h="174760">
+                <a:tc>
+                  <a:txBody>
+                    <a:bodyPr/>
+                    <a:lstStyle/>
+                    <a:p>
+                      <a:pPr algn="ctr" latinLnBrk="1"/>
+                      <a:r>
+                        <a:rPr lang="en-US" altLang="ko-KR" dirty="0" smtClean="0"/>
+                        <a:t>4</a:t>
+                      </a:r>
+                      <a:r>
+                        <a:rPr lang="ko-KR" altLang="en-US" dirty="0" smtClean="0"/>
+                        <a:t>주차</a:t>
+                      </a:r>
+                      <a:endParaRPr lang="ko-KR" altLang="en-US" dirty="0"/>
+                    </a:p>
+                  </a:txBody>
+                  <a:tcPr anchor="ctr"/>
+                </a:tc>
+                <a:tc>
+                  <a:txBody>
+                    <a:bodyPr/>
+                    <a:lstStyle/>
+                    <a:p>
+                      <a:pPr algn="ctr" latinLnBrk="1"/>
+                      <a:r>
+                        <a:rPr lang="ko-KR" altLang="en-US" dirty="0" smtClean="0"/>
+                        <a:t>소환</a:t>
+                      </a:r>
+                      <a:r>
+                        <a:rPr lang="en-US" altLang="ko-KR" dirty="0" smtClean="0"/>
+                        <a:t>, </a:t>
+                      </a:r>
+                      <a:r>
+                        <a:rPr lang="ko-KR" altLang="en-US" dirty="0" smtClean="0"/>
+                        <a:t>캐릭터 정보</a:t>
+                      </a:r>
+                      <a:r>
+                        <a:rPr lang="en-US" altLang="ko-KR" dirty="0" smtClean="0"/>
+                        <a:t>, </a:t>
+                      </a:r>
+                      <a:r>
+                        <a:rPr lang="ko-KR" altLang="en-US" dirty="0" smtClean="0"/>
+                        <a:t>아이템 </a:t>
+                      </a:r>
+                      <a:r>
+                        <a:rPr lang="ko-KR" altLang="en-US" dirty="0" err="1" smtClean="0"/>
+                        <a:t>다얄로그</a:t>
+                      </a:r>
+                      <a:r>
+                        <a:rPr lang="en-US" altLang="ko-KR" dirty="0" smtClean="0"/>
+                        <a:t> </a:t>
+                      </a:r>
+                      <a:endParaRPr lang="ko-KR" altLang="en-US" dirty="0"/>
+                    </a:p>
+                  </a:txBody>
+                  <a:tcPr anchor="ctr"/>
+                </a:tc>
+                <a:tc gridSpan="2">
+                  <a:txBody>
+                    <a:bodyPr/>
+                    <a:lstStyle/>
+                    <a:p>
+                      <a:pPr algn="ctr" latinLnBrk="1"/>
+                      <a:r>
+                        <a:rPr lang="ko-KR" altLang="en-US" sz="1200" dirty="0" err="1" smtClean="0"/>
+                        <a:t>월드맵</a:t>
+                      </a:r>
+                      <a:r>
+                        <a:rPr lang="en-US" altLang="ko-KR" sz="1200" dirty="0" smtClean="0"/>
+                        <a:t>, </a:t>
+                      </a:r>
+                      <a:r>
+                        <a:rPr lang="ko-KR" altLang="en-US" sz="1200" dirty="0" err="1" smtClean="0"/>
+                        <a:t>전투맵에서</a:t>
+                      </a:r>
+                      <a:r>
+                        <a:rPr lang="ko-KR" altLang="en-US" sz="1200" dirty="0" smtClean="0"/>
+                        <a:t> 볼 수 있는 소환 가능한 정령 목록</a:t>
+                      </a:r>
+                      <a:r>
+                        <a:rPr lang="en-US" altLang="ko-KR" sz="1200" dirty="0" smtClean="0"/>
+                        <a:t>, </a:t>
+                      </a:r>
+                      <a:r>
+                        <a:rPr lang="ko-KR" altLang="en-US" sz="1200" dirty="0" smtClean="0"/>
+                        <a:t>아이템 목록</a:t>
+                      </a:r>
+                      <a:r>
+                        <a:rPr lang="en-US" altLang="ko-KR" sz="1200" dirty="0" smtClean="0"/>
+                        <a:t>, </a:t>
+                      </a:r>
+                      <a:r>
+                        <a:rPr lang="ko-KR" altLang="en-US" sz="1200" dirty="0" smtClean="0"/>
+                        <a:t>캐릭터의 정보를 볼 수 있는 </a:t>
+                      </a:r>
+                      <a:r>
+                        <a:rPr lang="ko-KR" altLang="en-US" sz="1200" dirty="0" err="1" smtClean="0"/>
+                        <a:t>다얄로그</a:t>
+                      </a:r>
+                      <a:r>
+                        <a:rPr lang="ko-KR" altLang="en-US" sz="1200" dirty="0" smtClean="0"/>
+                        <a:t> 구현</a:t>
+                      </a:r>
+                      <a:endParaRPr lang="ko-KR" altLang="en-US" sz="1200" dirty="0"/>
+                    </a:p>
+                  </a:txBody>
+                  <a:tcPr anchor="ctr"/>
+                </a:tc>
+                <a:tc hMerge="1">
+                  <a:txBody>
+                    <a:bodyPr/>
+                    <a:lstStyle/>
+                    <a:p>
+                      <a:pPr latinLnBrk="1"/>
+                      <a:endParaRPr lang="ko-KR" altLang="en-US"/>
+                    </a:p>
+                  </a:txBody>
+                  <a:tcPr/>
+                </a:tc>
+              </a:tr>
+              <a:tr h="0">
+                <a:tc>
+                  <a:txBody>
+                    <a:bodyPr/>
+                    <a:lstStyle/>
+                    <a:p>
+                      <a:pPr algn="ctr" latinLnBrk="1"/>
+                      <a:r>
+                        <a:rPr lang="en-US" altLang="ko-KR" dirty="0" smtClean="0"/>
+                        <a:t>5</a:t>
+                      </a:r>
+                      <a:r>
+                        <a:rPr lang="ko-KR" altLang="en-US" dirty="0" smtClean="0"/>
+                        <a:t>주차</a:t>
+                      </a:r>
+                      <a:endParaRPr lang="ko-KR" altLang="en-US" dirty="0"/>
+                    </a:p>
+                  </a:txBody>
+                  <a:tcPr anchor="ctr"/>
+                </a:tc>
+                <a:tc>
+                  <a:txBody>
+                    <a:bodyPr/>
+                    <a:lstStyle/>
+                    <a:p>
+                      <a:pPr algn="ctr"/>
+                      <a:r>
+                        <a:rPr lang="ko-KR" altLang="en-US" dirty="0" smtClean="0"/>
+                        <a:t>아이템 장착 캐릭터 </a:t>
+                      </a:r>
+                      <a:r>
+                        <a:rPr lang="ko-KR" altLang="en-US" dirty="0" err="1" smtClean="0"/>
+                        <a:t>능력치</a:t>
+                      </a:r>
+                      <a:r>
+                        <a:rPr lang="en-US" altLang="ko-KR" dirty="0" smtClean="0"/>
+                        <a:t>, </a:t>
+                      </a:r>
+                      <a:r>
+                        <a:rPr lang="ko-KR" altLang="en-US" dirty="0" smtClean="0"/>
+                        <a:t>소환</a:t>
+                      </a:r>
+                      <a:endParaRPr lang="ko-KR" altLang="en-US" dirty="0"/>
+                    </a:p>
+                  </a:txBody>
+                  <a:tcPr anchor="ctr"/>
+                </a:tc>
+                <a:tc gridSpan="2">
+                  <a:txBody>
+                    <a:bodyPr/>
+                    <a:lstStyle/>
+                    <a:p>
+                      <a:pPr algn="ctr" latinLnBrk="1"/>
+                      <a:r>
+                        <a:rPr lang="ko-KR" altLang="en-US" sz="1200" dirty="0" smtClean="0"/>
+                        <a:t>아이템 </a:t>
+                      </a:r>
+                      <a:r>
+                        <a:rPr lang="ko-KR" altLang="en-US" sz="1200" dirty="0" err="1" smtClean="0"/>
+                        <a:t>다얄로그와</a:t>
+                      </a:r>
+                      <a:r>
+                        <a:rPr lang="ko-KR" altLang="en-US" sz="1200" dirty="0" smtClean="0"/>
+                        <a:t> 캐릭터 능력치의 </a:t>
+                      </a:r>
+                      <a:r>
+                        <a:rPr lang="ko-KR" altLang="en-US" sz="1200" dirty="0" err="1" smtClean="0"/>
+                        <a:t>장비창에</a:t>
+                      </a:r>
+                      <a:r>
+                        <a:rPr lang="ko-KR" altLang="en-US" sz="1200" dirty="0" smtClean="0"/>
+                        <a:t> 장비를 장착할 경우 캐릭터 정보 수정</a:t>
+                      </a:r>
+                      <a:endParaRPr lang="en-US" altLang="ko-KR" sz="1200" dirty="0" smtClean="0"/>
+                    </a:p>
+                    <a:p>
+                      <a:pPr algn="ctr" latinLnBrk="1"/>
+                      <a:r>
+                        <a:rPr lang="ko-KR" altLang="en-US" sz="1200" dirty="0" smtClean="0"/>
+                        <a:t>수정된 캐릭터의 </a:t>
+                      </a:r>
+                      <a:r>
+                        <a:rPr lang="ko-KR" altLang="en-US" sz="1200" dirty="0" err="1" smtClean="0"/>
+                        <a:t>능력치만큼</a:t>
+                      </a:r>
+                      <a:r>
+                        <a:rPr lang="ko-KR" altLang="en-US" sz="1200" dirty="0" smtClean="0"/>
+                        <a:t> 전투에 적용</a:t>
+                      </a:r>
+                      <a:endParaRPr lang="en-US" altLang="ko-KR" sz="1200" dirty="0" smtClean="0"/>
+                    </a:p>
+                    <a:p>
+                      <a:pPr marL="0" marR="0" indent="0" algn="ctr" defTabSz="914400" rtl="0" eaLnBrk="1" fontAlgn="auto" latinLnBrk="1" hangingPunct="1">
+                        <a:lnSpc>
+                          <a:spcPct val="100000"/>
+                        </a:lnSpc>
+                        <a:spcBef>
+                          <a:spcPts val="0"/>
+                        </a:spcBef>
+                        <a:spcAft>
+                          <a:spcPts val="0"/>
+                        </a:spcAft>
+                        <a:buClrTx/>
+                        <a:buSzTx/>
+                        <a:buFontTx/>
+                        <a:buNone/>
+                        <a:tabLst/>
+                        <a:defRPr/>
+                      </a:pPr>
+                      <a:r>
+                        <a:rPr lang="ko-KR" altLang="en-US" sz="1200" dirty="0" smtClean="0"/>
+                        <a:t>정령 목록에서 정령을 소환</a:t>
+                      </a:r>
+                      <a:r>
+                        <a:rPr lang="en-US" altLang="ko-KR" sz="1200" baseline="0" dirty="0" smtClean="0"/>
+                        <a:t>, </a:t>
+                      </a:r>
+                      <a:r>
+                        <a:rPr lang="ko-KR" altLang="en-US" sz="1200" baseline="0" dirty="0" err="1" smtClean="0"/>
+                        <a:t>소환시</a:t>
+                      </a:r>
+                      <a:r>
+                        <a:rPr lang="ko-KR" altLang="en-US" sz="1200" baseline="0" dirty="0" smtClean="0"/>
+                        <a:t> 소모되는 자원 설정</a:t>
+                      </a:r>
+                      <a:endParaRPr lang="ko-KR" altLang="en-US" sz="1200" dirty="0" smtClean="0"/>
+                    </a:p>
+                  </a:txBody>
+                  <a:tcPr anchor="ctr"/>
+                </a:tc>
+                <a:tc hMerge="1">
+                  <a:txBody>
+                    <a:bodyPr/>
+                    <a:lstStyle/>
+                    <a:p>
+                      <a:pPr latinLnBrk="1"/>
+                      <a:endParaRPr lang="ko-KR" altLang="en-US"/>
+                    </a:p>
+                  </a:txBody>
+                  <a:tcPr/>
+                </a:tc>
+              </a:tr>
+              <a:tr h="0">
+                <a:tc>
+                  <a:txBody>
+                    <a:bodyPr/>
+                    <a:lstStyle/>
+                    <a:p>
+                      <a:pPr algn="ctr" latinLnBrk="1"/>
+                      <a:r>
+                        <a:rPr lang="en-US" altLang="ko-KR" dirty="0" smtClean="0"/>
+                        <a:t>7</a:t>
+                      </a:r>
+                      <a:r>
+                        <a:rPr lang="ko-KR" altLang="en-US" dirty="0" smtClean="0"/>
+                        <a:t>주차</a:t>
+                      </a:r>
+                      <a:endParaRPr lang="ko-KR" altLang="en-US" dirty="0"/>
+                    </a:p>
+                  </a:txBody>
+                  <a:tcPr anchor="ctr"/>
+                </a:tc>
+                <a:tc>
+                  <a:txBody>
+                    <a:bodyPr/>
+                    <a:lstStyle/>
+                    <a:p>
+                      <a:pPr algn="ctr" latinLnBrk="1"/>
+                      <a:r>
+                        <a:rPr lang="ko-KR" altLang="en-US" dirty="0" smtClean="0"/>
+                        <a:t>턴</a:t>
+                      </a:r>
+                      <a:r>
+                        <a:rPr lang="en-US" altLang="ko-KR" dirty="0" smtClean="0"/>
+                        <a:t>, </a:t>
+                      </a:r>
+                      <a:r>
+                        <a:rPr lang="ko-KR" altLang="en-US" dirty="0" smtClean="0"/>
+                        <a:t>사운드</a:t>
+                      </a:r>
+                      <a:endParaRPr lang="ko-KR" altLang="en-US" dirty="0"/>
+                    </a:p>
+                  </a:txBody>
+                  <a:tcPr anchor="ctr"/>
+                </a:tc>
+                <a:tc gridSpan="2">
+                  <a:txBody>
+                    <a:bodyPr/>
+                    <a:lstStyle/>
+                    <a:p>
+                      <a:pPr algn="ctr" latinLnBrk="1"/>
+                      <a:r>
+                        <a:rPr lang="ko-KR" altLang="en-US" sz="1200" dirty="0" smtClean="0"/>
+                        <a:t>캐릭터들은 한 턴에 한 번만 움직일 수 있고 턴을 종료 할 경우 적의 턴에 적의 행동이 들어갈 방법 구현</a:t>
+                      </a:r>
+                      <a:endParaRPr lang="en-US" altLang="ko-KR" sz="1200" dirty="0" smtClean="0"/>
+                    </a:p>
+                    <a:p>
+                      <a:pPr algn="ctr" latinLnBrk="1"/>
+                      <a:r>
+                        <a:rPr lang="ko-KR" altLang="en-US" sz="1200" dirty="0" smtClean="0"/>
+                        <a:t>현재까지 개발된 것들에 모든 사운드를 적용</a:t>
+                      </a:r>
+                      <a:endParaRPr lang="ko-KR" altLang="en-US" sz="1200" dirty="0"/>
+                    </a:p>
+                  </a:txBody>
+                  <a:tcPr anchor="ctr"/>
+                </a:tc>
+                <a:tc hMerge="1">
+                  <a:txBody>
+                    <a:bodyPr/>
+                    <a:lstStyle/>
+                    <a:p>
+                      <a:pPr latinLnBrk="1"/>
+                      <a:endParaRPr lang="ko-KR" altLang="en-US"/>
+                    </a:p>
+                  </a:txBody>
+                  <a:tcPr/>
+                </a:tc>
+              </a:tr>
+              <a:tr h="376306">
+                <a:tc>
+                  <a:txBody>
+                    <a:bodyPr/>
+                    <a:lstStyle/>
+                    <a:p>
+                      <a:pPr algn="ctr" latinLnBrk="1"/>
+                      <a:r>
+                        <a:rPr lang="en-US" altLang="ko-KR" dirty="0" smtClean="0"/>
+                        <a:t>9</a:t>
+                      </a:r>
+                      <a:r>
+                        <a:rPr lang="ko-KR" altLang="en-US" dirty="0" smtClean="0"/>
+                        <a:t>주차</a:t>
+                      </a:r>
+                      <a:endParaRPr lang="ko-KR" altLang="en-US" dirty="0"/>
+                    </a:p>
+                  </a:txBody>
+                  <a:tcPr anchor="ctr"/>
+                </a:tc>
+                <a:tc>
+                  <a:txBody>
+                    <a:bodyPr/>
+                    <a:lstStyle/>
+                    <a:p>
+                      <a:pPr algn="ctr" latinLnBrk="1"/>
+                      <a:r>
+                        <a:rPr lang="ko-KR" altLang="en-US" dirty="0" smtClean="0"/>
+                        <a:t>적 </a:t>
+                      </a:r>
+                      <a:r>
+                        <a:rPr lang="en-US" altLang="ko-KR" dirty="0" smtClean="0"/>
+                        <a:t>AI, </a:t>
+                      </a:r>
+                      <a:r>
+                        <a:rPr lang="ko-KR" altLang="en-US" dirty="0" smtClean="0"/>
+                        <a:t>전체 게임 시작과</a:t>
+                      </a:r>
+                      <a:r>
+                        <a:rPr lang="ko-KR" altLang="en-US" baseline="0" dirty="0" smtClean="0"/>
+                        <a:t> 종료 구현</a:t>
+                      </a:r>
+                      <a:endParaRPr lang="ko-KR" altLang="en-US" dirty="0"/>
+                    </a:p>
+                  </a:txBody>
+                  <a:tcPr anchor="ctr"/>
+                </a:tc>
+                <a:tc gridSpan="2">
+                  <a:txBody>
+                    <a:bodyPr/>
+                    <a:lstStyle/>
+                    <a:p>
+                      <a:pPr marL="0" marR="0" indent="0" algn="ctr" defTabSz="914400" rtl="0" eaLnBrk="1" fontAlgn="auto" latinLnBrk="1" hangingPunct="1">
+                        <a:lnSpc>
+                          <a:spcPct val="100000"/>
+                        </a:lnSpc>
+                        <a:spcBef>
+                          <a:spcPts val="0"/>
+                        </a:spcBef>
+                        <a:spcAft>
+                          <a:spcPts val="0"/>
+                        </a:spcAft>
+                        <a:buClrTx/>
+                        <a:buSzTx/>
+                        <a:buFontTx/>
+                        <a:buNone/>
+                        <a:tabLst/>
+                        <a:defRPr/>
+                      </a:pPr>
+                      <a:r>
+                        <a:rPr lang="ko-KR" altLang="en-US" sz="1200" dirty="0" smtClean="0"/>
+                        <a:t>개발 범위의 적 </a:t>
+                      </a:r>
+                      <a:r>
+                        <a:rPr lang="en-US" altLang="ko-KR" sz="1200" dirty="0" smtClean="0"/>
+                        <a:t>AI </a:t>
+                      </a:r>
+                      <a:r>
+                        <a:rPr lang="ko-KR" altLang="en-US" sz="1200" dirty="0" smtClean="0"/>
+                        <a:t>구현</a:t>
+                      </a:r>
+                    </a:p>
+                    <a:p>
+                      <a:pPr algn="ctr" latinLnBrk="1"/>
+                      <a:r>
+                        <a:rPr lang="ko-KR" altLang="en-US" sz="1200" dirty="0" smtClean="0"/>
+                        <a:t>게임을 새로 시작하고 </a:t>
+                      </a:r>
+                      <a:r>
+                        <a:rPr lang="ko-KR" altLang="en-US" sz="1200" dirty="0" err="1" smtClean="0"/>
+                        <a:t>월드맵부터</a:t>
+                      </a:r>
+                      <a:r>
+                        <a:rPr lang="ko-KR" altLang="en-US" sz="1200" dirty="0" smtClean="0"/>
+                        <a:t> 대화 이벤트</a:t>
+                      </a:r>
+                      <a:r>
+                        <a:rPr lang="ko-KR" altLang="en-US" sz="1200" baseline="0" dirty="0" smtClean="0"/>
+                        <a:t> </a:t>
+                      </a:r>
+                      <a:r>
+                        <a:rPr lang="en-US" altLang="ko-KR" sz="1200" baseline="0" dirty="0" smtClean="0"/>
+                        <a:t>– </a:t>
+                      </a:r>
+                      <a:r>
+                        <a:rPr lang="ko-KR" altLang="en-US" sz="1200" baseline="0" dirty="0" err="1" smtClean="0"/>
+                        <a:t>전투맵</a:t>
+                      </a:r>
+                      <a:r>
+                        <a:rPr lang="ko-KR" altLang="en-US" sz="1200" baseline="0" dirty="0" smtClean="0"/>
+                        <a:t> 입장 </a:t>
+                      </a:r>
+                      <a:r>
+                        <a:rPr lang="en-US" altLang="ko-KR" sz="1200" baseline="0" dirty="0" smtClean="0"/>
+                        <a:t>– </a:t>
+                      </a:r>
+                      <a:r>
+                        <a:rPr lang="ko-KR" altLang="en-US" sz="1200" baseline="0" dirty="0" smtClean="0"/>
+                        <a:t>전투 </a:t>
+                      </a:r>
+                      <a:r>
+                        <a:rPr lang="en-US" altLang="ko-KR" sz="1200" baseline="0" dirty="0" smtClean="0"/>
+                        <a:t>– </a:t>
+                      </a:r>
+                      <a:r>
+                        <a:rPr lang="ko-KR" altLang="en-US" sz="1200" baseline="0" dirty="0" smtClean="0"/>
+                        <a:t>승리</a:t>
+                      </a:r>
+                      <a:r>
+                        <a:rPr lang="en-US" altLang="ko-KR" sz="1200" baseline="0" dirty="0" smtClean="0"/>
+                        <a:t>, 3</a:t>
+                      </a:r>
+                      <a:r>
+                        <a:rPr lang="ko-KR" altLang="en-US" sz="1200" baseline="0" dirty="0" smtClean="0"/>
+                        <a:t>개의 </a:t>
+                      </a:r>
+                      <a:r>
+                        <a:rPr lang="ko-KR" altLang="en-US" sz="1200" baseline="0" dirty="0" err="1" smtClean="0"/>
+                        <a:t>전투맵</a:t>
+                      </a:r>
+                      <a:r>
+                        <a:rPr lang="ko-KR" altLang="en-US" sz="1200" baseline="0" dirty="0" smtClean="0"/>
+                        <a:t> </a:t>
+                      </a:r>
+                      <a:r>
+                        <a:rPr lang="ko-KR" altLang="en-US" sz="1200" baseline="0" dirty="0" err="1" smtClean="0"/>
+                        <a:t>승리시</a:t>
+                      </a:r>
+                      <a:r>
+                        <a:rPr lang="ko-KR" altLang="en-US" sz="1200" baseline="0" dirty="0" smtClean="0"/>
+                        <a:t> </a:t>
+                      </a:r>
+                      <a:r>
+                        <a:rPr lang="ko-KR" altLang="en-US" sz="1200" baseline="0" dirty="0" err="1" smtClean="0"/>
+                        <a:t>엔딩까지</a:t>
+                      </a:r>
+                      <a:r>
+                        <a:rPr lang="ko-KR" altLang="en-US" sz="1200" baseline="0" dirty="0" smtClean="0"/>
+                        <a:t> 보여주고 게임 종료</a:t>
+                      </a:r>
+                      <a:r>
+                        <a:rPr lang="en-US" altLang="ko-KR" sz="1200" baseline="0" dirty="0" smtClean="0"/>
+                        <a:t>, </a:t>
+                      </a:r>
+                      <a:r>
+                        <a:rPr lang="ko-KR" altLang="en-US" sz="1200" baseline="0" dirty="0" smtClean="0"/>
+                        <a:t>세이브 기능은 추후 구현</a:t>
+                      </a:r>
+                      <a:endParaRPr lang="ko-KR" altLang="en-US" sz="1200" dirty="0"/>
+                    </a:p>
+                  </a:txBody>
+                  <a:tcPr anchor="ctr"/>
+                </a:tc>
+                <a:tc hMerge="1">
+                  <a:txBody>
+                    <a:bodyPr/>
+                    <a:lstStyle/>
+                    <a:p>
+                      <a:pPr latinLnBrk="1"/>
+                      <a:endParaRPr lang="ko-KR" altLang="en-US"/>
+                    </a:p>
+                  </a:txBody>
+                  <a:tcPr/>
+                </a:tc>
+              </a:tr>
+              <a:tr h="149384">
+                <a:tc>
+                  <a:txBody>
+                    <a:bodyPr/>
+                    <a:lstStyle/>
+                    <a:p>
+                      <a:pPr algn="ctr"/>
+                      <a:r>
+                        <a:rPr lang="en-US" altLang="ko-KR" dirty="0" smtClean="0"/>
+                        <a:t>9</a:t>
+                      </a:r>
+                      <a:r>
+                        <a:rPr lang="ko-KR" altLang="en-US" dirty="0" smtClean="0"/>
+                        <a:t>주차</a:t>
+                      </a:r>
+                      <a:endParaRPr lang="ko-KR" altLang="en-US" dirty="0"/>
+                    </a:p>
+                  </a:txBody>
+                  <a:tcPr anchor="ctr"/>
+                </a:tc>
+                <a:tc>
+                  <a:txBody>
+                    <a:bodyPr/>
+                    <a:lstStyle/>
+                    <a:p>
+                      <a:pPr algn="ctr"/>
+                      <a:r>
+                        <a:rPr lang="ko-KR" altLang="en-US" dirty="0" smtClean="0"/>
+                        <a:t>기말고사</a:t>
+                      </a:r>
+                      <a:endParaRPr lang="ko-KR" altLang="en-US" dirty="0"/>
+                    </a:p>
+                  </a:txBody>
+                  <a:tcPr anchor="ctr"/>
+                </a:tc>
+                <a:tc gridSpan="2">
+                  <a:txBody>
+                    <a:bodyPr/>
+                    <a:lstStyle/>
+                    <a:p>
+                      <a:pPr algn="ctr"/>
+                      <a:r>
+                        <a:rPr lang="en-US" altLang="ko-KR" dirty="0" smtClean="0"/>
+                        <a:t>.</a:t>
+                      </a:r>
+                      <a:endParaRPr lang="ko-KR" altLang="en-US" dirty="0"/>
+                    </a:p>
+                  </a:txBody>
+                  <a:tcPr anchor="ctr"/>
+                </a:tc>
+                <a:tc hMerge="1">
+                  <a:txBody>
+                    <a:bodyPr/>
+                    <a:lstStyle/>
+                    <a:p>
+                      <a:pPr latinLnBrk="1"/>
+                      <a:endParaRPr lang="ko-KR" altLang="en-US"/>
+                    </a:p>
+                  </a:txBody>
+                  <a:tcPr/>
+                </a:tc>
+              </a:tr>
+              <a:tr h="138784">
+                <a:tc>
+                  <a:txBody>
+                    <a:bodyPr/>
+                    <a:lstStyle/>
+                    <a:p>
+                      <a:pPr algn="ctr" latinLnBrk="1"/>
+                      <a:r>
+                        <a:rPr lang="en-US" altLang="ko-KR" dirty="0" smtClean="0"/>
+                        <a:t>10</a:t>
+                      </a:r>
+                      <a:r>
+                        <a:rPr lang="ko-KR" altLang="en-US" dirty="0" smtClean="0"/>
+                        <a:t>주차</a:t>
+                      </a:r>
+                      <a:endParaRPr lang="ko-KR" altLang="en-US" dirty="0"/>
+                    </a:p>
+                  </a:txBody>
+                  <a:tcPr anchor="ctr"/>
+                </a:tc>
+                <a:tc>
+                  <a:txBody>
+                    <a:bodyPr/>
+                    <a:lstStyle/>
+                    <a:p>
+                      <a:pPr algn="ctr" latinLnBrk="1"/>
+                      <a:r>
+                        <a:rPr lang="ko-KR" altLang="en-US" dirty="0" smtClean="0"/>
+                        <a:t>마무리</a:t>
+                      </a:r>
+                      <a:endParaRPr lang="ko-KR" altLang="en-US" dirty="0"/>
+                    </a:p>
+                  </a:txBody>
+                  <a:tcPr anchor="ctr"/>
+                </a:tc>
+                <a:tc gridSpan="2">
+                  <a:txBody>
+                    <a:bodyPr/>
+                    <a:lstStyle/>
+                    <a:p>
+                      <a:pPr algn="ctr" latinLnBrk="1"/>
+                      <a:r>
+                        <a:rPr lang="ko-KR" altLang="en-US" sz="1200" dirty="0" smtClean="0"/>
+                        <a:t>최종 점검 및 </a:t>
+                      </a:r>
+                      <a:r>
+                        <a:rPr lang="ko-KR" altLang="en-US" sz="1200" dirty="0" err="1" smtClean="0"/>
+                        <a:t>릴리즈</a:t>
+                      </a:r>
+                      <a:endParaRPr lang="ko-KR" altLang="en-US" sz="1200" dirty="0"/>
+                    </a:p>
+                  </a:txBody>
+                  <a:tcPr anchor="ctr"/>
+                </a:tc>
+                <a:tc hMerge="1">
+                  <a:txBody>
+                    <a:bodyPr/>
+                    <a:lstStyle/>
+                    <a:p>
+                      <a:pPr latinLnBrk="1"/>
+                      <a:endParaRPr lang="ko-KR" altLang="en-US"/>
+                    </a:p>
+                  </a:txBody>
+                  <a:tcPr/>
+                </a:tc>
+              </a:tr>
+            </a:tbl>
+          </a:graphicData>
+        </a:graphic>
+      </p:graphicFrame>
+      <p:sp>
+        <p:nvSpPr>
+          <p:cNvPr id="4" name="직사각형 3"/>
           <p:cNvSpPr/>
           <p:nvPr/>
         </p:nvSpPr>
@@ -10683,15 +10824,7 @@
             <a:pPr algn="ctr"/>
             <a:r>
               <a:rPr lang="ko-KR" altLang="en-US" dirty="0" smtClean="0"/>
-              <a:t>메인 게임 화면 </a:t>
-            </a:r>
-            <a:r>
-              <a:rPr lang="en-US" altLang="ko-KR" dirty="0" smtClean="0"/>
-              <a:t>-</a:t>
-            </a:r>
-            <a:r>
-              <a:rPr lang="ko-KR" altLang="en-US" dirty="0" err="1" smtClean="0"/>
-              <a:t>월드맵</a:t>
+              <a:t>개발 계획</a:t>
             </a:r>
             <a:endParaRPr lang="ko-KR" altLang="en-US" dirty="0"/>
           </a:p>
@@ -10700,7 +10833,7 @@
     </p:spTree>
     <p:extLst>
       <p:ext uri="{BB962C8B-B14F-4D97-AF65-F5344CB8AC3E}">
-        <p14:creationId xmlns:p14="http://schemas.microsoft.com/office/powerpoint/2010/main" val="2886365854"/>
+        <p14:creationId xmlns:p14="http://schemas.microsoft.com/office/powerpoint/2010/main" val="3422263230"/>
       </p:ext>
     </p:extLst>
   </p:cSld>
@@ -10736,7 +10869,7 @@
       </p:grpSpPr>
       <p:pic>
         <p:nvPicPr>
-          <p:cNvPr id="1027" name="Picture 3"/>
+          <p:cNvPr id="1026" name="Picture 2" descr="C:\Users\EUNGI\Desktop\git.PNG"/>
           <p:cNvPicPr>
             <a:picLocks noChangeAspect="1" noChangeArrowheads="1"/>
           </p:cNvPicPr>
@@ -10750,197 +10883,34 @@
               </a:ext>
             </a:extLst>
           </a:blip>
+          <a:srcRect/>
           <a:stretch>
             <a:fillRect/>
           </a:stretch>
         </p:blipFill>
         <p:spPr bwMode="auto">
           <a:xfrm>
-            <a:off x="1067372" y="1403716"/>
-            <a:ext cx="7007621" cy="4617572"/>
+            <a:off x="18432" y="562248"/>
+            <a:ext cx="9107488" cy="6107112"/>
           </a:xfrm>
           <a:prstGeom prst="rect">
             <a:avLst/>
           </a:prstGeom>
           <a:noFill/>
+          <a:extLst>
+            <a:ext uri="{909E8E84-426E-40DD-AFC4-6F175D3DCCD1}">
+              <a14:hiddenFill xmlns:a14="http://schemas.microsoft.com/office/drawing/2010/main">
+                <a:solidFill>
+                  <a:srgbClr val="FFFFFF"/>
+                </a:solidFill>
+              </a14:hiddenFill>
+            </a:ext>
+          </a:extLst>
         </p:spPr>
       </p:pic>
       <p:sp>
         <p:nvSpPr>
-          <p:cNvPr id="3" name="아래쪽 화살표 설명선 2"/>
-          <p:cNvSpPr/>
-          <p:nvPr/>
-        </p:nvSpPr>
-        <p:spPr>
-          <a:xfrm>
-            <a:off x="3203848" y="586807"/>
-            <a:ext cx="1872208" cy="753961"/>
-          </a:xfrm>
-          <a:prstGeom prst="downArrowCallout">
-            <a:avLst/>
-          </a:prstGeom>
-        </p:spPr>
-        <p:style>
-          <a:lnRef idx="2">
-            <a:schemeClr val="accent3"/>
-          </a:lnRef>
-          <a:fillRef idx="1">
-            <a:schemeClr val="lt1"/>
-          </a:fillRef>
-          <a:effectRef idx="0">
-            <a:schemeClr val="accent3"/>
-          </a:effectRef>
-          <a:fontRef idx="minor">
-            <a:schemeClr val="dk1"/>
-          </a:fontRef>
-        </p:style>
-        <p:txBody>
-          <a:bodyPr rtlCol="0" anchor="ctr"/>
-          <a:lstStyle/>
-          <a:p>
-            <a:pPr algn="ctr"/>
-            <a:r>
-              <a:rPr lang="ko-KR" altLang="en-US" dirty="0" smtClean="0"/>
-              <a:t>적 마스터</a:t>
-            </a:r>
-            <a:endParaRPr lang="ko-KR" altLang="en-US" dirty="0"/>
-          </a:p>
-        </p:txBody>
-      </p:sp>
-      <p:sp>
-        <p:nvSpPr>
-          <p:cNvPr id="4" name="아래쪽 화살표 설명선 3"/>
-          <p:cNvSpPr/>
-          <p:nvPr/>
-        </p:nvSpPr>
-        <p:spPr>
-          <a:xfrm>
-            <a:off x="971600" y="2126482"/>
-            <a:ext cx="2010318" cy="692696"/>
-          </a:xfrm>
-          <a:prstGeom prst="downArrowCallout">
-            <a:avLst/>
-          </a:prstGeom>
-        </p:spPr>
-        <p:style>
-          <a:lnRef idx="2">
-            <a:schemeClr val="accent3"/>
-          </a:lnRef>
-          <a:fillRef idx="1">
-            <a:schemeClr val="lt1"/>
-          </a:fillRef>
-          <a:effectRef idx="0">
-            <a:schemeClr val="accent3"/>
-          </a:effectRef>
-          <a:fontRef idx="minor">
-            <a:schemeClr val="dk1"/>
-          </a:fontRef>
-        </p:style>
-        <p:txBody>
-          <a:bodyPr rtlCol="0" anchor="ctr"/>
-          <a:lstStyle/>
-          <a:p>
-            <a:pPr algn="ctr"/>
-            <a:r>
-              <a:rPr lang="ko-KR" altLang="en-US" dirty="0" smtClean="0"/>
-              <a:t>소환된 아군 정령</a:t>
-            </a:r>
-            <a:endParaRPr lang="ko-KR" altLang="en-US" dirty="0"/>
-          </a:p>
-        </p:txBody>
-      </p:sp>
-      <p:sp>
-        <p:nvSpPr>
-          <p:cNvPr id="5" name="왼쪽 화살표 설명선 4"/>
-          <p:cNvSpPr/>
-          <p:nvPr/>
-        </p:nvSpPr>
-        <p:spPr>
-          <a:xfrm>
-            <a:off x="6622346" y="2126482"/>
-            <a:ext cx="1838086" cy="576064"/>
-          </a:xfrm>
-          <a:prstGeom prst="leftArrowCallout">
-            <a:avLst>
-              <a:gd name="adj1" fmla="val 25000"/>
-              <a:gd name="adj2" fmla="val 25000"/>
-              <a:gd name="adj3" fmla="val 25000"/>
-              <a:gd name="adj4" fmla="val 75766"/>
-            </a:avLst>
-          </a:prstGeom>
-        </p:spPr>
-        <p:style>
-          <a:lnRef idx="2">
-            <a:schemeClr val="accent3"/>
-          </a:lnRef>
-          <a:fillRef idx="1">
-            <a:schemeClr val="lt1"/>
-          </a:fillRef>
-          <a:effectRef idx="0">
-            <a:schemeClr val="accent3"/>
-          </a:effectRef>
-          <a:fontRef idx="minor">
-            <a:schemeClr val="dk1"/>
-          </a:fontRef>
-        </p:style>
-        <p:txBody>
-          <a:bodyPr rtlCol="0" anchor="ctr"/>
-          <a:lstStyle/>
-          <a:p>
-            <a:pPr algn="ctr"/>
-            <a:r>
-              <a:rPr lang="ko-KR" altLang="en-US" dirty="0" smtClean="0"/>
-              <a:t>이동 가능한 지역</a:t>
-            </a:r>
-            <a:endParaRPr lang="ko-KR" altLang="en-US" dirty="0"/>
-          </a:p>
-        </p:txBody>
-      </p:sp>
-      <p:sp>
-        <p:nvSpPr>
-          <p:cNvPr id="2" name="위쪽 화살표 설명선 1"/>
-          <p:cNvSpPr/>
-          <p:nvPr/>
-        </p:nvSpPr>
-        <p:spPr>
-          <a:xfrm>
-            <a:off x="3779912" y="2702546"/>
-            <a:ext cx="1296144" cy="531440"/>
-          </a:xfrm>
-          <a:prstGeom prst="upArrowCallout">
-            <a:avLst/>
-          </a:prstGeom>
-        </p:spPr>
-        <p:style>
-          <a:lnRef idx="2">
-            <a:schemeClr val="accent3"/>
-          </a:lnRef>
-          <a:fillRef idx="1">
-            <a:schemeClr val="lt1"/>
-          </a:fillRef>
-          <a:effectRef idx="0">
-            <a:schemeClr val="accent3"/>
-          </a:effectRef>
-          <a:fontRef idx="minor">
-            <a:schemeClr val="dk1"/>
-          </a:fontRef>
-        </p:style>
-        <p:txBody>
-          <a:bodyPr rtlCol="0" anchor="ctr"/>
-          <a:lstStyle/>
-          <a:p>
-            <a:pPr algn="ctr"/>
-            <a:r>
-              <a:rPr lang="ko-KR" altLang="en-US" smtClean="0"/>
-              <a:t>공격 가능</a:t>
-            </a:r>
-            <a:endParaRPr lang="ko-KR" altLang="en-US"/>
-          </a:p>
-        </p:txBody>
-      </p:sp>
-      <p:sp>
-        <p:nvSpPr>
-          <p:cNvPr id="8" name="직사각형 7"/>
+          <p:cNvPr id="5" name="직사각형 4"/>
           <p:cNvSpPr/>
           <p:nvPr/>
         </p:nvSpPr>
@@ -10983,310 +10953,28 @@
           <a:p>
             <a:pPr algn="ctr"/>
             <a:r>
-              <a:rPr lang="ko-KR" altLang="en-US" dirty="0" smtClean="0"/>
-              <a:t>메인 게임 화면 </a:t>
-            </a:r>
-            <a:r>
-              <a:rPr lang="en-US" altLang="ko-KR" dirty="0" smtClean="0"/>
-              <a:t>-</a:t>
-            </a:r>
-            <a:r>
-              <a:rPr lang="ko-KR" altLang="en-US" dirty="0" err="1" smtClean="0"/>
-              <a:t>전투맵</a:t>
-            </a:r>
-            <a:endParaRPr lang="ko-KR" altLang="en-US" dirty="0"/>
-          </a:p>
-        </p:txBody>
-      </p:sp>
-      <p:sp>
-        <p:nvSpPr>
-          <p:cNvPr id="9" name="왼쪽 화살표 설명선 8"/>
-          <p:cNvSpPr/>
-          <p:nvPr/>
-        </p:nvSpPr>
-        <p:spPr>
-          <a:xfrm>
-            <a:off x="3779912" y="5301208"/>
-            <a:ext cx="1800200" cy="576064"/>
-          </a:xfrm>
-          <a:prstGeom prst="leftArrowCallout">
-            <a:avLst>
-              <a:gd name="adj1" fmla="val 25000"/>
-              <a:gd name="adj2" fmla="val 25000"/>
-              <a:gd name="adj3" fmla="val 25000"/>
-              <a:gd name="adj4" fmla="val 79665"/>
-            </a:avLst>
-          </a:prstGeom>
-        </p:spPr>
-        <p:style>
-          <a:lnRef idx="2">
-            <a:schemeClr val="accent3"/>
-          </a:lnRef>
-          <a:fillRef idx="1">
-            <a:schemeClr val="lt1"/>
-          </a:fillRef>
-          <a:effectRef idx="0">
-            <a:schemeClr val="accent3"/>
-          </a:effectRef>
-          <a:fontRef idx="minor">
-            <a:schemeClr val="dk1"/>
-          </a:fontRef>
-        </p:style>
-        <p:txBody>
-          <a:bodyPr rtlCol="0" anchor="ctr"/>
-          <a:lstStyle/>
-          <a:p>
-            <a:pPr algn="ctr"/>
-            <a:r>
-              <a:rPr lang="ko-KR" altLang="en-US" smtClean="0"/>
-              <a:t>이동 불가능 지역</a:t>
-            </a:r>
-            <a:endParaRPr lang="ko-KR" altLang="en-US" dirty="0"/>
-          </a:p>
-        </p:txBody>
-      </p:sp>
-      <p:sp>
-        <p:nvSpPr>
-          <p:cNvPr id="10" name="부제목 2"/>
-          <p:cNvSpPr txBox="1">
-            <a:spLocks/>
-          </p:cNvSpPr>
-          <p:nvPr/>
-        </p:nvSpPr>
-        <p:spPr>
-          <a:xfrm>
-            <a:off x="971600" y="6393904"/>
-            <a:ext cx="6413822" cy="419472"/>
-          </a:xfrm>
-          <a:prstGeom prst="rect">
-            <a:avLst/>
-          </a:prstGeom>
-        </p:spPr>
-        <p:txBody>
-          <a:bodyPr vert="horz" lIns="91440" tIns="45720" rIns="91440" bIns="45720" rtlCol="0" anchor="t">
-            <a:normAutofit/>
-          </a:bodyPr>
-          <a:lstStyle>
-            <a:lvl1pPr marL="274320" indent="-274320" algn="l" defTabSz="914400" rtl="0" eaLnBrk="1" latinLnBrk="1" hangingPunct="1">
-              <a:spcBef>
-                <a:spcPct val="20000"/>
-              </a:spcBef>
-              <a:buClr>
-                <a:schemeClr val="accent2"/>
-              </a:buClr>
-              <a:buSzPct val="85000"/>
-              <a:buFont typeface="Brush Script MT" pitchFamily="66" charset="0"/>
-              <a:buChar char="O"/>
-              <a:defRPr sz="2400" kern="1200">
-                <a:solidFill>
-                  <a:schemeClr val="tx1"/>
-                </a:solidFill>
-                <a:latin typeface="+mn-lt"/>
-                <a:ea typeface="+mn-ea"/>
-                <a:cs typeface="+mn-cs"/>
-              </a:defRPr>
-            </a:lvl1pPr>
-            <a:lvl2pPr marL="640080" indent="-274320" algn="l" defTabSz="914400" rtl="0" eaLnBrk="1" latinLnBrk="1" hangingPunct="1">
-              <a:spcBef>
-                <a:spcPct val="20000"/>
-              </a:spcBef>
-              <a:buClr>
-                <a:schemeClr val="accent2"/>
-              </a:buClr>
-              <a:buSzPct val="85000"/>
-              <a:buFont typeface="Brush Script MT" pitchFamily="66" charset="0"/>
-              <a:buChar char="O"/>
-              <a:defRPr sz="2200" kern="1200">
-                <a:solidFill>
-                  <a:schemeClr val="tx1"/>
-                </a:solidFill>
-                <a:latin typeface="+mn-lt"/>
-                <a:ea typeface="+mn-ea"/>
-                <a:cs typeface="+mn-cs"/>
-              </a:defRPr>
-            </a:lvl2pPr>
-            <a:lvl3pPr marL="914400" indent="-228600" algn="l" defTabSz="914400" rtl="0" eaLnBrk="1" latinLnBrk="1" hangingPunct="1">
-              <a:spcBef>
-                <a:spcPct val="20000"/>
-              </a:spcBef>
-              <a:buClr>
-                <a:schemeClr val="accent2"/>
-              </a:buClr>
-              <a:buSzPct val="85000"/>
-              <a:buFont typeface="Brush Script MT" pitchFamily="66" charset="0"/>
-              <a:buChar char="O"/>
-              <a:defRPr sz="2000" kern="1200">
-                <a:solidFill>
-                  <a:schemeClr val="tx1"/>
-                </a:solidFill>
-                <a:latin typeface="+mn-lt"/>
-                <a:ea typeface="+mn-ea"/>
-                <a:cs typeface="+mn-cs"/>
-              </a:defRPr>
-            </a:lvl3pPr>
-            <a:lvl4pPr marL="1280160" indent="-228600" algn="l" defTabSz="914400" rtl="0" eaLnBrk="1" latinLnBrk="1" hangingPunct="1">
-              <a:spcBef>
-                <a:spcPct val="20000"/>
-              </a:spcBef>
-              <a:buClr>
-                <a:schemeClr val="accent2"/>
-              </a:buClr>
-              <a:buSzPct val="85000"/>
-              <a:buFont typeface="Brush Script MT" pitchFamily="66" charset="0"/>
-              <a:buChar char="O"/>
-              <a:defRPr sz="1800" kern="1200">
-                <a:solidFill>
-                  <a:schemeClr val="tx1"/>
-                </a:solidFill>
-                <a:latin typeface="+mn-lt"/>
-                <a:ea typeface="+mn-ea"/>
-                <a:cs typeface="+mn-cs"/>
-              </a:defRPr>
-            </a:lvl4pPr>
-            <a:lvl5pPr marL="1645920" indent="-228600" algn="l" defTabSz="914400" rtl="0" eaLnBrk="1" latinLnBrk="1" hangingPunct="1">
-              <a:spcBef>
-                <a:spcPct val="20000"/>
-              </a:spcBef>
-              <a:buClr>
-                <a:schemeClr val="accent2"/>
-              </a:buClr>
-              <a:buSzPct val="85000"/>
-              <a:buFont typeface="Brush Script MT" pitchFamily="66" charset="0"/>
-              <a:buChar char="O"/>
-              <a:defRPr sz="1600" kern="1200">
-                <a:solidFill>
-                  <a:schemeClr val="tx1"/>
-                </a:solidFill>
-                <a:latin typeface="+mn-lt"/>
-                <a:ea typeface="+mn-ea"/>
-                <a:cs typeface="+mn-cs"/>
-              </a:defRPr>
-            </a:lvl5pPr>
-            <a:lvl6pPr marL="2011680" indent="-228600" algn="l" defTabSz="914400" rtl="0" eaLnBrk="1" latinLnBrk="1" hangingPunct="1">
-              <a:spcBef>
-                <a:spcPct val="20000"/>
-              </a:spcBef>
-              <a:buClr>
-                <a:schemeClr val="accent2"/>
-              </a:buClr>
-              <a:buSzPct val="85000"/>
-              <a:buFont typeface="Brush Script MT" pitchFamily="66" charset="0"/>
-              <a:buChar char="O"/>
-              <a:defRPr sz="1600" kern="1200">
-                <a:solidFill>
-                  <a:schemeClr val="tx1"/>
-                </a:solidFill>
-                <a:latin typeface="+mn-lt"/>
-                <a:ea typeface="+mn-ea"/>
-                <a:cs typeface="+mn-cs"/>
-              </a:defRPr>
-            </a:lvl6pPr>
-            <a:lvl7pPr marL="2377440" indent="-228600" algn="l" defTabSz="914400" rtl="0" eaLnBrk="1" latinLnBrk="1" hangingPunct="1">
-              <a:spcBef>
-                <a:spcPct val="20000"/>
-              </a:spcBef>
-              <a:buClr>
-                <a:schemeClr val="accent2"/>
-              </a:buClr>
-              <a:buSzPct val="85000"/>
-              <a:buFont typeface="Brush Script MT" pitchFamily="66" charset="0"/>
-              <a:buChar char="O"/>
-              <a:defRPr sz="1600" kern="1200">
-                <a:solidFill>
-                  <a:schemeClr val="tx1"/>
-                </a:solidFill>
-                <a:latin typeface="+mn-lt"/>
-                <a:ea typeface="+mn-ea"/>
-                <a:cs typeface="+mn-cs"/>
-              </a:defRPr>
-            </a:lvl7pPr>
-            <a:lvl8pPr marL="2743200" indent="-228600" algn="l" defTabSz="914400" rtl="0" eaLnBrk="1" latinLnBrk="1" hangingPunct="1">
-              <a:spcBef>
-                <a:spcPct val="20000"/>
-              </a:spcBef>
-              <a:buClr>
-                <a:schemeClr val="accent2"/>
-              </a:buClr>
-              <a:buSzPct val="85000"/>
-              <a:buFont typeface="Brush Script MT" pitchFamily="66" charset="0"/>
-              <a:buChar char="O"/>
-              <a:defRPr sz="1600" kern="1200">
-                <a:solidFill>
-                  <a:schemeClr val="tx1"/>
-                </a:solidFill>
-                <a:latin typeface="+mn-lt"/>
-                <a:ea typeface="+mn-ea"/>
-                <a:cs typeface="+mn-cs"/>
-              </a:defRPr>
-            </a:lvl8pPr>
-            <a:lvl9pPr marL="3108960" indent="-228600" algn="l" defTabSz="914400" rtl="0" eaLnBrk="1" latinLnBrk="1" hangingPunct="1">
-              <a:spcBef>
-                <a:spcPct val="20000"/>
-              </a:spcBef>
-              <a:buClr>
-                <a:schemeClr val="accent2"/>
-              </a:buClr>
-              <a:buSzPct val="85000"/>
-              <a:buFont typeface="Brush Script MT" pitchFamily="66" charset="0"/>
-              <a:buChar char="O"/>
-              <a:defRPr sz="1600" kern="1200">
-                <a:solidFill>
-                  <a:schemeClr val="tx1"/>
-                </a:solidFill>
-                <a:latin typeface="+mn-lt"/>
-                <a:ea typeface="+mn-ea"/>
-                <a:cs typeface="+mn-cs"/>
-              </a:defRPr>
-            </a:lvl9pPr>
-          </a:lstStyle>
-          <a:p>
-            <a:pPr marL="0" indent="0">
-              <a:buNone/>
-            </a:pPr>
-            <a:r>
-              <a:rPr lang="en-US" altLang="ko-KR" sz="2000" dirty="0">
-                <a:solidFill>
-                  <a:schemeClr val="bg1"/>
-                </a:solidFill>
-              </a:rPr>
-              <a:t>• </a:t>
-            </a:r>
-            <a:r>
-              <a:rPr lang="ko-KR" altLang="en-US" sz="2000" dirty="0" smtClean="0">
-                <a:solidFill>
-                  <a:schemeClr val="bg1"/>
-                </a:solidFill>
-              </a:rPr>
-              <a:t>전투를 도와주는 여러 </a:t>
-            </a:r>
-            <a:r>
-              <a:rPr lang="ko-KR" altLang="en-US" sz="2000" dirty="0" err="1" smtClean="0">
-                <a:solidFill>
-                  <a:schemeClr val="bg1"/>
-                </a:solidFill>
-              </a:rPr>
-              <a:t>다얄로그</a:t>
-            </a:r>
-            <a:r>
-              <a:rPr lang="ko-KR" altLang="en-US" sz="2000" dirty="0" smtClean="0">
-                <a:solidFill>
-                  <a:schemeClr val="bg1"/>
-                </a:solidFill>
-              </a:rPr>
-              <a:t> 지원</a:t>
-            </a:r>
-            <a:endParaRPr lang="ko-KR" altLang="en-US" sz="2000" dirty="0">
-              <a:solidFill>
-                <a:schemeClr val="bg1"/>
-              </a:solidFill>
-            </a:endParaRPr>
+              <a:rPr lang="en-US" altLang="ko-KR" dirty="0" err="1"/>
+              <a:t>Github</a:t>
+            </a:r>
+            <a:r>
+              <a:rPr lang="en-US" altLang="ko-KR" dirty="0"/>
+              <a:t> </a:t>
+            </a:r>
+            <a:r>
+              <a:rPr lang="ko-KR" altLang="en-US" dirty="0" err="1"/>
+              <a:t>커밋</a:t>
+            </a:r>
+            <a:r>
+              <a:rPr lang="ko-KR" altLang="en-US" dirty="0"/>
+              <a:t> 통계</a:t>
+            </a:r>
           </a:p>
         </p:txBody>
       </p:sp>
     </p:spTree>
     <p:extLst>
       <p:ext uri="{BB962C8B-B14F-4D97-AF65-F5344CB8AC3E}">
-        <p14:creationId xmlns:p14="http://schemas.microsoft.com/office/powerpoint/2010/main" val="3460926971"/>
+        <p14:creationId xmlns:p14="http://schemas.microsoft.com/office/powerpoint/2010/main" val="1298602102"/>
       </p:ext>
     </p:extLst>
   </p:cSld>
@@ -11304,2010 +10992,6 @@
 </file>
 
 <file path=ppt/slides/slide6.xml><?xml version="1.0" encoding="utf-8"?>
-<p:sld xmlns:a="http://schemas.openxmlformats.org/drawingml/2006/main" xmlns:r="http://schemas.openxmlformats.org/officeDocument/2006/relationships" xmlns:p="http://schemas.openxmlformats.org/presentationml/2006/main">
-  <p:cSld>
-    <p:spTree>
-      <p:nvGrpSpPr>
-        <p:cNvPr id="1" name=""/>
-        <p:cNvGrpSpPr/>
-        <p:nvPr/>
-      </p:nvGrpSpPr>
-      <p:grpSpPr>
-        <a:xfrm>
-          <a:off x="0" y="0"/>
-          <a:ext cx="0" cy="0"/>
-          <a:chOff x="0" y="0"/>
-          <a:chExt cx="0" cy="0"/>
-        </a:xfrm>
-      </p:grpSpPr>
-      <p:sp>
-        <p:nvSpPr>
-          <p:cNvPr id="3" name="직사각형 2"/>
-          <p:cNvSpPr/>
-          <p:nvPr/>
-        </p:nvSpPr>
-        <p:spPr>
-          <a:xfrm>
-            <a:off x="-14478" y="0"/>
-            <a:ext cx="9144000" cy="329020"/>
-          </a:xfrm>
-          <a:prstGeom prst="rect">
-            <a:avLst/>
-          </a:prstGeom>
-          <a:solidFill>
-            <a:schemeClr val="bg2">
-              <a:lumMod val="90000"/>
-            </a:schemeClr>
-          </a:solidFill>
-          <a:ln>
-            <a:noFill/>
-          </a:ln>
-        </p:spPr>
-        <p:style>
-          <a:lnRef idx="2">
-            <a:schemeClr val="accent3">
-              <a:shade val="50000"/>
-            </a:schemeClr>
-          </a:lnRef>
-          <a:fillRef idx="1">
-            <a:schemeClr val="accent3"/>
-          </a:fillRef>
-          <a:effectRef idx="0">
-            <a:schemeClr val="accent3"/>
-          </a:effectRef>
-          <a:fontRef idx="minor">
-            <a:schemeClr val="lt1"/>
-          </a:fontRef>
-        </p:style>
-        <p:txBody>
-          <a:bodyPr rtlCol="0" anchor="ctr"/>
-          <a:lstStyle/>
-          <a:p>
-            <a:pPr algn="ctr"/>
-            <a:r>
-              <a:rPr lang="ko-KR" altLang="en-US" dirty="0" smtClean="0"/>
-              <a:t>게임 흐름</a:t>
-            </a:r>
-            <a:endParaRPr lang="ko-KR" altLang="en-US" dirty="0"/>
-          </a:p>
-        </p:txBody>
-      </p:sp>
-      <p:graphicFrame>
-        <p:nvGraphicFramePr>
-          <p:cNvPr id="4" name="표 3"/>
-          <p:cNvGraphicFramePr>
-            <a:graphicFrameLocks noGrp="1"/>
-          </p:cNvGraphicFramePr>
-          <p:nvPr>
-            <p:extLst>
-              <p:ext uri="{D42A27DB-BD31-4B8C-83A1-F6EECF244321}">
-                <p14:modId xmlns:p14="http://schemas.microsoft.com/office/powerpoint/2010/main" val="3857731198"/>
-              </p:ext>
-            </p:extLst>
-          </p:nvPr>
-        </p:nvGraphicFramePr>
-        <p:xfrm>
-          <a:off x="0" y="350154"/>
-          <a:ext cx="9144000" cy="6535230"/>
-        </p:xfrm>
-        <a:graphic>
-          <a:graphicData uri="http://schemas.openxmlformats.org/drawingml/2006/table">
-            <a:tbl>
-              <a:tblPr firstRow="1" bandRow="1">
-                <a:tableStyleId>{073A0DAA-6AF3-43AB-8588-CEC1D06C72B9}</a:tableStyleId>
-              </a:tblPr>
-              <a:tblGrid>
-                <a:gridCol w="5004048"/>
-                <a:gridCol w="4139952"/>
-              </a:tblGrid>
-              <a:tr h="3510894">
-                <a:tc>
-                  <a:txBody>
-                    <a:bodyPr/>
-                    <a:lstStyle/>
-                    <a:p>
-                      <a:pPr latinLnBrk="1"/>
-                      <a:endParaRPr lang="ko-KR" altLang="en-US" b="1" dirty="0"/>
-                    </a:p>
-                  </a:txBody>
-                  <a:tcPr>
-                    <a:solidFill>
-                      <a:schemeClr val="bg2">
-                        <a:lumMod val="75000"/>
-                      </a:schemeClr>
-                    </a:solidFill>
-                  </a:tcPr>
-                </a:tc>
-                <a:tc>
-                  <a:txBody>
-                    <a:bodyPr/>
-                    <a:lstStyle/>
-                    <a:p>
-                      <a:pPr algn="ctr" latinLnBrk="1"/>
-                      <a:r>
-                        <a:rPr lang="ko-KR" altLang="en-US" sz="1600" b="1" dirty="0" smtClean="0"/>
-                        <a:t>소환</a:t>
-                      </a:r>
-                      <a:endParaRPr lang="en-US" altLang="ko-KR" sz="1600" b="1" dirty="0" smtClean="0"/>
-                    </a:p>
-                    <a:p>
-                      <a:pPr algn="ctr" latinLnBrk="1"/>
-                      <a:endParaRPr lang="en-US" altLang="ko-KR" sz="1600" b="1" dirty="0" smtClean="0"/>
-                    </a:p>
-                    <a:p>
-                      <a:pPr algn="ctr" latinLnBrk="1"/>
-                      <a:r>
-                        <a:rPr lang="ko-KR" altLang="en-US" sz="1600" b="1" dirty="0" smtClean="0"/>
-                        <a:t>아군 정령을 소환한다</a:t>
-                      </a:r>
-                      <a:r>
-                        <a:rPr lang="en-US" altLang="ko-KR" sz="1600" b="1" dirty="0" smtClean="0"/>
-                        <a:t>.</a:t>
-                      </a:r>
-                    </a:p>
-                    <a:p>
-                      <a:pPr algn="ctr" latinLnBrk="1"/>
-                      <a:r>
-                        <a:rPr lang="ko-KR" altLang="en-US" sz="1600" b="1" dirty="0" smtClean="0"/>
-                        <a:t>소환하기 위해 마스터의 마나를 소비하고</a:t>
-                      </a:r>
-                      <a:endParaRPr lang="en-US" altLang="ko-KR" sz="1600" b="1" dirty="0" smtClean="0"/>
-                    </a:p>
-                    <a:p>
-                      <a:pPr algn="ctr" latinLnBrk="1"/>
-                      <a:r>
-                        <a:rPr lang="ko-KR" altLang="en-US" sz="1600" b="1" dirty="0" smtClean="0"/>
-                        <a:t>소환하기 전에 장비를 교체할 수</a:t>
-                      </a:r>
-                      <a:r>
-                        <a:rPr lang="ko-KR" altLang="en-US" sz="1600" b="1" baseline="0" dirty="0" smtClean="0"/>
-                        <a:t> 있다</a:t>
-                      </a:r>
-                      <a:r>
-                        <a:rPr lang="en-US" altLang="ko-KR" sz="1600" b="1" baseline="0" dirty="0" smtClean="0"/>
-                        <a:t>.</a:t>
-                      </a:r>
-                      <a:r>
-                        <a:rPr lang="ko-KR" altLang="en-US" sz="1600" b="1" dirty="0" smtClean="0"/>
-                        <a:t> </a:t>
-                      </a:r>
-                      <a:endParaRPr lang="ko-KR" altLang="en-US" sz="1600" b="1" dirty="0"/>
-                    </a:p>
-                  </a:txBody>
-                  <a:tcPr anchor="ctr">
-                    <a:solidFill>
-                      <a:schemeClr val="bg2">
-                        <a:lumMod val="75000"/>
-                      </a:schemeClr>
-                    </a:solidFill>
-                  </a:tcPr>
-                </a:tc>
-              </a:tr>
-              <a:tr h="3024336">
-                <a:tc>
-                  <a:txBody>
-                    <a:bodyPr/>
-                    <a:lstStyle/>
-                    <a:p>
-                      <a:pPr latinLnBrk="1"/>
-                      <a:endParaRPr lang="ko-KR" altLang="en-US" b="1" dirty="0">
-                        <a:solidFill>
-                          <a:schemeClr val="tx1"/>
-                        </a:solidFill>
-                      </a:endParaRPr>
-                    </a:p>
-                  </a:txBody>
-                  <a:tcPr>
-                    <a:solidFill>
-                      <a:schemeClr val="bg1">
-                        <a:lumMod val="85000"/>
-                      </a:schemeClr>
-                    </a:solidFill>
-                  </a:tcPr>
-                </a:tc>
-                <a:tc>
-                  <a:txBody>
-                    <a:bodyPr/>
-                    <a:lstStyle/>
-                    <a:p>
-                      <a:pPr algn="ctr" latinLnBrk="1"/>
-                      <a:r>
-                        <a:rPr lang="ko-KR" altLang="en-US" sz="1600" b="1" dirty="0" smtClean="0">
-                          <a:solidFill>
-                            <a:schemeClr val="tx1"/>
-                          </a:solidFill>
-                        </a:rPr>
-                        <a:t>이동</a:t>
-                      </a:r>
-                      <a:endParaRPr lang="en-US" altLang="ko-KR" sz="1600" b="1" dirty="0" smtClean="0">
-                        <a:solidFill>
-                          <a:schemeClr val="tx1"/>
-                        </a:solidFill>
-                      </a:endParaRPr>
-                    </a:p>
-                    <a:p>
-                      <a:pPr algn="ctr" latinLnBrk="1"/>
-                      <a:endParaRPr lang="en-US" altLang="ko-KR" sz="1600" b="1" dirty="0" smtClean="0">
-                        <a:solidFill>
-                          <a:schemeClr val="tx1"/>
-                        </a:solidFill>
-                      </a:endParaRPr>
-                    </a:p>
-                    <a:p>
-                      <a:pPr algn="ctr" latinLnBrk="1"/>
-                      <a:r>
-                        <a:rPr lang="ko-KR" altLang="en-US" sz="1600" b="1" dirty="0" smtClean="0">
-                          <a:solidFill>
-                            <a:schemeClr val="tx1"/>
-                          </a:solidFill>
-                        </a:rPr>
-                        <a:t>캐릭터마다 다른 이동거리만큼 이동한다</a:t>
-                      </a:r>
-                      <a:r>
-                        <a:rPr lang="en-US" altLang="ko-KR" sz="1600" b="1" dirty="0" smtClean="0">
-                          <a:solidFill>
-                            <a:schemeClr val="tx1"/>
-                          </a:solidFill>
-                        </a:rPr>
-                        <a:t>.</a:t>
-                      </a:r>
-                    </a:p>
-                    <a:p>
-                      <a:pPr algn="ctr" latinLnBrk="1"/>
-                      <a:r>
-                        <a:rPr lang="ko-KR" altLang="en-US" sz="1600" b="1" dirty="0" smtClean="0">
-                          <a:solidFill>
-                            <a:schemeClr val="tx1"/>
-                          </a:solidFill>
-                        </a:rPr>
-                        <a:t>이동 가능한 지역을 </a:t>
-                      </a:r>
-                      <a:r>
-                        <a:rPr lang="ko-KR" altLang="en-US" sz="1600" b="1" dirty="0" err="1" smtClean="0">
-                          <a:solidFill>
-                            <a:schemeClr val="tx1"/>
-                          </a:solidFill>
-                        </a:rPr>
-                        <a:t>헥사</a:t>
-                      </a:r>
-                      <a:r>
-                        <a:rPr lang="ko-KR" altLang="en-US" sz="1600" b="1" dirty="0" smtClean="0">
-                          <a:solidFill>
-                            <a:schemeClr val="tx1"/>
-                          </a:solidFill>
-                        </a:rPr>
-                        <a:t> 타일로 표현한다</a:t>
-                      </a:r>
-                      <a:r>
-                        <a:rPr lang="en-US" altLang="ko-KR" sz="1600" b="1" dirty="0" smtClean="0">
-                          <a:solidFill>
-                            <a:schemeClr val="tx1"/>
-                          </a:solidFill>
-                        </a:rPr>
-                        <a:t>.</a:t>
-                      </a:r>
-                    </a:p>
-                    <a:p>
-                      <a:pPr algn="ctr" latinLnBrk="1"/>
-                      <a:r>
-                        <a:rPr lang="ko-KR" altLang="en-US" sz="1600" b="1" dirty="0" smtClean="0">
-                          <a:solidFill>
-                            <a:schemeClr val="tx1"/>
-                          </a:solidFill>
-                        </a:rPr>
-                        <a:t>이동해서 상대방이 공격 사거리 안에 들</a:t>
-                      </a:r>
-                      <a:endParaRPr lang="en-US" altLang="ko-KR" sz="1600" b="1" dirty="0" smtClean="0">
-                        <a:solidFill>
-                          <a:schemeClr val="tx1"/>
-                        </a:solidFill>
-                      </a:endParaRPr>
-                    </a:p>
-                    <a:p>
-                      <a:pPr algn="ctr" latinLnBrk="1"/>
-                      <a:r>
-                        <a:rPr lang="ko-KR" altLang="en-US" sz="1600" b="1" dirty="0" smtClean="0">
-                          <a:solidFill>
-                            <a:schemeClr val="tx1"/>
-                          </a:solidFill>
-                        </a:rPr>
-                        <a:t>경우 공격을</a:t>
-                      </a:r>
-                      <a:r>
-                        <a:rPr lang="ko-KR" altLang="en-US" sz="1600" b="1" baseline="0" dirty="0" smtClean="0">
-                          <a:solidFill>
-                            <a:schemeClr val="tx1"/>
-                          </a:solidFill>
-                        </a:rPr>
-                        <a:t> 할 수 있다</a:t>
-                      </a:r>
-                      <a:r>
-                        <a:rPr lang="en-US" altLang="ko-KR" sz="1600" b="1" baseline="0" dirty="0" smtClean="0">
-                          <a:solidFill>
-                            <a:schemeClr val="tx1"/>
-                          </a:solidFill>
-                        </a:rPr>
-                        <a:t>.</a:t>
-                      </a:r>
-                      <a:endParaRPr lang="ko-KR" altLang="en-US" sz="1600" b="1" dirty="0">
-                        <a:solidFill>
-                          <a:schemeClr val="tx1"/>
-                        </a:solidFill>
-                      </a:endParaRPr>
-                    </a:p>
-                  </a:txBody>
-                  <a:tcPr anchor="ctr">
-                    <a:solidFill>
-                      <a:schemeClr val="bg1">
-                        <a:lumMod val="85000"/>
-                      </a:schemeClr>
-                    </a:solidFill>
-                  </a:tcPr>
-                </a:tc>
-              </a:tr>
-            </a:tbl>
-          </a:graphicData>
-        </a:graphic>
-      </p:graphicFrame>
-      <p:pic>
-        <p:nvPicPr>
-          <p:cNvPr id="8" name="Picture 2" descr="C:\Users\EUNGI\Desktop\ss자료\스샷\16.jpg"/>
-          <p:cNvPicPr>
-            <a:picLocks noChangeAspect="1" noChangeArrowheads="1"/>
-          </p:cNvPicPr>
-          <p:nvPr/>
-        </p:nvPicPr>
-        <p:blipFill>
-          <a:blip r:embed="rId2">
-            <a:extLst>
-              <a:ext uri="{28A0092B-C50C-407E-A947-70E740481C1C}">
-                <a14:useLocalDpi xmlns:a14="http://schemas.microsoft.com/office/drawing/2010/main" val="0"/>
-              </a:ext>
-            </a:extLst>
-          </a:blip>
-          <a:srcRect/>
-          <a:stretch>
-            <a:fillRect/>
-          </a:stretch>
-        </p:blipFill>
-        <p:spPr bwMode="auto">
-          <a:xfrm>
-            <a:off x="63893" y="476672"/>
-            <a:ext cx="4868147" cy="3240360"/>
-          </a:xfrm>
-          <a:prstGeom prst="rect">
-            <a:avLst/>
-          </a:prstGeom>
-          <a:noFill/>
-          <a:extLst>
-            <a:ext uri="{909E8E84-426E-40DD-AFC4-6F175D3DCCD1}">
-              <a14:hiddenFill xmlns:a14="http://schemas.microsoft.com/office/drawing/2010/main">
-                <a:solidFill>
-                  <a:srgbClr val="FFFFFF"/>
-                </a:solidFill>
-              </a14:hiddenFill>
-            </a:ext>
-          </a:extLst>
-        </p:spPr>
-      </p:pic>
-      <p:pic>
-        <p:nvPicPr>
-          <p:cNvPr id="2052" name="Picture 4" descr="C:\Users\EUNGI\Desktop\ss자료\스샷\18.png"/>
-          <p:cNvPicPr>
-            <a:picLocks noChangeAspect="1" noChangeArrowheads="1"/>
-          </p:cNvPicPr>
-          <p:nvPr/>
-        </p:nvPicPr>
-        <p:blipFill>
-          <a:blip r:embed="rId3">
-            <a:extLst>
-              <a:ext uri="{28A0092B-C50C-407E-A947-70E740481C1C}">
-                <a14:useLocalDpi xmlns:a14="http://schemas.microsoft.com/office/drawing/2010/main" val="0"/>
-              </a:ext>
-            </a:extLst>
-          </a:blip>
-          <a:srcRect/>
-          <a:stretch>
-            <a:fillRect/>
-          </a:stretch>
-        </p:blipFill>
-        <p:spPr bwMode="auto">
-          <a:xfrm>
-            <a:off x="63893" y="4069035"/>
-            <a:ext cx="4868147" cy="2600325"/>
-          </a:xfrm>
-          <a:prstGeom prst="rect">
-            <a:avLst/>
-          </a:prstGeom>
-          <a:noFill/>
-          <a:extLst>
-            <a:ext uri="{909E8E84-426E-40DD-AFC4-6F175D3DCCD1}">
-              <a14:hiddenFill xmlns:a14="http://schemas.microsoft.com/office/drawing/2010/main">
-                <a:solidFill>
-                  <a:srgbClr val="FFFFFF"/>
-                </a:solidFill>
-              </a14:hiddenFill>
-            </a:ext>
-          </a:extLst>
-        </p:spPr>
-      </p:pic>
-    </p:spTree>
-    <p:extLst>
-      <p:ext uri="{BB962C8B-B14F-4D97-AF65-F5344CB8AC3E}">
-        <p14:creationId xmlns:p14="http://schemas.microsoft.com/office/powerpoint/2010/main" val="3460926971"/>
-      </p:ext>
-    </p:extLst>
-  </p:cSld>
-  <p:clrMapOvr>
-    <a:masterClrMapping/>
-  </p:clrMapOvr>
-  <p:timing>
-    <p:tnLst>
-      <p:par>
-        <p:cTn id="1" dur="indefinite" restart="never" nodeType="tmRoot"/>
-      </p:par>
-    </p:tnLst>
-  </p:timing>
-</p:sld>
-</file>
-
-<file path=ppt/slides/slide7.xml><?xml version="1.0" encoding="utf-8"?>
-<p:sld xmlns:a="http://schemas.openxmlformats.org/drawingml/2006/main" xmlns:r="http://schemas.openxmlformats.org/officeDocument/2006/relationships" xmlns:p="http://schemas.openxmlformats.org/presentationml/2006/main">
-  <p:cSld>
-    <p:spTree>
-      <p:nvGrpSpPr>
-        <p:cNvPr id="1" name=""/>
-        <p:cNvGrpSpPr/>
-        <p:nvPr/>
-      </p:nvGrpSpPr>
-      <p:grpSpPr>
-        <a:xfrm>
-          <a:off x="0" y="0"/>
-          <a:ext cx="0" cy="0"/>
-          <a:chOff x="0" y="0"/>
-          <a:chExt cx="0" cy="0"/>
-        </a:xfrm>
-      </p:grpSpPr>
-      <p:sp>
-        <p:nvSpPr>
-          <p:cNvPr id="3" name="직사각형 2"/>
-          <p:cNvSpPr/>
-          <p:nvPr/>
-        </p:nvSpPr>
-        <p:spPr>
-          <a:xfrm>
-            <a:off x="-14478" y="0"/>
-            <a:ext cx="9144000" cy="329020"/>
-          </a:xfrm>
-          <a:prstGeom prst="rect">
-            <a:avLst/>
-          </a:prstGeom>
-          <a:solidFill>
-            <a:schemeClr val="bg2">
-              <a:lumMod val="90000"/>
-            </a:schemeClr>
-          </a:solidFill>
-          <a:ln>
-            <a:noFill/>
-          </a:ln>
-        </p:spPr>
-        <p:style>
-          <a:lnRef idx="2">
-            <a:schemeClr val="accent3">
-              <a:shade val="50000"/>
-            </a:schemeClr>
-          </a:lnRef>
-          <a:fillRef idx="1">
-            <a:schemeClr val="accent3"/>
-          </a:fillRef>
-          <a:effectRef idx="0">
-            <a:schemeClr val="accent3"/>
-          </a:effectRef>
-          <a:fontRef idx="minor">
-            <a:schemeClr val="lt1"/>
-          </a:fontRef>
-        </p:style>
-        <p:txBody>
-          <a:bodyPr rtlCol="0" anchor="ctr"/>
-          <a:lstStyle/>
-          <a:p>
-            <a:pPr algn="ctr"/>
-            <a:r>
-              <a:rPr lang="ko-KR" altLang="en-US" dirty="0" smtClean="0"/>
-              <a:t>게임 흐름</a:t>
-            </a:r>
-            <a:endParaRPr lang="ko-KR" altLang="en-US" dirty="0"/>
-          </a:p>
-        </p:txBody>
-      </p:sp>
-      <p:graphicFrame>
-        <p:nvGraphicFramePr>
-          <p:cNvPr id="4" name="표 3"/>
-          <p:cNvGraphicFramePr>
-            <a:graphicFrameLocks noGrp="1"/>
-          </p:cNvGraphicFramePr>
-          <p:nvPr>
-            <p:extLst>
-              <p:ext uri="{D42A27DB-BD31-4B8C-83A1-F6EECF244321}">
-                <p14:modId xmlns:p14="http://schemas.microsoft.com/office/powerpoint/2010/main" val="1977629777"/>
-              </p:ext>
-            </p:extLst>
-          </p:nvPr>
-        </p:nvGraphicFramePr>
-        <p:xfrm>
-          <a:off x="0" y="350154"/>
-          <a:ext cx="9144000" cy="6535230"/>
-        </p:xfrm>
-        <a:graphic>
-          <a:graphicData uri="http://schemas.openxmlformats.org/drawingml/2006/table">
-            <a:tbl>
-              <a:tblPr firstRow="1" bandRow="1">
-                <a:tableStyleId>{073A0DAA-6AF3-43AB-8588-CEC1D06C72B9}</a:tableStyleId>
-              </a:tblPr>
-              <a:tblGrid>
-                <a:gridCol w="5004048"/>
-                <a:gridCol w="4139952"/>
-              </a:tblGrid>
-              <a:tr h="3510894">
-                <a:tc>
-                  <a:txBody>
-                    <a:bodyPr/>
-                    <a:lstStyle/>
-                    <a:p>
-                      <a:pPr latinLnBrk="1"/>
-                      <a:endParaRPr lang="ko-KR" altLang="en-US" dirty="0">
-                        <a:solidFill>
-                          <a:schemeClr val="tx1"/>
-                        </a:solidFill>
-                      </a:endParaRPr>
-                    </a:p>
-                  </a:txBody>
-                  <a:tcPr>
-                    <a:solidFill>
-                      <a:schemeClr val="bg1">
-                        <a:lumMod val="85000"/>
-                      </a:schemeClr>
-                    </a:solidFill>
-                  </a:tcPr>
-                </a:tc>
-                <a:tc>
-                  <a:txBody>
-                    <a:bodyPr/>
-                    <a:lstStyle/>
-                    <a:p>
-                      <a:pPr algn="ctr" latinLnBrk="1"/>
-                      <a:r>
-                        <a:rPr lang="ko-KR" altLang="en-US" sz="1600" dirty="0" smtClean="0">
-                          <a:solidFill>
-                            <a:schemeClr val="tx1"/>
-                          </a:solidFill>
-                        </a:rPr>
-                        <a:t>전투</a:t>
-                      </a:r>
-                      <a:endParaRPr lang="en-US" altLang="ko-KR" sz="1600" dirty="0" smtClean="0">
-                        <a:solidFill>
-                          <a:schemeClr val="tx1"/>
-                        </a:solidFill>
-                      </a:endParaRPr>
-                    </a:p>
-                    <a:p>
-                      <a:pPr algn="ctr" latinLnBrk="1"/>
-                      <a:endParaRPr lang="en-US" altLang="ko-KR" sz="1600" dirty="0" smtClean="0">
-                        <a:solidFill>
-                          <a:schemeClr val="tx1"/>
-                        </a:solidFill>
-                      </a:endParaRPr>
-                    </a:p>
-                    <a:p>
-                      <a:pPr algn="ctr" latinLnBrk="1"/>
-                      <a:r>
-                        <a:rPr lang="ko-KR" altLang="en-US" sz="1600" dirty="0" smtClean="0">
-                          <a:solidFill>
-                            <a:schemeClr val="tx1"/>
-                          </a:solidFill>
-                        </a:rPr>
-                        <a:t>공격을 할 경우 자기가 가지고 있는</a:t>
-                      </a:r>
-                      <a:endParaRPr lang="en-US" altLang="ko-KR" sz="1600" dirty="0" smtClean="0">
-                        <a:solidFill>
-                          <a:schemeClr val="tx1"/>
-                        </a:solidFill>
-                      </a:endParaRPr>
-                    </a:p>
-                    <a:p>
-                      <a:pPr algn="ctr" latinLnBrk="1"/>
-                      <a:r>
-                        <a:rPr lang="ko-KR" altLang="en-US" sz="1600" dirty="0" smtClean="0">
-                          <a:solidFill>
-                            <a:schemeClr val="tx1"/>
-                          </a:solidFill>
-                        </a:rPr>
-                        <a:t>기술들을 고르고 상대방과 나의 </a:t>
-                      </a:r>
-                      <a:r>
-                        <a:rPr lang="ko-KR" altLang="en-US" sz="1600" dirty="0" err="1" smtClean="0">
-                          <a:solidFill>
-                            <a:schemeClr val="tx1"/>
-                          </a:solidFill>
-                        </a:rPr>
-                        <a:t>피해량</a:t>
-                      </a:r>
-                      <a:r>
-                        <a:rPr lang="en-US" altLang="ko-KR" sz="1600" dirty="0" smtClean="0">
-                          <a:solidFill>
-                            <a:schemeClr val="tx1"/>
-                          </a:solidFill>
-                        </a:rPr>
-                        <a:t>,</a:t>
-                      </a:r>
-                    </a:p>
-                    <a:p>
-                      <a:pPr algn="ctr" latinLnBrk="1"/>
-                      <a:r>
-                        <a:rPr lang="ko-KR" altLang="en-US" sz="1600" dirty="0" smtClean="0">
-                          <a:solidFill>
-                            <a:schemeClr val="tx1"/>
-                          </a:solidFill>
-                        </a:rPr>
-                        <a:t>명중률</a:t>
-                      </a:r>
-                      <a:r>
-                        <a:rPr lang="en-US" altLang="ko-KR" sz="1600" dirty="0" smtClean="0">
-                          <a:solidFill>
-                            <a:schemeClr val="tx1"/>
-                          </a:solidFill>
-                        </a:rPr>
-                        <a:t>,</a:t>
-                      </a:r>
-                      <a:r>
-                        <a:rPr lang="en-US" altLang="ko-KR" sz="1600" baseline="0" dirty="0" smtClean="0">
-                          <a:solidFill>
-                            <a:schemeClr val="tx1"/>
-                          </a:solidFill>
-                        </a:rPr>
-                        <a:t> </a:t>
-                      </a:r>
-                      <a:r>
-                        <a:rPr lang="ko-KR" altLang="en-US" sz="1600" baseline="0" dirty="0" err="1" smtClean="0">
-                          <a:solidFill>
-                            <a:schemeClr val="tx1"/>
-                          </a:solidFill>
-                        </a:rPr>
-                        <a:t>속성등을</a:t>
-                      </a:r>
-                      <a:r>
-                        <a:rPr lang="ko-KR" altLang="en-US" sz="1600" baseline="0" dirty="0" smtClean="0">
-                          <a:solidFill>
-                            <a:schemeClr val="tx1"/>
-                          </a:solidFill>
-                        </a:rPr>
-                        <a:t> 보여준다</a:t>
-                      </a:r>
-                      <a:r>
-                        <a:rPr lang="en-US" altLang="ko-KR" sz="1600" baseline="0" dirty="0" smtClean="0">
-                          <a:solidFill>
-                            <a:schemeClr val="tx1"/>
-                          </a:solidFill>
-                        </a:rPr>
-                        <a:t>.</a:t>
-                      </a:r>
-                      <a:endParaRPr lang="ko-KR" altLang="en-US" sz="1600" dirty="0">
-                        <a:solidFill>
-                          <a:schemeClr val="tx1"/>
-                        </a:solidFill>
-                      </a:endParaRPr>
-                    </a:p>
-                  </a:txBody>
-                  <a:tcPr anchor="ctr">
-                    <a:solidFill>
-                      <a:schemeClr val="bg1">
-                        <a:lumMod val="85000"/>
-                      </a:schemeClr>
-                    </a:solidFill>
-                  </a:tcPr>
-                </a:tc>
-              </a:tr>
-              <a:tr h="3024336">
-                <a:tc>
-                  <a:txBody>
-                    <a:bodyPr/>
-                    <a:lstStyle/>
-                    <a:p>
-                      <a:pPr latinLnBrk="1"/>
-                      <a:endParaRPr lang="ko-KR" altLang="en-US" b="1" dirty="0">
-                        <a:solidFill>
-                          <a:schemeClr val="bg1"/>
-                        </a:solidFill>
-                      </a:endParaRPr>
-                    </a:p>
-                  </a:txBody>
-                  <a:tcPr>
-                    <a:solidFill>
-                      <a:schemeClr val="bg2">
-                        <a:lumMod val="75000"/>
-                      </a:schemeClr>
-                    </a:solidFill>
-                  </a:tcPr>
-                </a:tc>
-                <a:tc>
-                  <a:txBody>
-                    <a:bodyPr/>
-                    <a:lstStyle/>
-                    <a:p>
-                      <a:pPr algn="ctr" latinLnBrk="1"/>
-                      <a:r>
-                        <a:rPr lang="ko-KR" altLang="en-US" sz="1600" b="1" dirty="0" smtClean="0">
-                          <a:solidFill>
-                            <a:schemeClr val="bg1"/>
-                          </a:solidFill>
-                        </a:rPr>
-                        <a:t>전투 진행</a:t>
-                      </a:r>
-                      <a:endParaRPr lang="en-US" altLang="ko-KR" sz="1600" b="1" dirty="0" smtClean="0">
-                        <a:solidFill>
-                          <a:schemeClr val="bg1"/>
-                        </a:solidFill>
-                      </a:endParaRPr>
-                    </a:p>
-                    <a:p>
-                      <a:pPr algn="ctr" latinLnBrk="1"/>
-                      <a:endParaRPr lang="en-US" altLang="ko-KR" sz="1600" b="1" dirty="0" smtClean="0">
-                        <a:solidFill>
-                          <a:schemeClr val="bg1"/>
-                        </a:solidFill>
-                      </a:endParaRPr>
-                    </a:p>
-                    <a:p>
-                      <a:pPr algn="ctr" latinLnBrk="1"/>
-                      <a:r>
-                        <a:rPr lang="ko-KR" altLang="en-US" sz="1600" b="1" dirty="0" smtClean="0">
-                          <a:solidFill>
-                            <a:schemeClr val="bg1"/>
-                          </a:solidFill>
-                        </a:rPr>
-                        <a:t>선택한 기술들의 애니메이션을 보여준다</a:t>
-                      </a:r>
-                      <a:r>
-                        <a:rPr lang="en-US" altLang="ko-KR" sz="1600" b="1" dirty="0" smtClean="0">
-                          <a:solidFill>
-                            <a:schemeClr val="bg1"/>
-                          </a:solidFill>
-                        </a:rPr>
-                        <a:t>.</a:t>
-                      </a:r>
-                    </a:p>
-                    <a:p>
-                      <a:pPr algn="ctr" latinLnBrk="1"/>
-                      <a:r>
-                        <a:rPr lang="ko-KR" altLang="en-US" sz="1600" b="1" dirty="0" smtClean="0">
-                          <a:solidFill>
-                            <a:schemeClr val="bg1"/>
-                          </a:solidFill>
-                        </a:rPr>
-                        <a:t>동시에 전투 결과를 처리한다</a:t>
-                      </a:r>
-                      <a:r>
-                        <a:rPr lang="en-US" altLang="ko-KR" sz="1600" b="1" dirty="0" smtClean="0">
-                          <a:solidFill>
-                            <a:schemeClr val="bg1"/>
-                          </a:solidFill>
-                        </a:rPr>
-                        <a:t>.</a:t>
-                      </a:r>
-                    </a:p>
-                  </a:txBody>
-                  <a:tcPr anchor="ctr">
-                    <a:solidFill>
-                      <a:schemeClr val="bg2">
-                        <a:lumMod val="75000"/>
-                      </a:schemeClr>
-                    </a:solidFill>
-                  </a:tcPr>
-                </a:tc>
-              </a:tr>
-            </a:tbl>
-          </a:graphicData>
-        </a:graphic>
-      </p:graphicFrame>
-      <p:pic>
-        <p:nvPicPr>
-          <p:cNvPr id="8" name="Picture 2"/>
-          <p:cNvPicPr>
-            <a:picLocks noChangeAspect="1" noChangeArrowheads="1"/>
-          </p:cNvPicPr>
-          <p:nvPr/>
-        </p:nvPicPr>
-        <p:blipFill>
-          <a:blip r:embed="rId2">
-            <a:extLst>
-              <a:ext uri="{28A0092B-C50C-407E-A947-70E740481C1C}">
-                <a14:useLocalDpi xmlns:a14="http://schemas.microsoft.com/office/drawing/2010/main" val="0"/>
-              </a:ext>
-            </a:extLst>
-          </a:blip>
-          <a:stretch>
-            <a:fillRect/>
-          </a:stretch>
-        </p:blipFill>
-        <p:spPr bwMode="auto">
-          <a:xfrm>
-            <a:off x="63893" y="826901"/>
-            <a:ext cx="4868147" cy="2539902"/>
-          </a:xfrm>
-          <a:prstGeom prst="rect">
-            <a:avLst/>
-          </a:prstGeom>
-          <a:noFill/>
-          <a:extLst>
-            <a:ext uri="{909E8E84-426E-40DD-AFC4-6F175D3DCCD1}">
-              <a14:hiddenFill xmlns:a14="http://schemas.microsoft.com/office/drawing/2010/main">
-                <a:solidFill>
-                  <a:srgbClr val="FFFFFF"/>
-                </a:solidFill>
-              </a14:hiddenFill>
-            </a:ext>
-          </a:extLst>
-        </p:spPr>
-      </p:pic>
-      <p:pic>
-        <p:nvPicPr>
-          <p:cNvPr id="2052" name="Picture 4"/>
-          <p:cNvPicPr>
-            <a:picLocks noChangeAspect="1" noChangeArrowheads="1"/>
-          </p:cNvPicPr>
-          <p:nvPr/>
-        </p:nvPicPr>
-        <p:blipFill>
-          <a:blip r:embed="rId3">
-            <a:extLst>
-              <a:ext uri="{28A0092B-C50C-407E-A947-70E740481C1C}">
-                <a14:useLocalDpi xmlns:a14="http://schemas.microsoft.com/office/drawing/2010/main" val="0"/>
-              </a:ext>
-            </a:extLst>
-          </a:blip>
-          <a:stretch>
-            <a:fillRect/>
-          </a:stretch>
-        </p:blipFill>
-        <p:spPr bwMode="auto">
-          <a:xfrm>
-            <a:off x="63893" y="4254123"/>
-            <a:ext cx="4868147" cy="2230149"/>
-          </a:xfrm>
-          <a:prstGeom prst="rect">
-            <a:avLst/>
-          </a:prstGeom>
-          <a:noFill/>
-          <a:extLst>
-            <a:ext uri="{909E8E84-426E-40DD-AFC4-6F175D3DCCD1}">
-              <a14:hiddenFill xmlns:a14="http://schemas.microsoft.com/office/drawing/2010/main">
-                <a:solidFill>
-                  <a:srgbClr val="FFFFFF"/>
-                </a:solidFill>
-              </a14:hiddenFill>
-            </a:ext>
-          </a:extLst>
-        </p:spPr>
-      </p:pic>
-    </p:spTree>
-    <p:extLst>
-      <p:ext uri="{BB962C8B-B14F-4D97-AF65-F5344CB8AC3E}">
-        <p14:creationId xmlns:p14="http://schemas.microsoft.com/office/powerpoint/2010/main" val="1029414430"/>
-      </p:ext>
-    </p:extLst>
-  </p:cSld>
-  <p:clrMapOvr>
-    <a:masterClrMapping/>
-  </p:clrMapOvr>
-  <p:timing>
-    <p:tnLst>
-      <p:par>
-        <p:cTn id="1" dur="indefinite" restart="never" nodeType="tmRoot"/>
-      </p:par>
-    </p:tnLst>
-  </p:timing>
-</p:sld>
-</file>
-
-<file path=ppt/slides/slide8.xml><?xml version="1.0" encoding="utf-8"?>
-<p:sld xmlns:a="http://schemas.openxmlformats.org/drawingml/2006/main" xmlns:r="http://schemas.openxmlformats.org/officeDocument/2006/relationships" xmlns:p="http://schemas.openxmlformats.org/presentationml/2006/main">
-  <p:cSld>
-    <p:spTree>
-      <p:nvGrpSpPr>
-        <p:cNvPr id="1" name=""/>
-        <p:cNvGrpSpPr/>
-        <p:nvPr/>
-      </p:nvGrpSpPr>
-      <p:grpSpPr>
-        <a:xfrm>
-          <a:off x="0" y="0"/>
-          <a:ext cx="0" cy="0"/>
-          <a:chOff x="0" y="0"/>
-          <a:chExt cx="0" cy="0"/>
-        </a:xfrm>
-      </p:grpSpPr>
-      <p:graphicFrame>
-        <p:nvGraphicFramePr>
-          <p:cNvPr id="5" name="표 4"/>
-          <p:cNvGraphicFramePr>
-            <a:graphicFrameLocks noGrp="1"/>
-          </p:cNvGraphicFramePr>
-          <p:nvPr>
-            <p:extLst>
-              <p:ext uri="{D42A27DB-BD31-4B8C-83A1-F6EECF244321}">
-                <p14:modId xmlns:p14="http://schemas.microsoft.com/office/powerpoint/2010/main" val="4087292300"/>
-              </p:ext>
-            </p:extLst>
-          </p:nvPr>
-        </p:nvGraphicFramePr>
-        <p:xfrm>
-          <a:off x="-45607" y="329020"/>
-          <a:ext cx="9175128" cy="6528980"/>
-        </p:xfrm>
-        <a:graphic>
-          <a:graphicData uri="http://schemas.openxmlformats.org/drawingml/2006/table">
-            <a:tbl>
-              <a:tblPr firstRow="1" bandRow="1">
-                <a:tableStyleId>{D7AC3CCA-C797-4891-BE02-D94E43425B78}</a:tableStyleId>
-              </a:tblPr>
-              <a:tblGrid>
-                <a:gridCol w="1089215"/>
-                <a:gridCol w="2160240"/>
-                <a:gridCol w="5925673"/>
-              </a:tblGrid>
-              <a:tr h="652898">
-                <a:tc>
-                  <a:txBody>
-                    <a:bodyPr/>
-                    <a:lstStyle/>
-                    <a:p>
-                      <a:pPr algn="ctr" latinLnBrk="1"/>
-                      <a:r>
-                        <a:rPr lang="en-US" altLang="ko-KR" b="0" dirty="0" smtClean="0"/>
-                        <a:t>1</a:t>
-                      </a:r>
-                      <a:r>
-                        <a:rPr lang="ko-KR" altLang="en-US" b="0" dirty="0" smtClean="0"/>
-                        <a:t>주차</a:t>
-                      </a:r>
-                      <a:endParaRPr lang="ko-KR" altLang="en-US" b="0" dirty="0"/>
-                    </a:p>
-                  </a:txBody>
-                  <a:tcPr anchor="ctr"/>
-                </a:tc>
-                <a:tc>
-                  <a:txBody>
-                    <a:bodyPr/>
-                    <a:lstStyle/>
-                    <a:p>
-                      <a:pPr algn="ctr" latinLnBrk="1"/>
-                      <a:r>
-                        <a:rPr lang="ko-KR" altLang="en-US" b="0" dirty="0" err="1" smtClean="0"/>
-                        <a:t>월드맵</a:t>
-                      </a:r>
-                      <a:r>
-                        <a:rPr lang="ko-KR" altLang="en-US" b="0" dirty="0" smtClean="0"/>
-                        <a:t> 구현</a:t>
-                      </a:r>
-                      <a:endParaRPr lang="ko-KR" altLang="en-US" b="0" dirty="0"/>
-                    </a:p>
-                  </a:txBody>
-                  <a:tcPr anchor="ctr"/>
-                </a:tc>
-                <a:tc>
-                  <a:txBody>
-                    <a:bodyPr/>
-                    <a:lstStyle/>
-                    <a:p>
-                      <a:pPr algn="ctr" latinLnBrk="1"/>
-                      <a:r>
-                        <a:rPr lang="ko-KR" altLang="en-US" sz="1200" b="0" dirty="0" err="1" smtClean="0"/>
-                        <a:t>월드맵</a:t>
-                      </a:r>
-                      <a:r>
-                        <a:rPr lang="en-US" altLang="ko-KR" sz="1200" b="0" dirty="0" smtClean="0"/>
-                        <a:t>, </a:t>
-                      </a:r>
-                      <a:r>
-                        <a:rPr lang="ko-KR" altLang="en-US" sz="1200" b="0" dirty="0" err="1" smtClean="0"/>
-                        <a:t>월드맵</a:t>
-                      </a:r>
-                      <a:r>
-                        <a:rPr lang="ko-KR" altLang="en-US" sz="1200" b="0" dirty="0" smtClean="0"/>
-                        <a:t> </a:t>
-                      </a:r>
-                      <a:r>
-                        <a:rPr lang="ko-KR" altLang="en-US" sz="1200" b="0" dirty="0" err="1" smtClean="0"/>
-                        <a:t>노드</a:t>
-                      </a:r>
-                      <a:r>
-                        <a:rPr lang="en-US" altLang="ko-KR" sz="1200" b="0" dirty="0" smtClean="0"/>
-                        <a:t>(</a:t>
-                      </a:r>
-                      <a:r>
-                        <a:rPr lang="ko-KR" altLang="en-US" sz="1200" b="0" dirty="0" err="1" smtClean="0"/>
-                        <a:t>전투맵</a:t>
-                      </a:r>
-                      <a:r>
-                        <a:rPr lang="en-US" altLang="ko-KR" sz="1200" b="0" dirty="0" smtClean="0"/>
-                        <a:t>), </a:t>
-                      </a:r>
-                      <a:r>
-                        <a:rPr lang="ko-KR" altLang="en-US" sz="1200" b="0" dirty="0" smtClean="0"/>
-                        <a:t>주인공 구현</a:t>
-                      </a:r>
-                      <a:r>
-                        <a:rPr lang="en-US" altLang="ko-KR" sz="1200" b="0" dirty="0" smtClean="0"/>
-                        <a:t>, </a:t>
-                      </a:r>
-                      <a:r>
-                        <a:rPr lang="ko-KR" altLang="en-US" sz="1200" b="0" dirty="0" smtClean="0"/>
-                        <a:t>이동 구현</a:t>
-                      </a:r>
-                      <a:r>
-                        <a:rPr lang="en-US" altLang="ko-KR" sz="1200" b="0" dirty="0" smtClean="0"/>
-                        <a:t>, </a:t>
-                      </a:r>
-                      <a:r>
-                        <a:rPr lang="ko-KR" altLang="en-US" sz="1200" b="0" dirty="0" smtClean="0"/>
-                        <a:t>이동 </a:t>
-                      </a:r>
-                      <a:r>
-                        <a:rPr lang="ko-KR" altLang="en-US" sz="1200" b="0" dirty="0" err="1" smtClean="0"/>
-                        <a:t>안한</a:t>
-                      </a:r>
-                      <a:r>
-                        <a:rPr lang="ko-KR" altLang="en-US" sz="1200" b="0" dirty="0" smtClean="0"/>
-                        <a:t> 지역은 빨간 글씨</a:t>
-                      </a:r>
-                      <a:r>
-                        <a:rPr lang="en-US" altLang="ko-KR" sz="1200" b="0" dirty="0" smtClean="0"/>
-                        <a:t>, </a:t>
-                      </a:r>
-                    </a:p>
-                    <a:p>
-                      <a:pPr algn="ctr" latinLnBrk="1"/>
-                      <a:r>
-                        <a:rPr lang="ko-KR" altLang="en-US" sz="1200" b="0" dirty="0" smtClean="0"/>
-                        <a:t>이동 후 대화 이벤트</a:t>
-                      </a:r>
-                      <a:r>
-                        <a:rPr lang="en-US" altLang="ko-KR" sz="1200" b="0" dirty="0" smtClean="0"/>
-                        <a:t>, </a:t>
-                      </a:r>
-                      <a:r>
-                        <a:rPr lang="ko-KR" altLang="en-US" sz="1200" b="0" dirty="0" err="1" smtClean="0"/>
-                        <a:t>전투맵</a:t>
-                      </a:r>
-                      <a:r>
-                        <a:rPr lang="ko-KR" altLang="en-US" sz="1200" b="0" dirty="0" smtClean="0"/>
-                        <a:t> 진입 이벤트 </a:t>
-                      </a:r>
-                      <a:r>
-                        <a:rPr lang="ko-KR" altLang="en-US" sz="1200" b="0" dirty="0" err="1" smtClean="0"/>
-                        <a:t>투현</a:t>
-                      </a:r>
-                      <a:endParaRPr lang="ko-KR" altLang="en-US" sz="1200" b="0" dirty="0"/>
-                    </a:p>
-                  </a:txBody>
-                  <a:tcPr anchor="ctr"/>
-                </a:tc>
-              </a:tr>
-              <a:tr h="652898">
-                <a:tc>
-                  <a:txBody>
-                    <a:bodyPr/>
-                    <a:lstStyle/>
-                    <a:p>
-                      <a:pPr algn="ctr" latinLnBrk="1"/>
-                      <a:r>
-                        <a:rPr lang="en-US" altLang="ko-KR" dirty="0" smtClean="0"/>
-                        <a:t>2</a:t>
-                      </a:r>
-                      <a:r>
-                        <a:rPr lang="ko-KR" altLang="en-US" dirty="0" smtClean="0"/>
-                        <a:t>주차</a:t>
-                      </a:r>
-                      <a:endParaRPr lang="ko-KR" altLang="en-US" dirty="0"/>
-                    </a:p>
-                  </a:txBody>
-                  <a:tcPr anchor="ctr"/>
-                </a:tc>
-                <a:tc>
-                  <a:txBody>
-                    <a:bodyPr/>
-                    <a:lstStyle/>
-                    <a:p>
-                      <a:pPr algn="ctr" latinLnBrk="1"/>
-                      <a:r>
-                        <a:rPr lang="ko-KR" altLang="en-US" dirty="0" err="1" smtClean="0"/>
-                        <a:t>전투맵</a:t>
-                      </a:r>
-                      <a:r>
-                        <a:rPr lang="ko-KR" altLang="en-US" dirty="0" smtClean="0"/>
-                        <a:t> 구현</a:t>
-                      </a:r>
-                      <a:endParaRPr lang="ko-KR" altLang="en-US" dirty="0"/>
-                    </a:p>
-                  </a:txBody>
-                  <a:tcPr anchor="ctr"/>
-                </a:tc>
-                <a:tc>
-                  <a:txBody>
-                    <a:bodyPr/>
-                    <a:lstStyle/>
-                    <a:p>
-                      <a:pPr algn="ctr" latinLnBrk="1"/>
-                      <a:r>
-                        <a:rPr lang="ko-KR" altLang="en-US" sz="1200" dirty="0" err="1" smtClean="0"/>
-                        <a:t>전투맵</a:t>
-                      </a:r>
-                      <a:r>
-                        <a:rPr lang="en-US" altLang="ko-KR" sz="1200" dirty="0" smtClean="0"/>
-                        <a:t>, </a:t>
-                      </a:r>
-                      <a:r>
-                        <a:rPr lang="ko-KR" altLang="en-US" sz="1200" dirty="0" smtClean="0"/>
-                        <a:t>이동 가능한 구역 설정</a:t>
-                      </a:r>
-                      <a:r>
-                        <a:rPr lang="en-US" altLang="ko-KR" sz="1200" dirty="0" smtClean="0"/>
-                        <a:t>, </a:t>
-                      </a:r>
-                      <a:r>
-                        <a:rPr lang="ko-KR" altLang="en-US" sz="1200" dirty="0" smtClean="0"/>
-                        <a:t>이동 거리만큼 이동</a:t>
-                      </a:r>
-                      <a:endParaRPr lang="ko-KR" altLang="en-US" sz="1200" dirty="0"/>
-                    </a:p>
-                  </a:txBody>
-                  <a:tcPr anchor="ctr"/>
-                </a:tc>
-              </a:tr>
-              <a:tr h="652898">
-                <a:tc>
-                  <a:txBody>
-                    <a:bodyPr/>
-                    <a:lstStyle/>
-                    <a:p>
-                      <a:pPr algn="ctr"/>
-                      <a:r>
-                        <a:rPr lang="en-US" altLang="ko-KR" dirty="0" smtClean="0"/>
-                        <a:t>3</a:t>
-                      </a:r>
-                      <a:r>
-                        <a:rPr lang="ko-KR" altLang="en-US" dirty="0" smtClean="0"/>
-                        <a:t>주차</a:t>
-                      </a:r>
-                      <a:endParaRPr lang="ko-KR" altLang="en-US" dirty="0"/>
-                    </a:p>
-                  </a:txBody>
-                  <a:tcPr anchor="ctr"/>
-                </a:tc>
-                <a:tc>
-                  <a:txBody>
-                    <a:bodyPr/>
-                    <a:lstStyle/>
-                    <a:p>
-                      <a:pPr algn="ctr"/>
-                      <a:r>
-                        <a:rPr lang="ko-KR" altLang="en-US" dirty="0" smtClean="0"/>
-                        <a:t>중간고사</a:t>
-                      </a:r>
-                      <a:endParaRPr lang="ko-KR" altLang="en-US" dirty="0"/>
-                    </a:p>
-                  </a:txBody>
-                  <a:tcPr anchor="ctr"/>
-                </a:tc>
-                <a:tc>
-                  <a:txBody>
-                    <a:bodyPr/>
-                    <a:lstStyle/>
-                    <a:p>
-                      <a:pPr algn="ctr"/>
-                      <a:r>
-                        <a:rPr lang="en-US" altLang="ko-KR" dirty="0" smtClean="0"/>
-                        <a:t>.</a:t>
-                      </a:r>
-                      <a:endParaRPr lang="ko-KR" altLang="en-US" dirty="0"/>
-                    </a:p>
-                  </a:txBody>
-                  <a:tcPr anchor="ctr"/>
-                </a:tc>
-              </a:tr>
-              <a:tr h="652898">
-                <a:tc>
-                  <a:txBody>
-                    <a:bodyPr/>
-                    <a:lstStyle/>
-                    <a:p>
-                      <a:pPr algn="ctr" latinLnBrk="1"/>
-                      <a:r>
-                        <a:rPr lang="en-US" altLang="ko-KR" dirty="0" smtClean="0"/>
-                        <a:t>3</a:t>
-                      </a:r>
-                      <a:r>
-                        <a:rPr lang="ko-KR" altLang="en-US" dirty="0" smtClean="0"/>
-                        <a:t>주차</a:t>
-                      </a:r>
-                      <a:endParaRPr lang="ko-KR" altLang="en-US" dirty="0"/>
-                    </a:p>
-                  </a:txBody>
-                  <a:tcPr anchor="ctr"/>
-                </a:tc>
-                <a:tc>
-                  <a:txBody>
-                    <a:bodyPr/>
-                    <a:lstStyle/>
-                    <a:p>
-                      <a:pPr algn="ctr" latinLnBrk="1"/>
-                      <a:r>
-                        <a:rPr lang="ko-KR" altLang="en-US" dirty="0" smtClean="0"/>
-                        <a:t>전투 구현</a:t>
-                      </a:r>
-                      <a:endParaRPr lang="ko-KR" altLang="en-US" dirty="0"/>
-                    </a:p>
-                  </a:txBody>
-                  <a:tcPr anchor="ctr"/>
-                </a:tc>
-                <a:tc>
-                  <a:txBody>
-                    <a:bodyPr/>
-                    <a:lstStyle/>
-                    <a:p>
-                      <a:pPr algn="ctr" latinLnBrk="1"/>
-                      <a:r>
-                        <a:rPr lang="ko-KR" altLang="en-US" sz="1200" dirty="0" smtClean="0"/>
-                        <a:t>캐릭터 </a:t>
-                      </a:r>
-                      <a:r>
-                        <a:rPr lang="en-US" altLang="ko-KR" sz="1200" dirty="0" smtClean="0"/>
-                        <a:t>HP&amp;MP,</a:t>
-                      </a:r>
-                      <a:r>
-                        <a:rPr lang="en-US" altLang="ko-KR" sz="1200" baseline="0" dirty="0" smtClean="0"/>
-                        <a:t> </a:t>
-                      </a:r>
-                      <a:r>
-                        <a:rPr lang="ko-KR" altLang="en-US" sz="1200" dirty="0" err="1" smtClean="0"/>
-                        <a:t>전투맵에서</a:t>
-                      </a:r>
-                      <a:r>
-                        <a:rPr lang="ko-KR" altLang="en-US" sz="1200" dirty="0" smtClean="0"/>
-                        <a:t> 이동 후 사정거리 내에 닿으면 다른 색 타일 그리기</a:t>
-                      </a:r>
-                      <a:r>
-                        <a:rPr lang="en-US" altLang="ko-KR" sz="1200" dirty="0" smtClean="0"/>
-                        <a:t>, </a:t>
-                      </a:r>
-                      <a:r>
-                        <a:rPr lang="ko-KR" altLang="en-US" sz="1200" dirty="0" err="1" smtClean="0"/>
-                        <a:t>클릭시</a:t>
-                      </a:r>
-                      <a:r>
-                        <a:rPr lang="ko-KR" altLang="en-US" sz="1200" dirty="0" smtClean="0"/>
-                        <a:t> </a:t>
-                      </a:r>
-                      <a:r>
-                        <a:rPr lang="ko-KR" altLang="en-US" sz="1200" dirty="0" err="1" smtClean="0"/>
-                        <a:t>전투창</a:t>
-                      </a:r>
-                      <a:r>
-                        <a:rPr lang="ko-KR" altLang="en-US" sz="1200" dirty="0" smtClean="0"/>
-                        <a:t> 띄우기</a:t>
-                      </a:r>
-                      <a:r>
-                        <a:rPr lang="en-US" altLang="ko-KR" sz="1200" dirty="0" smtClean="0"/>
-                        <a:t>, </a:t>
-                      </a:r>
-                      <a:r>
-                        <a:rPr lang="ko-KR" altLang="en-US" sz="1200" dirty="0" smtClean="0"/>
-                        <a:t>기술 </a:t>
-                      </a:r>
-                      <a:r>
-                        <a:rPr lang="ko-KR" altLang="en-US" sz="1200" dirty="0" err="1" smtClean="0"/>
-                        <a:t>선택후</a:t>
-                      </a:r>
-                      <a:r>
-                        <a:rPr lang="ko-KR" altLang="en-US" sz="1200" dirty="0" smtClean="0"/>
-                        <a:t> </a:t>
-                      </a:r>
-                      <a:r>
-                        <a:rPr lang="ko-KR" altLang="en-US" sz="1200" dirty="0" err="1" smtClean="0"/>
-                        <a:t>공격시</a:t>
-                      </a:r>
-                      <a:r>
-                        <a:rPr lang="ko-KR" altLang="en-US" sz="1200" dirty="0" smtClean="0"/>
-                        <a:t> 전투 애니메이션 보여주기</a:t>
-                      </a:r>
-                      <a:r>
-                        <a:rPr lang="en-US" altLang="ko-KR" sz="1200" dirty="0" smtClean="0"/>
-                        <a:t>, </a:t>
-                      </a:r>
-                      <a:r>
-                        <a:rPr lang="ko-KR" altLang="en-US" sz="1200" dirty="0" smtClean="0"/>
-                        <a:t>처리 후 </a:t>
-                      </a:r>
-                      <a:r>
-                        <a:rPr lang="en-US" altLang="ko-KR" sz="1200" dirty="0" smtClean="0"/>
-                        <a:t>HP&amp;MP</a:t>
-                      </a:r>
-                      <a:r>
-                        <a:rPr lang="ko-KR" altLang="en-US" sz="1200" dirty="0" smtClean="0"/>
-                        <a:t>감소 </a:t>
-                      </a:r>
-                      <a:endParaRPr lang="ko-KR" altLang="en-US" sz="1200" dirty="0"/>
-                    </a:p>
-                  </a:txBody>
-                  <a:tcPr anchor="ctr"/>
-                </a:tc>
-              </a:tr>
-              <a:tr h="652898">
-                <a:tc>
-                  <a:txBody>
-                    <a:bodyPr/>
-                    <a:lstStyle/>
-                    <a:p>
-                      <a:pPr algn="ctr" latinLnBrk="1"/>
-                      <a:r>
-                        <a:rPr lang="en-US" altLang="ko-KR" dirty="0" smtClean="0"/>
-                        <a:t>4</a:t>
-                      </a:r>
-                      <a:r>
-                        <a:rPr lang="ko-KR" altLang="en-US" dirty="0" smtClean="0"/>
-                        <a:t>주차</a:t>
-                      </a:r>
-                      <a:endParaRPr lang="ko-KR" altLang="en-US" dirty="0"/>
-                    </a:p>
-                  </a:txBody>
-                  <a:tcPr anchor="ctr"/>
-                </a:tc>
-                <a:tc>
-                  <a:txBody>
-                    <a:bodyPr/>
-                    <a:lstStyle/>
-                    <a:p>
-                      <a:pPr algn="ctr" latinLnBrk="1"/>
-                      <a:r>
-                        <a:rPr lang="ko-KR" altLang="en-US" dirty="0" smtClean="0"/>
-                        <a:t>소환</a:t>
-                      </a:r>
-                      <a:r>
-                        <a:rPr lang="en-US" altLang="ko-KR" dirty="0" smtClean="0"/>
-                        <a:t>, </a:t>
-                      </a:r>
-                      <a:r>
-                        <a:rPr lang="ko-KR" altLang="en-US" dirty="0" smtClean="0"/>
-                        <a:t>캐릭터 정보</a:t>
-                      </a:r>
-                      <a:r>
-                        <a:rPr lang="en-US" altLang="ko-KR" dirty="0" smtClean="0"/>
-                        <a:t>, </a:t>
-                      </a:r>
-                      <a:r>
-                        <a:rPr lang="ko-KR" altLang="en-US" dirty="0" smtClean="0"/>
-                        <a:t>아이템 </a:t>
-                      </a:r>
-                      <a:r>
-                        <a:rPr lang="ko-KR" altLang="en-US" dirty="0" err="1" smtClean="0"/>
-                        <a:t>다얄로그</a:t>
-                      </a:r>
-                      <a:r>
-                        <a:rPr lang="en-US" altLang="ko-KR" dirty="0" smtClean="0"/>
-                        <a:t> </a:t>
-                      </a:r>
-                      <a:endParaRPr lang="ko-KR" altLang="en-US" dirty="0"/>
-                    </a:p>
-                  </a:txBody>
-                  <a:tcPr anchor="ctr"/>
-                </a:tc>
-                <a:tc>
-                  <a:txBody>
-                    <a:bodyPr/>
-                    <a:lstStyle/>
-                    <a:p>
-                      <a:pPr algn="ctr" latinLnBrk="1"/>
-                      <a:r>
-                        <a:rPr lang="ko-KR" altLang="en-US" sz="1200" dirty="0" err="1" smtClean="0"/>
-                        <a:t>월드맵</a:t>
-                      </a:r>
-                      <a:r>
-                        <a:rPr lang="en-US" altLang="ko-KR" sz="1200" dirty="0" smtClean="0"/>
-                        <a:t>, </a:t>
-                      </a:r>
-                      <a:r>
-                        <a:rPr lang="ko-KR" altLang="en-US" sz="1200" dirty="0" err="1" smtClean="0"/>
-                        <a:t>전투맵에서</a:t>
-                      </a:r>
-                      <a:r>
-                        <a:rPr lang="ko-KR" altLang="en-US" sz="1200" dirty="0" smtClean="0"/>
-                        <a:t> 볼 수 있는 소환 가능한 정령 목록</a:t>
-                      </a:r>
-                      <a:r>
-                        <a:rPr lang="en-US" altLang="ko-KR" sz="1200" dirty="0" smtClean="0"/>
-                        <a:t>, </a:t>
-                      </a:r>
-                      <a:r>
-                        <a:rPr lang="ko-KR" altLang="en-US" sz="1200" dirty="0" smtClean="0"/>
-                        <a:t>아이템 목록</a:t>
-                      </a:r>
-                      <a:r>
-                        <a:rPr lang="en-US" altLang="ko-KR" sz="1200" dirty="0" smtClean="0"/>
-                        <a:t>, </a:t>
-                      </a:r>
-                      <a:r>
-                        <a:rPr lang="ko-KR" altLang="en-US" sz="1200" dirty="0" smtClean="0"/>
-                        <a:t>캐릭터의 정보를 볼 수 있는 </a:t>
-                      </a:r>
-                      <a:r>
-                        <a:rPr lang="ko-KR" altLang="en-US" sz="1200" dirty="0" err="1" smtClean="0"/>
-                        <a:t>다얄로그</a:t>
-                      </a:r>
-                      <a:r>
-                        <a:rPr lang="ko-KR" altLang="en-US" sz="1200" dirty="0" smtClean="0"/>
-                        <a:t> 구현</a:t>
-                      </a:r>
-                      <a:endParaRPr lang="ko-KR" altLang="en-US" sz="1200" dirty="0"/>
-                    </a:p>
-                  </a:txBody>
-                  <a:tcPr anchor="ctr"/>
-                </a:tc>
-              </a:tr>
-              <a:tr h="652898">
-                <a:tc>
-                  <a:txBody>
-                    <a:bodyPr/>
-                    <a:lstStyle/>
-                    <a:p>
-                      <a:pPr algn="ctr" latinLnBrk="1"/>
-                      <a:r>
-                        <a:rPr lang="en-US" altLang="ko-KR" dirty="0" smtClean="0"/>
-                        <a:t>5</a:t>
-                      </a:r>
-                      <a:r>
-                        <a:rPr lang="ko-KR" altLang="en-US" dirty="0" smtClean="0"/>
-                        <a:t>주차</a:t>
-                      </a:r>
-                      <a:endParaRPr lang="ko-KR" altLang="en-US" dirty="0"/>
-                    </a:p>
-                  </a:txBody>
-                  <a:tcPr anchor="ctr"/>
-                </a:tc>
-                <a:tc>
-                  <a:txBody>
-                    <a:bodyPr/>
-                    <a:lstStyle/>
-                    <a:p>
-                      <a:pPr algn="ctr"/>
-                      <a:r>
-                        <a:rPr lang="ko-KR" altLang="en-US" dirty="0" smtClean="0"/>
-                        <a:t>아이템 장착 캐릭터 </a:t>
-                      </a:r>
-                      <a:r>
-                        <a:rPr lang="ko-KR" altLang="en-US" dirty="0" err="1" smtClean="0"/>
-                        <a:t>능력치</a:t>
-                      </a:r>
-                      <a:r>
-                        <a:rPr lang="en-US" altLang="ko-KR" dirty="0" smtClean="0"/>
-                        <a:t>, </a:t>
-                      </a:r>
-                      <a:r>
-                        <a:rPr lang="ko-KR" altLang="en-US" dirty="0" smtClean="0"/>
-                        <a:t>소환</a:t>
-                      </a:r>
-                      <a:endParaRPr lang="ko-KR" altLang="en-US" dirty="0"/>
-                    </a:p>
-                  </a:txBody>
-                  <a:tcPr anchor="ctr"/>
-                </a:tc>
-                <a:tc>
-                  <a:txBody>
-                    <a:bodyPr/>
-                    <a:lstStyle/>
-                    <a:p>
-                      <a:pPr algn="ctr" latinLnBrk="1"/>
-                      <a:r>
-                        <a:rPr lang="ko-KR" altLang="en-US" sz="1200" dirty="0" smtClean="0"/>
-                        <a:t>아이템 </a:t>
-                      </a:r>
-                      <a:r>
-                        <a:rPr lang="ko-KR" altLang="en-US" sz="1200" dirty="0" err="1" smtClean="0"/>
-                        <a:t>다얄로그와</a:t>
-                      </a:r>
-                      <a:r>
-                        <a:rPr lang="ko-KR" altLang="en-US" sz="1200" dirty="0" smtClean="0"/>
-                        <a:t> 캐릭터 능력치의 </a:t>
-                      </a:r>
-                      <a:r>
-                        <a:rPr lang="ko-KR" altLang="en-US" sz="1200" dirty="0" err="1" smtClean="0"/>
-                        <a:t>장비창에</a:t>
-                      </a:r>
-                      <a:r>
-                        <a:rPr lang="ko-KR" altLang="en-US" sz="1200" dirty="0" smtClean="0"/>
-                        <a:t> 장비를 장착할 경우 캐릭터 정보 수정</a:t>
-                      </a:r>
-                      <a:endParaRPr lang="en-US" altLang="ko-KR" sz="1200" dirty="0" smtClean="0"/>
-                    </a:p>
-                    <a:p>
-                      <a:pPr algn="ctr" latinLnBrk="1"/>
-                      <a:r>
-                        <a:rPr lang="ko-KR" altLang="en-US" sz="1200" dirty="0" smtClean="0"/>
-                        <a:t>수정된 캐릭터의 </a:t>
-                      </a:r>
-                      <a:r>
-                        <a:rPr lang="ko-KR" altLang="en-US" sz="1200" dirty="0" err="1" smtClean="0"/>
-                        <a:t>능력치만큼</a:t>
-                      </a:r>
-                      <a:r>
-                        <a:rPr lang="ko-KR" altLang="en-US" sz="1200" dirty="0" smtClean="0"/>
-                        <a:t> 전투에 적용</a:t>
-                      </a:r>
-                      <a:endParaRPr lang="en-US" altLang="ko-KR" sz="1200" dirty="0" smtClean="0"/>
-                    </a:p>
-                    <a:p>
-                      <a:pPr marL="0" marR="0" indent="0" algn="ctr" defTabSz="914400" rtl="0" eaLnBrk="1" fontAlgn="auto" latinLnBrk="1" hangingPunct="1">
-                        <a:lnSpc>
-                          <a:spcPct val="100000"/>
-                        </a:lnSpc>
-                        <a:spcBef>
-                          <a:spcPts val="0"/>
-                        </a:spcBef>
-                        <a:spcAft>
-                          <a:spcPts val="0"/>
-                        </a:spcAft>
-                        <a:buClrTx/>
-                        <a:buSzTx/>
-                        <a:buFontTx/>
-                        <a:buNone/>
-                        <a:tabLst/>
-                        <a:defRPr/>
-                      </a:pPr>
-                      <a:r>
-                        <a:rPr lang="ko-KR" altLang="en-US" sz="1200" dirty="0" smtClean="0"/>
-                        <a:t>정령 목록에서 정령을 소환</a:t>
-                      </a:r>
-                      <a:r>
-                        <a:rPr lang="en-US" altLang="ko-KR" sz="1200" baseline="0" dirty="0" smtClean="0"/>
-                        <a:t>, </a:t>
-                      </a:r>
-                      <a:r>
-                        <a:rPr lang="ko-KR" altLang="en-US" sz="1200" baseline="0" dirty="0" err="1" smtClean="0"/>
-                        <a:t>소환시</a:t>
-                      </a:r>
-                      <a:r>
-                        <a:rPr lang="ko-KR" altLang="en-US" sz="1200" baseline="0" dirty="0" smtClean="0"/>
-                        <a:t> 소모되는 자원 설정</a:t>
-                      </a:r>
-                      <a:endParaRPr lang="ko-KR" altLang="en-US" sz="1200" dirty="0" smtClean="0"/>
-                    </a:p>
-                  </a:txBody>
-                  <a:tcPr anchor="ctr"/>
-                </a:tc>
-              </a:tr>
-              <a:tr h="652898">
-                <a:tc>
-                  <a:txBody>
-                    <a:bodyPr/>
-                    <a:lstStyle/>
-                    <a:p>
-                      <a:pPr algn="ctr" latinLnBrk="1"/>
-                      <a:r>
-                        <a:rPr lang="en-US" altLang="ko-KR" dirty="0" smtClean="0"/>
-                        <a:t>7</a:t>
-                      </a:r>
-                      <a:r>
-                        <a:rPr lang="ko-KR" altLang="en-US" dirty="0" smtClean="0"/>
-                        <a:t>주차</a:t>
-                      </a:r>
-                      <a:endParaRPr lang="ko-KR" altLang="en-US" dirty="0"/>
-                    </a:p>
-                  </a:txBody>
-                  <a:tcPr anchor="ctr"/>
-                </a:tc>
-                <a:tc>
-                  <a:txBody>
-                    <a:bodyPr/>
-                    <a:lstStyle/>
-                    <a:p>
-                      <a:pPr algn="ctr" latinLnBrk="1"/>
-                      <a:r>
-                        <a:rPr lang="ko-KR" altLang="en-US" dirty="0" smtClean="0"/>
-                        <a:t>턴</a:t>
-                      </a:r>
-                      <a:r>
-                        <a:rPr lang="en-US" altLang="ko-KR" dirty="0" smtClean="0"/>
-                        <a:t>, </a:t>
-                      </a:r>
-                      <a:r>
-                        <a:rPr lang="ko-KR" altLang="en-US" dirty="0" smtClean="0"/>
-                        <a:t>사운드</a:t>
-                      </a:r>
-                      <a:endParaRPr lang="ko-KR" altLang="en-US" dirty="0"/>
-                    </a:p>
-                  </a:txBody>
-                  <a:tcPr anchor="ctr"/>
-                </a:tc>
-                <a:tc>
-                  <a:txBody>
-                    <a:bodyPr/>
-                    <a:lstStyle/>
-                    <a:p>
-                      <a:pPr algn="ctr" latinLnBrk="1"/>
-                      <a:r>
-                        <a:rPr lang="ko-KR" altLang="en-US" sz="1200" dirty="0" smtClean="0"/>
-                        <a:t>캐릭터들은 한 턴에 한 번만 움직일 수 있고 턴을 종료 할 경우 적의 턴에 적의 행동이 들어갈 방법 구현</a:t>
-                      </a:r>
-                      <a:endParaRPr lang="en-US" altLang="ko-KR" sz="1200" dirty="0" smtClean="0"/>
-                    </a:p>
-                    <a:p>
-                      <a:pPr algn="ctr" latinLnBrk="1"/>
-                      <a:r>
-                        <a:rPr lang="ko-KR" altLang="en-US" sz="1200" dirty="0" smtClean="0"/>
-                        <a:t>현재까지 개발된 것들에 모든 사운드를 적용</a:t>
-                      </a:r>
-                      <a:endParaRPr lang="ko-KR" altLang="en-US" sz="1200" dirty="0"/>
-                    </a:p>
-                  </a:txBody>
-                  <a:tcPr anchor="ctr"/>
-                </a:tc>
-              </a:tr>
-              <a:tr h="652898">
-                <a:tc>
-                  <a:txBody>
-                    <a:bodyPr/>
-                    <a:lstStyle/>
-                    <a:p>
-                      <a:pPr algn="ctr" latinLnBrk="1"/>
-                      <a:r>
-                        <a:rPr lang="en-US" altLang="ko-KR" dirty="0" smtClean="0"/>
-                        <a:t>9</a:t>
-                      </a:r>
-                      <a:r>
-                        <a:rPr lang="ko-KR" altLang="en-US" dirty="0" smtClean="0"/>
-                        <a:t>주차</a:t>
-                      </a:r>
-                      <a:endParaRPr lang="ko-KR" altLang="en-US" dirty="0"/>
-                    </a:p>
-                  </a:txBody>
-                  <a:tcPr anchor="ctr"/>
-                </a:tc>
-                <a:tc>
-                  <a:txBody>
-                    <a:bodyPr/>
-                    <a:lstStyle/>
-                    <a:p>
-                      <a:pPr algn="ctr" latinLnBrk="1"/>
-                      <a:r>
-                        <a:rPr lang="ko-KR" altLang="en-US" dirty="0" smtClean="0"/>
-                        <a:t>적 </a:t>
-                      </a:r>
-                      <a:r>
-                        <a:rPr lang="en-US" altLang="ko-KR" dirty="0" smtClean="0"/>
-                        <a:t>AI, </a:t>
-                      </a:r>
-                      <a:r>
-                        <a:rPr lang="ko-KR" altLang="en-US" dirty="0" smtClean="0"/>
-                        <a:t>전체 게임 시작과</a:t>
-                      </a:r>
-                      <a:r>
-                        <a:rPr lang="ko-KR" altLang="en-US" baseline="0" dirty="0" smtClean="0"/>
-                        <a:t> 종료 구현</a:t>
-                      </a:r>
-                      <a:endParaRPr lang="ko-KR" altLang="en-US" dirty="0"/>
-                    </a:p>
-                  </a:txBody>
-                  <a:tcPr anchor="ctr"/>
-                </a:tc>
-                <a:tc>
-                  <a:txBody>
-                    <a:bodyPr/>
-                    <a:lstStyle/>
-                    <a:p>
-                      <a:pPr marL="0" marR="0" indent="0" algn="ctr" defTabSz="914400" rtl="0" eaLnBrk="1" fontAlgn="auto" latinLnBrk="1" hangingPunct="1">
-                        <a:lnSpc>
-                          <a:spcPct val="100000"/>
-                        </a:lnSpc>
-                        <a:spcBef>
-                          <a:spcPts val="0"/>
-                        </a:spcBef>
-                        <a:spcAft>
-                          <a:spcPts val="0"/>
-                        </a:spcAft>
-                        <a:buClrTx/>
-                        <a:buSzTx/>
-                        <a:buFontTx/>
-                        <a:buNone/>
-                        <a:tabLst/>
-                        <a:defRPr/>
-                      </a:pPr>
-                      <a:r>
-                        <a:rPr lang="ko-KR" altLang="en-US" sz="1200" dirty="0" smtClean="0"/>
-                        <a:t>개발 범위의 적 </a:t>
-                      </a:r>
-                      <a:r>
-                        <a:rPr lang="en-US" altLang="ko-KR" sz="1200" dirty="0" smtClean="0"/>
-                        <a:t>AI </a:t>
-                      </a:r>
-                      <a:r>
-                        <a:rPr lang="ko-KR" altLang="en-US" sz="1200" dirty="0" smtClean="0"/>
-                        <a:t>구현</a:t>
-                      </a:r>
-                    </a:p>
-                    <a:p>
-                      <a:pPr algn="ctr" latinLnBrk="1"/>
-                      <a:r>
-                        <a:rPr lang="ko-KR" altLang="en-US" sz="1200" dirty="0" smtClean="0"/>
-                        <a:t>게임을 새로 시작하고 </a:t>
-                      </a:r>
-                      <a:r>
-                        <a:rPr lang="ko-KR" altLang="en-US" sz="1200" dirty="0" err="1" smtClean="0"/>
-                        <a:t>월드맵부터</a:t>
-                      </a:r>
-                      <a:r>
-                        <a:rPr lang="ko-KR" altLang="en-US" sz="1200" dirty="0" smtClean="0"/>
-                        <a:t> 대화 이벤트</a:t>
-                      </a:r>
-                      <a:r>
-                        <a:rPr lang="ko-KR" altLang="en-US" sz="1200" baseline="0" dirty="0" smtClean="0"/>
-                        <a:t> </a:t>
-                      </a:r>
-                      <a:r>
-                        <a:rPr lang="en-US" altLang="ko-KR" sz="1200" baseline="0" dirty="0" smtClean="0"/>
-                        <a:t>– </a:t>
-                      </a:r>
-                      <a:r>
-                        <a:rPr lang="ko-KR" altLang="en-US" sz="1200" baseline="0" dirty="0" err="1" smtClean="0"/>
-                        <a:t>전투맵</a:t>
-                      </a:r>
-                      <a:r>
-                        <a:rPr lang="ko-KR" altLang="en-US" sz="1200" baseline="0" dirty="0" smtClean="0"/>
-                        <a:t> 입장 </a:t>
-                      </a:r>
-                      <a:r>
-                        <a:rPr lang="en-US" altLang="ko-KR" sz="1200" baseline="0" dirty="0" smtClean="0"/>
-                        <a:t>– </a:t>
-                      </a:r>
-                      <a:r>
-                        <a:rPr lang="ko-KR" altLang="en-US" sz="1200" baseline="0" dirty="0" smtClean="0"/>
-                        <a:t>전투 </a:t>
-                      </a:r>
-                      <a:r>
-                        <a:rPr lang="en-US" altLang="ko-KR" sz="1200" baseline="0" dirty="0" smtClean="0"/>
-                        <a:t>– </a:t>
-                      </a:r>
-                      <a:r>
-                        <a:rPr lang="ko-KR" altLang="en-US" sz="1200" baseline="0" dirty="0" smtClean="0"/>
-                        <a:t>승리</a:t>
-                      </a:r>
-                      <a:r>
-                        <a:rPr lang="en-US" altLang="ko-KR" sz="1200" baseline="0" dirty="0" smtClean="0"/>
-                        <a:t>, 3</a:t>
-                      </a:r>
-                      <a:r>
-                        <a:rPr lang="ko-KR" altLang="en-US" sz="1200" baseline="0" dirty="0" smtClean="0"/>
-                        <a:t>개의 </a:t>
-                      </a:r>
-                      <a:r>
-                        <a:rPr lang="ko-KR" altLang="en-US" sz="1200" baseline="0" dirty="0" err="1" smtClean="0"/>
-                        <a:t>전투맵</a:t>
-                      </a:r>
-                      <a:r>
-                        <a:rPr lang="ko-KR" altLang="en-US" sz="1200" baseline="0" dirty="0" smtClean="0"/>
-                        <a:t> </a:t>
-                      </a:r>
-                      <a:r>
-                        <a:rPr lang="ko-KR" altLang="en-US" sz="1200" baseline="0" dirty="0" err="1" smtClean="0"/>
-                        <a:t>승리시</a:t>
-                      </a:r>
-                      <a:r>
-                        <a:rPr lang="ko-KR" altLang="en-US" sz="1200" baseline="0" dirty="0" smtClean="0"/>
-                        <a:t> </a:t>
-                      </a:r>
-                      <a:r>
-                        <a:rPr lang="ko-KR" altLang="en-US" sz="1200" baseline="0" dirty="0" err="1" smtClean="0"/>
-                        <a:t>엔딩까지</a:t>
-                      </a:r>
-                      <a:r>
-                        <a:rPr lang="ko-KR" altLang="en-US" sz="1200" baseline="0" dirty="0" smtClean="0"/>
-                        <a:t> 보여주고 게임 종료</a:t>
-                      </a:r>
-                      <a:r>
-                        <a:rPr lang="en-US" altLang="ko-KR" sz="1200" baseline="0" dirty="0" smtClean="0"/>
-                        <a:t>, </a:t>
-                      </a:r>
-                      <a:r>
-                        <a:rPr lang="ko-KR" altLang="en-US" sz="1200" baseline="0" dirty="0" smtClean="0"/>
-                        <a:t>세이브 기능은 추후 구현</a:t>
-                      </a:r>
-                      <a:endParaRPr lang="ko-KR" altLang="en-US" sz="1200" dirty="0"/>
-                    </a:p>
-                  </a:txBody>
-                  <a:tcPr anchor="ctr"/>
-                </a:tc>
-              </a:tr>
-              <a:tr h="652898">
-                <a:tc>
-                  <a:txBody>
-                    <a:bodyPr/>
-                    <a:lstStyle/>
-                    <a:p>
-                      <a:pPr algn="ctr"/>
-                      <a:r>
-                        <a:rPr lang="en-US" altLang="ko-KR" dirty="0" smtClean="0"/>
-                        <a:t>9</a:t>
-                      </a:r>
-                      <a:r>
-                        <a:rPr lang="ko-KR" altLang="en-US" dirty="0" smtClean="0"/>
-                        <a:t>주차</a:t>
-                      </a:r>
-                      <a:endParaRPr lang="ko-KR" altLang="en-US" dirty="0"/>
-                    </a:p>
-                  </a:txBody>
-                  <a:tcPr anchor="ctr"/>
-                </a:tc>
-                <a:tc>
-                  <a:txBody>
-                    <a:bodyPr/>
-                    <a:lstStyle/>
-                    <a:p>
-                      <a:pPr algn="ctr"/>
-                      <a:r>
-                        <a:rPr lang="ko-KR" altLang="en-US" dirty="0" smtClean="0"/>
-                        <a:t>기말고사</a:t>
-                      </a:r>
-                      <a:endParaRPr lang="ko-KR" altLang="en-US" dirty="0"/>
-                    </a:p>
-                  </a:txBody>
-                  <a:tcPr anchor="ctr"/>
-                </a:tc>
-                <a:tc>
-                  <a:txBody>
-                    <a:bodyPr/>
-                    <a:lstStyle/>
-                    <a:p>
-                      <a:pPr algn="ctr"/>
-                      <a:r>
-                        <a:rPr lang="en-US" altLang="ko-KR" dirty="0" smtClean="0"/>
-                        <a:t>.</a:t>
-                      </a:r>
-                      <a:endParaRPr lang="ko-KR" altLang="en-US" dirty="0"/>
-                    </a:p>
-                  </a:txBody>
-                  <a:tcPr anchor="ctr"/>
-                </a:tc>
-              </a:tr>
-              <a:tr h="652898">
-                <a:tc>
-                  <a:txBody>
-                    <a:bodyPr/>
-                    <a:lstStyle/>
-                    <a:p>
-                      <a:pPr algn="ctr" latinLnBrk="1"/>
-                      <a:r>
-                        <a:rPr lang="en-US" altLang="ko-KR" dirty="0" smtClean="0"/>
-                        <a:t>10</a:t>
-                      </a:r>
-                      <a:r>
-                        <a:rPr lang="ko-KR" altLang="en-US" dirty="0" smtClean="0"/>
-                        <a:t>주차</a:t>
-                      </a:r>
-                      <a:endParaRPr lang="ko-KR" altLang="en-US" dirty="0"/>
-                    </a:p>
-                  </a:txBody>
-                  <a:tcPr anchor="ctr"/>
-                </a:tc>
-                <a:tc>
-                  <a:txBody>
-                    <a:bodyPr/>
-                    <a:lstStyle/>
-                    <a:p>
-                      <a:pPr algn="ctr" latinLnBrk="1"/>
-                      <a:r>
-                        <a:rPr lang="ko-KR" altLang="en-US" dirty="0" smtClean="0"/>
-                        <a:t>마무리</a:t>
-                      </a:r>
-                      <a:endParaRPr lang="ko-KR" altLang="en-US" dirty="0"/>
-                    </a:p>
-                  </a:txBody>
-                  <a:tcPr anchor="ctr"/>
-                </a:tc>
-                <a:tc>
-                  <a:txBody>
-                    <a:bodyPr/>
-                    <a:lstStyle/>
-                    <a:p>
-                      <a:pPr algn="ctr" latinLnBrk="1"/>
-                      <a:r>
-                        <a:rPr lang="ko-KR" altLang="en-US" sz="1200" dirty="0" smtClean="0"/>
-                        <a:t>최종 점검 및 </a:t>
-                      </a:r>
-                      <a:r>
-                        <a:rPr lang="ko-KR" altLang="en-US" sz="1200" dirty="0" err="1" smtClean="0"/>
-                        <a:t>릴리즈</a:t>
-                      </a:r>
-                      <a:endParaRPr lang="ko-KR" altLang="en-US" sz="1200" dirty="0"/>
-                    </a:p>
-                  </a:txBody>
-                  <a:tcPr anchor="ctr"/>
-                </a:tc>
-              </a:tr>
-            </a:tbl>
-          </a:graphicData>
-        </a:graphic>
-      </p:graphicFrame>
-      <p:sp>
-        <p:nvSpPr>
-          <p:cNvPr id="4" name="직사각형 3"/>
-          <p:cNvSpPr/>
-          <p:nvPr/>
-        </p:nvSpPr>
-        <p:spPr>
-          <a:xfrm>
-            <a:off x="-14478" y="0"/>
-            <a:ext cx="9144000" cy="329020"/>
-          </a:xfrm>
-          <a:prstGeom prst="rect">
-            <a:avLst/>
-          </a:prstGeom>
-          <a:solidFill>
-            <a:schemeClr val="bg2">
-              <a:lumMod val="90000"/>
-            </a:schemeClr>
-          </a:solidFill>
-          <a:ln>
-            <a:noFill/>
-          </a:ln>
-        </p:spPr>
-        <p:style>
-          <a:lnRef idx="2">
-            <a:schemeClr val="accent3">
-              <a:shade val="50000"/>
-            </a:schemeClr>
-          </a:lnRef>
-          <a:fillRef idx="1">
-            <a:schemeClr val="accent3"/>
-          </a:fillRef>
-          <a:effectRef idx="0">
-            <a:schemeClr val="accent3"/>
-          </a:effectRef>
-          <a:fontRef idx="minor">
-            <a:schemeClr val="lt1"/>
-          </a:fontRef>
-        </p:style>
-        <p:txBody>
-          <a:bodyPr rtlCol="0" anchor="ctr"/>
-          <a:lstStyle/>
-          <a:p>
-            <a:pPr algn="ctr"/>
-            <a:r>
-              <a:rPr lang="ko-KR" altLang="en-US" dirty="0" smtClean="0"/>
-              <a:t>개발 계획</a:t>
-            </a:r>
-            <a:endParaRPr lang="ko-KR" altLang="en-US" dirty="0"/>
-          </a:p>
-        </p:txBody>
-      </p:sp>
-    </p:spTree>
-    <p:extLst>
-      <p:ext uri="{BB962C8B-B14F-4D97-AF65-F5344CB8AC3E}">
-        <p14:creationId xmlns:p14="http://schemas.microsoft.com/office/powerpoint/2010/main" val="3422263230"/>
-      </p:ext>
-    </p:extLst>
-  </p:cSld>
-  <p:clrMapOvr>
-    <a:masterClrMapping/>
-  </p:clrMapOvr>
-  <p:timing>
-    <p:tnLst>
-      <p:par>
-        <p:cTn id="1" dur="indefinite" restart="never" nodeType="tmRoot"/>
-      </p:par>
-    </p:tnLst>
-  </p:timing>
-</p:sld>
-</file>
-
-<file path=ppt/slides/slide9.xml><?xml version="1.0" encoding="utf-8"?>
 <p:sld xmlns:a="http://schemas.openxmlformats.org/drawingml/2006/main" xmlns:r="http://schemas.openxmlformats.org/officeDocument/2006/relationships" xmlns:p="http://schemas.openxmlformats.org/presentationml/2006/main">
   <p:cSld>
     <p:spTree>
@@ -13521,11 +11205,7 @@
                       </a:r>
                       <a:r>
                         <a:rPr lang="ko-KR" altLang="en-US" sz="1600" dirty="0" smtClean="0"/>
-                        <a:t> 타입은 </a:t>
-                      </a:r>
-                      <a:r>
-                        <a:rPr lang="ko-KR" altLang="en-US" sz="1600" dirty="0" smtClean="0"/>
-                        <a:t>실행이 잘 되는가</a:t>
+                        <a:t> 타입은 실행이 잘 되는가</a:t>
                       </a:r>
                       <a:r>
                         <a:rPr lang="en-US" altLang="ko-KR" sz="1600" dirty="0" smtClean="0"/>
